--- a/VueJS Presentation.pptx
+++ b/VueJS Presentation.pptx
@@ -18,43 +18,44 @@
     <p:sldId id="283" r:id="rId12"/>
     <p:sldId id="271" r:id="rId13"/>
     <p:sldId id="273" r:id="rId14"/>
-    <p:sldId id="306" r:id="rId15"/>
-    <p:sldId id="284" r:id="rId16"/>
-    <p:sldId id="307" r:id="rId17"/>
-    <p:sldId id="285" r:id="rId18"/>
-    <p:sldId id="286" r:id="rId19"/>
-    <p:sldId id="308" r:id="rId20"/>
-    <p:sldId id="288" r:id="rId21"/>
-    <p:sldId id="291" r:id="rId22"/>
-    <p:sldId id="293" r:id="rId23"/>
-    <p:sldId id="292" r:id="rId24"/>
-    <p:sldId id="289" r:id="rId25"/>
-    <p:sldId id="294" r:id="rId26"/>
-    <p:sldId id="309" r:id="rId27"/>
-    <p:sldId id="287" r:id="rId28"/>
-    <p:sldId id="310" r:id="rId29"/>
-    <p:sldId id="274" r:id="rId30"/>
-    <p:sldId id="277" r:id="rId31"/>
-    <p:sldId id="280" r:id="rId32"/>
-    <p:sldId id="281" r:id="rId33"/>
-    <p:sldId id="282" r:id="rId34"/>
-    <p:sldId id="296" r:id="rId35"/>
-    <p:sldId id="295" r:id="rId36"/>
-    <p:sldId id="297" r:id="rId37"/>
-    <p:sldId id="311" r:id="rId38"/>
-    <p:sldId id="260" r:id="rId39"/>
-    <p:sldId id="298" r:id="rId40"/>
-    <p:sldId id="299" r:id="rId41"/>
-    <p:sldId id="261" r:id="rId42"/>
-    <p:sldId id="300" r:id="rId43"/>
-    <p:sldId id="301" r:id="rId44"/>
-    <p:sldId id="276" r:id="rId45"/>
-    <p:sldId id="312" r:id="rId46"/>
-    <p:sldId id="262" r:id="rId47"/>
-    <p:sldId id="313" r:id="rId48"/>
-    <p:sldId id="268" r:id="rId49"/>
-    <p:sldId id="269" r:id="rId50"/>
-    <p:sldId id="314" r:id="rId51"/>
+    <p:sldId id="315" r:id="rId15"/>
+    <p:sldId id="306" r:id="rId16"/>
+    <p:sldId id="284" r:id="rId17"/>
+    <p:sldId id="307" r:id="rId18"/>
+    <p:sldId id="285" r:id="rId19"/>
+    <p:sldId id="286" r:id="rId20"/>
+    <p:sldId id="308" r:id="rId21"/>
+    <p:sldId id="288" r:id="rId22"/>
+    <p:sldId id="291" r:id="rId23"/>
+    <p:sldId id="293" r:id="rId24"/>
+    <p:sldId id="292" r:id="rId25"/>
+    <p:sldId id="289" r:id="rId26"/>
+    <p:sldId id="294" r:id="rId27"/>
+    <p:sldId id="309" r:id="rId28"/>
+    <p:sldId id="287" r:id="rId29"/>
+    <p:sldId id="310" r:id="rId30"/>
+    <p:sldId id="274" r:id="rId31"/>
+    <p:sldId id="277" r:id="rId32"/>
+    <p:sldId id="280" r:id="rId33"/>
+    <p:sldId id="281" r:id="rId34"/>
+    <p:sldId id="282" r:id="rId35"/>
+    <p:sldId id="296" r:id="rId36"/>
+    <p:sldId id="295" r:id="rId37"/>
+    <p:sldId id="297" r:id="rId38"/>
+    <p:sldId id="311" r:id="rId39"/>
+    <p:sldId id="260" r:id="rId40"/>
+    <p:sldId id="298" r:id="rId41"/>
+    <p:sldId id="299" r:id="rId42"/>
+    <p:sldId id="261" r:id="rId43"/>
+    <p:sldId id="300" r:id="rId44"/>
+    <p:sldId id="301" r:id="rId45"/>
+    <p:sldId id="276" r:id="rId46"/>
+    <p:sldId id="312" r:id="rId47"/>
+    <p:sldId id="262" r:id="rId48"/>
+    <p:sldId id="313" r:id="rId49"/>
+    <p:sldId id="268" r:id="rId50"/>
+    <p:sldId id="269" r:id="rId51"/>
+    <p:sldId id="314" r:id="rId52"/>
   </p:sldIdLst>
   <p:sldSz cx="12192000" cy="6858000"/>
   <p:notesSz cx="6858000" cy="9144000"/>
@@ -320,7 +321,7 @@
           <a:p>
             <a:fld id="{1714588F-646F-4FF3-83EC-15A3FDC8EA80}" type="datetimeFigureOut">
               <a:rPr lang="en-US" smtClean="0"/>
-              <a:t>6/21/2020</a:t>
+              <a:t>6/24/2020</a:t>
             </a:fld>
             <a:endParaRPr lang="en-US"/>
           </a:p>
@@ -518,7 +519,7 @@
           <a:p>
             <a:fld id="{1714588F-646F-4FF3-83EC-15A3FDC8EA80}" type="datetimeFigureOut">
               <a:rPr lang="en-US" smtClean="0"/>
-              <a:t>6/21/2020</a:t>
+              <a:t>6/24/2020</a:t>
             </a:fld>
             <a:endParaRPr lang="en-US"/>
           </a:p>
@@ -726,7 +727,7 @@
           <a:p>
             <a:fld id="{1714588F-646F-4FF3-83EC-15A3FDC8EA80}" type="datetimeFigureOut">
               <a:rPr lang="en-US" smtClean="0"/>
-              <a:t>6/21/2020</a:t>
+              <a:t>6/24/2020</a:t>
             </a:fld>
             <a:endParaRPr lang="en-US"/>
           </a:p>
@@ -924,7 +925,7 @@
           <a:p>
             <a:fld id="{1714588F-646F-4FF3-83EC-15A3FDC8EA80}" type="datetimeFigureOut">
               <a:rPr lang="en-US" smtClean="0"/>
-              <a:t>6/21/2020</a:t>
+              <a:t>6/24/2020</a:t>
             </a:fld>
             <a:endParaRPr lang="en-US"/>
           </a:p>
@@ -1199,7 +1200,7 @@
           <a:p>
             <a:fld id="{1714588F-646F-4FF3-83EC-15A3FDC8EA80}" type="datetimeFigureOut">
               <a:rPr lang="en-US" smtClean="0"/>
-              <a:t>6/21/2020</a:t>
+              <a:t>6/24/2020</a:t>
             </a:fld>
             <a:endParaRPr lang="en-US"/>
           </a:p>
@@ -1464,7 +1465,7 @@
           <a:p>
             <a:fld id="{1714588F-646F-4FF3-83EC-15A3FDC8EA80}" type="datetimeFigureOut">
               <a:rPr lang="en-US" smtClean="0"/>
-              <a:t>6/21/2020</a:t>
+              <a:t>6/24/2020</a:t>
             </a:fld>
             <a:endParaRPr lang="en-US"/>
           </a:p>
@@ -1876,7 +1877,7 @@
           <a:p>
             <a:fld id="{1714588F-646F-4FF3-83EC-15A3FDC8EA80}" type="datetimeFigureOut">
               <a:rPr lang="en-US" smtClean="0"/>
-              <a:t>6/21/2020</a:t>
+              <a:t>6/24/2020</a:t>
             </a:fld>
             <a:endParaRPr lang="en-US"/>
           </a:p>
@@ -2017,7 +2018,7 @@
           <a:p>
             <a:fld id="{1714588F-646F-4FF3-83EC-15A3FDC8EA80}" type="datetimeFigureOut">
               <a:rPr lang="en-US" smtClean="0"/>
-              <a:t>6/21/2020</a:t>
+              <a:t>6/24/2020</a:t>
             </a:fld>
             <a:endParaRPr lang="en-US"/>
           </a:p>
@@ -2130,7 +2131,7 @@
           <a:p>
             <a:fld id="{1714588F-646F-4FF3-83EC-15A3FDC8EA80}" type="datetimeFigureOut">
               <a:rPr lang="en-US" smtClean="0"/>
-              <a:t>6/21/2020</a:t>
+              <a:t>6/24/2020</a:t>
             </a:fld>
             <a:endParaRPr lang="en-US"/>
           </a:p>
@@ -2441,7 +2442,7 @@
           <a:p>
             <a:fld id="{1714588F-646F-4FF3-83EC-15A3FDC8EA80}" type="datetimeFigureOut">
               <a:rPr lang="en-US" smtClean="0"/>
-              <a:t>6/21/2020</a:t>
+              <a:t>6/24/2020</a:t>
             </a:fld>
             <a:endParaRPr lang="en-US"/>
           </a:p>
@@ -2729,7 +2730,7 @@
           <a:p>
             <a:fld id="{1714588F-646F-4FF3-83EC-15A3FDC8EA80}" type="datetimeFigureOut">
               <a:rPr lang="en-US" smtClean="0"/>
-              <a:t>6/21/2020</a:t>
+              <a:t>6/24/2020</a:t>
             </a:fld>
             <a:endParaRPr lang="en-US"/>
           </a:p>
@@ -2970,7 +2971,7 @@
           <a:p>
             <a:fld id="{1714588F-646F-4FF3-83EC-15A3FDC8EA80}" type="datetimeFigureOut">
               <a:rPr lang="en-US" smtClean="0"/>
-              <a:t>6/21/2020</a:t>
+              <a:t>6/24/2020</a:t>
             </a:fld>
             <a:endParaRPr lang="en-US"/>
           </a:p>
@@ -3464,6 +3465,13 @@
   <p:clrMapOvr>
     <a:masterClrMapping/>
   </p:clrMapOvr>
+  <p:timing>
+    <p:tnLst>
+      <p:par>
+        <p:cTn id="1" dur="indefinite" restart="never" nodeType="tmRoot"/>
+      </p:par>
+    </p:tnLst>
+  </p:timing>
 </p:sld>
 </file>
 
@@ -3784,7 +3792,7 @@
             </p:nvSpPr>
             <p:spPr>
               <a:xfrm>
-                <a:off x="123523" y="1848051"/>
+                <a:off x="133751" y="1848051"/>
                 <a:ext cx="3399622" cy="2935705"/>
               </a:xfrm>
               <a:prstGeom prst="flowChartConnector">
@@ -3852,13 +3860,21 @@
             <a:lstStyle/>
             <a:p>
               <a:r>
-                <a:rPr lang="en-US" dirty="0"/>
+                <a:rPr lang="en-US" dirty="0">
+                  <a:solidFill>
+                    <a:schemeClr val="bg1"/>
+                  </a:solidFill>
+                </a:rPr>
                 <a:t>Component</a:t>
               </a:r>
             </a:p>
             <a:p>
               <a:r>
-                <a:rPr lang="en-US" dirty="0"/>
+                <a:rPr lang="en-US" dirty="0">
+                  <a:solidFill>
+                    <a:schemeClr val="bg1"/>
+                  </a:solidFill>
+                </a:rPr>
                 <a:t>System</a:t>
               </a:r>
             </a:p>
@@ -3893,13 +3909,21 @@
             <a:lstStyle/>
             <a:p>
               <a:r>
-                <a:rPr lang="en-US" dirty="0"/>
+                <a:rPr lang="en-US" dirty="0">
+                  <a:solidFill>
+                    <a:schemeClr val="bg1"/>
+                  </a:solidFill>
+                </a:rPr>
                 <a:t>Client-side</a:t>
               </a:r>
             </a:p>
             <a:p>
               <a:r>
-                <a:rPr lang="en-US" dirty="0"/>
+                <a:rPr lang="en-US" dirty="0">
+                  <a:solidFill>
+                    <a:schemeClr val="bg1"/>
+                  </a:solidFill>
+                </a:rPr>
                 <a:t>Routing</a:t>
               </a:r>
             </a:p>
@@ -4033,14 +4057,22 @@
             <a:p>
               <a:pPr algn="ctr"/>
               <a:r>
-                <a:rPr lang="en-US" dirty="0"/>
+                <a:rPr lang="en-US" dirty="0">
+                  <a:solidFill>
+                    <a:schemeClr val="bg1"/>
+                  </a:solidFill>
+                </a:rPr>
                 <a:t>Declarative</a:t>
               </a:r>
             </a:p>
             <a:p>
               <a:pPr algn="ctr"/>
               <a:r>
-                <a:rPr lang="en-US" dirty="0"/>
+                <a:rPr lang="en-US" dirty="0">
+                  <a:solidFill>
+                    <a:schemeClr val="bg1"/>
+                  </a:solidFill>
+                </a:rPr>
                 <a:t>Rendering</a:t>
               </a:r>
             </a:p>
@@ -4057,6 +4089,13 @@
   <p:clrMapOvr>
     <a:masterClrMapping/>
   </p:clrMapOvr>
+  <p:timing>
+    <p:tnLst>
+      <p:par>
+        <p:cTn id="1" dur="indefinite" restart="never" nodeType="tmRoot"/>
+      </p:par>
+    </p:tnLst>
+  </p:timing>
 </p:sld>
 </file>
 
@@ -4203,6 +4242,13 @@
   <p:clrMapOvr>
     <a:masterClrMapping/>
   </p:clrMapOvr>
+  <p:timing>
+    <p:tnLst>
+      <p:par>
+        <p:cTn id="1" dur="indefinite" restart="never" nodeType="tmRoot"/>
+      </p:par>
+    </p:tnLst>
+  </p:timing>
 </p:sld>
 </file>
 
@@ -5307,6 +5353,13 @@
   <p:clrMapOvr>
     <a:masterClrMapping/>
   </p:clrMapOvr>
+  <p:timing>
+    <p:tnLst>
+      <p:par>
+        <p:cTn id="1" dur="indefinite" restart="never" nodeType="tmRoot"/>
+      </p:par>
+    </p:tnLst>
+  </p:timing>
 </p:sld>
 </file>
 
@@ -5775,10 +5828,85 @@
   <p:clrMapOvr>
     <a:masterClrMapping/>
   </p:clrMapOvr>
+  <p:timing>
+    <p:tnLst>
+      <p:par>
+        <p:cTn id="1" dur="indefinite" restart="never" nodeType="tmRoot"/>
+      </p:par>
+    </p:tnLst>
+  </p:timing>
 </p:sld>
 </file>
 
 <file path=ppt/slides/slide14.xml><?xml version="1.0" encoding="utf-8"?>
+<p:sld xmlns:a="http://schemas.openxmlformats.org/drawingml/2006/main" xmlns:r="http://schemas.openxmlformats.org/officeDocument/2006/relationships" xmlns:p="http://schemas.openxmlformats.org/presentationml/2006/main">
+  <p:cSld>
+    <p:spTree>
+      <p:nvGrpSpPr>
+        <p:cNvPr id="1" name=""/>
+        <p:cNvGrpSpPr/>
+        <p:nvPr/>
+      </p:nvGrpSpPr>
+      <p:grpSpPr>
+        <a:xfrm>
+          <a:off x="0" y="0"/>
+          <a:ext cx="0" cy="0"/>
+          <a:chOff x="0" y="0"/>
+          <a:chExt cx="0" cy="0"/>
+        </a:xfrm>
+      </p:grpSpPr>
+      <p:sp>
+        <p:nvSpPr>
+          <p:cNvPr id="2" name="Title 1"/>
+          <p:cNvSpPr>
+            <a:spLocks noGrp="1"/>
+          </p:cNvSpPr>
+          <p:nvPr>
+            <p:ph type="title"/>
+          </p:nvPr>
+        </p:nvSpPr>
+        <p:spPr/>
+        <p:txBody>
+          <a:bodyPr/>
+          <a:lstStyle/>
+          <a:p>
+            <a:r>
+              <a:rPr lang="de-DE" dirty="0" smtClean="0">
+                <a:solidFill>
+                  <a:srgbClr val="FF0000"/>
+                </a:solidFill>
+              </a:rPr>
+              <a:t>Vue requirements</a:t>
+            </a:r>
+            <a:endParaRPr lang="de-DE" dirty="0">
+              <a:solidFill>
+                <a:srgbClr val="FF0000"/>
+              </a:solidFill>
+            </a:endParaRPr>
+          </a:p>
+        </p:txBody>
+      </p:sp>
+    </p:spTree>
+    <p:extLst>
+      <p:ext uri="{BB962C8B-B14F-4D97-AF65-F5344CB8AC3E}">
+        <p14:creationId xmlns:p14="http://schemas.microsoft.com/office/powerpoint/2010/main" val="943159797"/>
+      </p:ext>
+    </p:extLst>
+  </p:cSld>
+  <p:clrMapOvr>
+    <a:masterClrMapping/>
+  </p:clrMapOvr>
+  <p:timing>
+    <p:tnLst>
+      <p:par>
+        <p:cTn id="1" dur="indefinite" restart="never" nodeType="tmRoot"/>
+      </p:par>
+    </p:tnLst>
+  </p:timing>
+</p:sld>
+</file>
+
+<file path=ppt/slides/slide15.xml><?xml version="1.0" encoding="utf-8"?>
 <p:sld xmlns:a="http://schemas.openxmlformats.org/drawingml/2006/main" xmlns:r="http://schemas.openxmlformats.org/officeDocument/2006/relationships" xmlns:p="http://schemas.openxmlformats.org/presentationml/2006/main">
   <p:cSld>
     <p:bg>
@@ -5805,31 +5933,6 @@
       </p:grpSpPr>
       <p:sp>
         <p:nvSpPr>
-          <p:cNvPr id="2" name="Title 1">
-            <a:extLst>
-              <a:ext uri="{FF2B5EF4-FFF2-40B4-BE49-F238E27FC236}">
-                <a16:creationId xmlns:a16="http://schemas.microsoft.com/office/drawing/2014/main" id="{92451528-9FC4-4930-855B-2E459095A6C5}"/>
-              </a:ext>
-            </a:extLst>
-          </p:cNvPr>
-          <p:cNvSpPr>
-            <a:spLocks noGrp="1"/>
-          </p:cNvSpPr>
-          <p:nvPr>
-            <p:ph type="title"/>
-          </p:nvPr>
-        </p:nvSpPr>
-        <p:spPr/>
-        <p:txBody>
-          <a:bodyPr/>
-          <a:lstStyle/>
-          <a:p>
-            <a:endParaRPr lang="en-US"/>
-          </a:p>
-        </p:txBody>
-      </p:sp>
-      <p:sp>
-        <p:nvSpPr>
           <p:cNvPr id="3" name="Title 1">
             <a:extLst>
               <a:ext uri="{FF2B5EF4-FFF2-40B4-BE49-F238E27FC236}">
@@ -5940,7 +6043,7 @@
         </p:nvSpPr>
         <p:spPr>
           <a:xfrm>
-            <a:off x="4000071" y="2716967"/>
+            <a:off x="4000071" y="2764102"/>
             <a:ext cx="4222680" cy="646331"/>
           </a:xfrm>
           <a:prstGeom prst="rect">
@@ -6016,10 +6119,17 @@
   <p:clrMapOvr>
     <a:masterClrMapping/>
   </p:clrMapOvr>
+  <p:timing>
+    <p:tnLst>
+      <p:par>
+        <p:cTn id="1" dur="indefinite" restart="never" nodeType="tmRoot"/>
+      </p:par>
+    </p:tnLst>
+  </p:timing>
 </p:sld>
 </file>
 
-<file path=ppt/slides/slide15.xml><?xml version="1.0" encoding="utf-8"?>
+<file path=ppt/slides/slide16.xml><?xml version="1.0" encoding="utf-8"?>
 <p:sld xmlns:a="http://schemas.openxmlformats.org/drawingml/2006/main" xmlns:r="http://schemas.openxmlformats.org/officeDocument/2006/relationships" xmlns:p="http://schemas.openxmlformats.org/presentationml/2006/main">
   <p:cSld>
     <p:spTree>
@@ -7651,7 +7761,7 @@
         </p:nvSpPr>
         <p:spPr>
           <a:xfrm>
-            <a:off x="3523476" y="3102285"/>
+            <a:off x="2928753" y="455596"/>
             <a:ext cx="1654685" cy="461665"/>
           </a:xfrm>
           <a:prstGeom prst="rect">
@@ -7667,13 +7777,18 @@
           <a:p>
             <a:pPr algn="ctr"/>
             <a:r>
-              <a:rPr lang="en-US" sz="2400" dirty="0">
+              <a:rPr lang="en-US" sz="2400" dirty="0" smtClean="0">
                 <a:solidFill>
                   <a:srgbClr val="FE4E57"/>
                 </a:solidFill>
               </a:rPr>
-              <a:t>Life cycle</a:t>
-            </a:r>
+              <a:t>Life-cycle</a:t>
+            </a:r>
+            <a:endParaRPr lang="en-US" sz="2400" dirty="0">
+              <a:solidFill>
+                <a:srgbClr val="FE4E57"/>
+              </a:solidFill>
+            </a:endParaRPr>
           </a:p>
         </p:txBody>
       </p:sp>
@@ -7805,10 +7920,17 @@
   <p:clrMapOvr>
     <a:masterClrMapping/>
   </p:clrMapOvr>
+  <p:timing>
+    <p:tnLst>
+      <p:par>
+        <p:cTn id="1" dur="indefinite" restart="never" nodeType="tmRoot"/>
+      </p:par>
+    </p:tnLst>
+  </p:timing>
 </p:sld>
 </file>
 
-<file path=ppt/slides/slide16.xml><?xml version="1.0" encoding="utf-8"?>
+<file path=ppt/slides/slide17.xml><?xml version="1.0" encoding="utf-8"?>
 <p:sld xmlns:a="http://schemas.openxmlformats.org/drawingml/2006/main" xmlns:r="http://schemas.openxmlformats.org/officeDocument/2006/relationships" xmlns:p="http://schemas.openxmlformats.org/presentationml/2006/main">
   <p:cSld>
     <p:bg>
@@ -7835,31 +7957,6 @@
       </p:grpSpPr>
       <p:sp>
         <p:nvSpPr>
-          <p:cNvPr id="2" name="Title 1">
-            <a:extLst>
-              <a:ext uri="{FF2B5EF4-FFF2-40B4-BE49-F238E27FC236}">
-                <a16:creationId xmlns:a16="http://schemas.microsoft.com/office/drawing/2014/main" id="{92451528-9FC4-4930-855B-2E459095A6C5}"/>
-              </a:ext>
-            </a:extLst>
-          </p:cNvPr>
-          <p:cNvSpPr>
-            <a:spLocks noGrp="1"/>
-          </p:cNvSpPr>
-          <p:nvPr>
-            <p:ph type="title"/>
-          </p:nvPr>
-        </p:nvSpPr>
-        <p:spPr/>
-        <p:txBody>
-          <a:bodyPr/>
-          <a:lstStyle/>
-          <a:p>
-            <a:endParaRPr lang="en-US"/>
-          </a:p>
-        </p:txBody>
-      </p:sp>
-      <p:sp>
-        <p:nvSpPr>
           <p:cNvPr id="4" name="TextBox 3">
             <a:extLst>
               <a:ext uri="{FF2B5EF4-FFF2-40B4-BE49-F238E27FC236}">
@@ -7908,10 +8005,17 @@
   <p:clrMapOvr>
     <a:masterClrMapping/>
   </p:clrMapOvr>
+  <p:timing>
+    <p:tnLst>
+      <p:par>
+        <p:cTn id="1" dur="indefinite" restart="never" nodeType="tmRoot"/>
+      </p:par>
+    </p:tnLst>
+  </p:timing>
 </p:sld>
 </file>
 
-<file path=ppt/slides/slide17.xml><?xml version="1.0" encoding="utf-8"?>
+<file path=ppt/slides/slide18.xml><?xml version="1.0" encoding="utf-8"?>
 <p:sld xmlns:a="http://schemas.openxmlformats.org/drawingml/2006/main" xmlns:r="http://schemas.openxmlformats.org/officeDocument/2006/relationships" xmlns:p="http://schemas.openxmlformats.org/presentationml/2006/main">
   <p:cSld>
     <p:spTree>
@@ -7992,12 +8096,28 @@
           <a:lstStyle/>
           <a:p>
             <a:r>
-              <a:rPr lang="en-US" dirty="0"/>
+              <a:rPr lang="en-US" b="1" dirty="0"/>
               <a:t>#</a:t>
             </a:r>
             <a:r>
+              <a:rPr lang="en-US" sz="2400" b="1" dirty="0"/>
+              <a:t>el</a:t>
+            </a:r>
+            <a:r>
               <a:rPr lang="en-US" sz="2400" dirty="0"/>
-              <a:t>el: Mount Vue instance with DOM element</a:t>
+              <a:t>: </a:t>
+            </a:r>
+            <a:r>
+              <a:rPr lang="en-US" sz="2400" dirty="0">
+                <a:solidFill>
+                  <a:srgbClr val="42B983"/>
+                </a:solidFill>
+              </a:rPr>
+              <a:t>Mount</a:t>
+            </a:r>
+            <a:r>
+              <a:rPr lang="en-US" sz="2400" dirty="0"/>
+              <a:t> Vue instance with DOM element</a:t>
             </a:r>
           </a:p>
           <a:p>
@@ -8023,7 +8143,7 @@
           <p:nvPr/>
         </p:nvPicPr>
         <p:blipFill>
-          <a:blip r:embed="rId2">
+          <a:blip r:embed="rId2" cstate="hqprint">
             <a:alphaModFix/>
             <a:extLst>
               <a:ext uri="{BEBA8EAE-BF5A-486C-A8C5-ECC9F3942E4B}">
@@ -8053,7 +8173,7 @@
         </p:blipFill>
         <p:spPr>
           <a:xfrm>
-            <a:off x="7909264" y="1751257"/>
+            <a:off x="7862129" y="1675841"/>
             <a:ext cx="645491" cy="595838"/>
           </a:xfrm>
           <a:prstGeom prst="rect">
@@ -8075,7 +8195,7 @@
         </p:nvSpPr>
         <p:spPr>
           <a:xfrm>
-            <a:off x="7753352" y="866000"/>
+            <a:off x="7706217" y="790584"/>
             <a:ext cx="1092733" cy="523220"/>
           </a:xfrm>
           <a:prstGeom prst="rect">
@@ -8114,7 +8234,7 @@
         </p:nvGrpSpPr>
         <p:grpSpPr>
           <a:xfrm>
-            <a:off x="8145999" y="1280010"/>
+            <a:off x="8098864" y="1204594"/>
             <a:ext cx="163109" cy="536399"/>
             <a:chOff x="7662863" y="1879600"/>
             <a:chExt cx="271790" cy="969433"/>
@@ -8313,8 +8433,24 @@
           <a:lstStyle/>
           <a:p>
             <a:r>
+              <a:rPr lang="en-US" sz="2400" b="1" dirty="0"/>
+              <a:t>template</a:t>
+            </a:r>
+            <a:r>
               <a:rPr lang="en-US" sz="2400" dirty="0"/>
-              <a:t>template: Define HTML markup for Vue instance</a:t>
+              <a:t>: </a:t>
+            </a:r>
+            <a:r>
+              <a:rPr lang="en-US" sz="2400" dirty="0">
+                <a:solidFill>
+                  <a:srgbClr val="42B983"/>
+                </a:solidFill>
+              </a:rPr>
+              <a:t>Define HTML markup </a:t>
+            </a:r>
+            <a:r>
+              <a:rPr lang="en-US" sz="2400" dirty="0"/>
+              <a:t>for Vue instance</a:t>
             </a:r>
           </a:p>
           <a:p>
@@ -8339,7 +8475,7 @@
         </p:nvGrpSpPr>
         <p:grpSpPr>
           <a:xfrm>
-            <a:off x="7792936" y="2806228"/>
+            <a:off x="7745801" y="2796801"/>
             <a:ext cx="956409" cy="812721"/>
             <a:chOff x="6676113" y="2637775"/>
             <a:chExt cx="956409" cy="812721"/>
@@ -8846,12 +8982,24 @@
           <a:lstStyle/>
           <a:p>
             <a:r>
+              <a:rPr lang="en-US" sz="2400" b="1" dirty="0"/>
+              <a:t>data</a:t>
+            </a:r>
+            <a:r>
               <a:rPr lang="en-US" sz="2400" dirty="0"/>
-              <a:t>data: A data object or a function return object for Vue component, it’s </a:t>
+              <a:t>: A data object or a function return object for Vue component, it’s </a:t>
+            </a:r>
+            <a:r>
+              <a:rPr lang="en-US" sz="2400" dirty="0">
+                <a:solidFill>
+                  <a:srgbClr val="42B983"/>
+                </a:solidFill>
+              </a:rPr>
+              <a:t>reactive</a:t>
             </a:r>
             <a:r>
               <a:rPr lang="en-US" sz="2400" b="1" dirty="0"/>
-              <a:t>reactive </a:t>
+              <a:t> </a:t>
             </a:r>
           </a:p>
         </p:txBody>
@@ -8866,10 +9014,17 @@
   <p:clrMapOvr>
     <a:masterClrMapping/>
   </p:clrMapOvr>
+  <p:timing>
+    <p:tnLst>
+      <p:par>
+        <p:cTn id="1" dur="indefinite" restart="never" nodeType="tmRoot"/>
+      </p:par>
+    </p:tnLst>
+  </p:timing>
 </p:sld>
 </file>
 
-<file path=ppt/slides/slide18.xml><?xml version="1.0" encoding="utf-8"?>
+<file path=ppt/slides/slide19.xml><?xml version="1.0" encoding="utf-8"?>
 <p:sld xmlns:a="http://schemas.openxmlformats.org/drawingml/2006/main" xmlns:r="http://schemas.openxmlformats.org/officeDocument/2006/relationships" xmlns:p="http://schemas.openxmlformats.org/presentationml/2006/main">
   <p:cSld>
     <p:spTree>
@@ -9828,7 +9983,7 @@
         </p:blipFill>
         <p:spPr>
           <a:xfrm>
-            <a:off x="2257225" y="5797834"/>
+            <a:off x="4532972" y="2488031"/>
             <a:ext cx="4671649" cy="886261"/>
           </a:xfrm>
           <a:prstGeom prst="rect">
@@ -9858,7 +10013,7 @@
         </p:blipFill>
         <p:spPr>
           <a:xfrm>
-            <a:off x="6266088" y="3368255"/>
+            <a:off x="6377048" y="4112445"/>
             <a:ext cx="5814952" cy="2302863"/>
           </a:xfrm>
           <a:prstGeom prst="rect">
@@ -9915,109 +10070,13 @@
   <p:clrMapOvr>
     <a:masterClrMapping/>
   </p:clrMapOvr>
-</p:sld>
-</file>
-
-<file path=ppt/slides/slide19.xml><?xml version="1.0" encoding="utf-8"?>
-<p:sld xmlns:a="http://schemas.openxmlformats.org/drawingml/2006/main" xmlns:r="http://schemas.openxmlformats.org/officeDocument/2006/relationships" xmlns:p="http://schemas.openxmlformats.org/presentationml/2006/main">
-  <p:cSld>
-    <p:bg>
-      <p:bgPr>
-        <a:solidFill>
-          <a:srgbClr val="42B983"/>
-        </a:solidFill>
-        <a:effectLst/>
-      </p:bgPr>
-    </p:bg>
-    <p:spTree>
-      <p:nvGrpSpPr>
-        <p:cNvPr id="1" name=""/>
-        <p:cNvGrpSpPr/>
-        <p:nvPr/>
-      </p:nvGrpSpPr>
-      <p:grpSpPr>
-        <a:xfrm>
-          <a:off x="0" y="0"/>
-          <a:ext cx="0" cy="0"/>
-          <a:chOff x="0" y="0"/>
-          <a:chExt cx="0" cy="0"/>
-        </a:xfrm>
-      </p:grpSpPr>
-      <p:sp>
-        <p:nvSpPr>
-          <p:cNvPr id="2" name="Title 1">
-            <a:extLst>
-              <a:ext uri="{FF2B5EF4-FFF2-40B4-BE49-F238E27FC236}">
-                <a16:creationId xmlns:a16="http://schemas.microsoft.com/office/drawing/2014/main" id="{92451528-9FC4-4930-855B-2E459095A6C5}"/>
-              </a:ext>
-            </a:extLst>
-          </p:cNvPr>
-          <p:cNvSpPr>
-            <a:spLocks noGrp="1"/>
-          </p:cNvSpPr>
-          <p:nvPr>
-            <p:ph type="title"/>
-          </p:nvPr>
-        </p:nvSpPr>
-        <p:spPr/>
-        <p:txBody>
-          <a:bodyPr/>
-          <a:lstStyle/>
-          <a:p>
-            <a:endParaRPr lang="en-US"/>
-          </a:p>
-        </p:txBody>
-      </p:sp>
-      <p:sp>
-        <p:nvSpPr>
-          <p:cNvPr id="4" name="TextBox 3">
-            <a:extLst>
-              <a:ext uri="{FF2B5EF4-FFF2-40B4-BE49-F238E27FC236}">
-                <a16:creationId xmlns:a16="http://schemas.microsoft.com/office/drawing/2014/main" id="{9D2EB246-4291-481B-AE5D-FB35D0002B44}"/>
-              </a:ext>
-            </a:extLst>
-          </p:cNvPr>
-          <p:cNvSpPr txBox="1"/>
-          <p:nvPr/>
-        </p:nvSpPr>
-        <p:spPr>
-          <a:xfrm>
-            <a:off x="4000071" y="2070636"/>
-            <a:ext cx="4222680" cy="646331"/>
-          </a:xfrm>
-          <a:prstGeom prst="rect">
-            <a:avLst/>
-          </a:prstGeom>
-          <a:noFill/>
-        </p:spPr>
-        <p:txBody>
-          <a:bodyPr wrap="square" rtlCol="0">
-            <a:spAutoFit/>
-          </a:bodyPr>
-          <a:lstStyle/>
-          <a:p>
-            <a:pPr algn="ctr"/>
-            <a:r>
-              <a:rPr lang="en-US" sz="3600" b="1" dirty="0">
-                <a:solidFill>
-                  <a:schemeClr val="bg1"/>
-                </a:solidFill>
-              </a:rPr>
-              <a:t>Vue directives</a:t>
-            </a:r>
-          </a:p>
-        </p:txBody>
-      </p:sp>
-    </p:spTree>
-    <p:extLst>
-      <p:ext uri="{BB962C8B-B14F-4D97-AF65-F5344CB8AC3E}">
-        <p14:creationId xmlns:p14="http://schemas.microsoft.com/office/powerpoint/2010/main" val="218404276"/>
-      </p:ext>
-    </p:extLst>
-  </p:cSld>
-  <p:clrMapOvr>
-    <a:masterClrMapping/>
-  </p:clrMapOvr>
+  <p:timing>
+    <p:tnLst>
+      <p:par>
+        <p:cTn id="1" dur="indefinite" restart="never" nodeType="tmRoot"/>
+      </p:par>
+    </p:tnLst>
+  </p:timing>
 </p:sld>
 </file>
 
@@ -10061,7 +10120,7 @@
         <p:spPr>
           <a:xfrm>
             <a:off x="472610" y="380144"/>
-            <a:ext cx="7212459" cy="5324535"/>
+            <a:ext cx="8234068" cy="5324535"/>
           </a:xfrm>
           <a:prstGeom prst="rect">
             <a:avLst/>
@@ -10099,8 +10158,21 @@
                   <a:schemeClr val="bg1"/>
                 </a:solidFill>
               </a:rPr>
-              <a:t>What is SPA?</a:t>
-            </a:r>
+              <a:t>What is </a:t>
+            </a:r>
+            <a:r>
+              <a:rPr lang="en-US" sz="3600" dirty="0" smtClean="0">
+                <a:solidFill>
+                  <a:schemeClr val="bg1"/>
+                </a:solidFill>
+              </a:rPr>
+              <a:t>Single Page Application (SPA)?</a:t>
+            </a:r>
+            <a:endParaRPr lang="en-US" sz="3600" dirty="0">
+              <a:solidFill>
+                <a:schemeClr val="bg1"/>
+              </a:solidFill>
+            </a:endParaRPr>
           </a:p>
           <a:p>
             <a:r>
@@ -10174,10 +10246,102 @@
   <p:clrMapOvr>
     <a:masterClrMapping/>
   </p:clrMapOvr>
+  <p:timing>
+    <p:tnLst>
+      <p:par>
+        <p:cTn id="1" dur="indefinite" restart="never" nodeType="tmRoot"/>
+      </p:par>
+    </p:tnLst>
+  </p:timing>
 </p:sld>
 </file>
 
 <file path=ppt/slides/slide20.xml><?xml version="1.0" encoding="utf-8"?>
+<p:sld xmlns:a="http://schemas.openxmlformats.org/drawingml/2006/main" xmlns:r="http://schemas.openxmlformats.org/officeDocument/2006/relationships" xmlns:p="http://schemas.openxmlformats.org/presentationml/2006/main">
+  <p:cSld>
+    <p:bg>
+      <p:bgPr>
+        <a:solidFill>
+          <a:srgbClr val="42B983"/>
+        </a:solidFill>
+        <a:effectLst/>
+      </p:bgPr>
+    </p:bg>
+    <p:spTree>
+      <p:nvGrpSpPr>
+        <p:cNvPr id="1" name=""/>
+        <p:cNvGrpSpPr/>
+        <p:nvPr/>
+      </p:nvGrpSpPr>
+      <p:grpSpPr>
+        <a:xfrm>
+          <a:off x="0" y="0"/>
+          <a:ext cx="0" cy="0"/>
+          <a:chOff x="0" y="0"/>
+          <a:chExt cx="0" cy="0"/>
+        </a:xfrm>
+      </p:grpSpPr>
+      <p:sp>
+        <p:nvSpPr>
+          <p:cNvPr id="4" name="TextBox 3">
+            <a:extLst>
+              <a:ext uri="{FF2B5EF4-FFF2-40B4-BE49-F238E27FC236}">
+                <a16:creationId xmlns:a16="http://schemas.microsoft.com/office/drawing/2014/main" id="{9D2EB246-4291-481B-AE5D-FB35D0002B44}"/>
+              </a:ext>
+            </a:extLst>
+          </p:cNvPr>
+          <p:cNvSpPr txBox="1"/>
+          <p:nvPr/>
+        </p:nvSpPr>
+        <p:spPr>
+          <a:xfrm>
+            <a:off x="4000071" y="2070636"/>
+            <a:ext cx="4222680" cy="646331"/>
+          </a:xfrm>
+          <a:prstGeom prst="rect">
+            <a:avLst/>
+          </a:prstGeom>
+          <a:noFill/>
+        </p:spPr>
+        <p:txBody>
+          <a:bodyPr wrap="square" rtlCol="0">
+            <a:spAutoFit/>
+          </a:bodyPr>
+          <a:lstStyle/>
+          <a:p>
+            <a:pPr algn="ctr"/>
+            <a:r>
+              <a:rPr lang="en-US" sz="3600" b="1" dirty="0">
+                <a:solidFill>
+                  <a:schemeClr val="bg1"/>
+                </a:solidFill>
+              </a:rPr>
+              <a:t>Vue directives</a:t>
+            </a:r>
+          </a:p>
+        </p:txBody>
+      </p:sp>
+    </p:spTree>
+    <p:extLst>
+      <p:ext uri="{BB962C8B-B14F-4D97-AF65-F5344CB8AC3E}">
+        <p14:creationId xmlns:p14="http://schemas.microsoft.com/office/powerpoint/2010/main" val="218404276"/>
+      </p:ext>
+    </p:extLst>
+  </p:cSld>
+  <p:clrMapOvr>
+    <a:masterClrMapping/>
+  </p:clrMapOvr>
+  <p:timing>
+    <p:tnLst>
+      <p:par>
+        <p:cTn id="1" dur="indefinite" restart="never" nodeType="tmRoot"/>
+      </p:par>
+    </p:tnLst>
+  </p:timing>
+</p:sld>
+</file>
+
+<file path=ppt/slides/slide21.xml><?xml version="1.0" encoding="utf-8"?>
 <p:sld xmlns:a="http://schemas.openxmlformats.org/drawingml/2006/main" xmlns:r="http://schemas.openxmlformats.org/officeDocument/2006/relationships" xmlns:p="http://schemas.openxmlformats.org/presentationml/2006/main">
   <p:cSld>
     <p:spTree>
@@ -10208,7 +10372,7 @@
         </p:nvSpPr>
         <p:spPr>
           <a:xfrm>
-            <a:off x="5756366" y="2821917"/>
+            <a:off x="5756366" y="2529686"/>
             <a:ext cx="1219200" cy="523220"/>
           </a:xfrm>
           <a:prstGeom prst="rect">
@@ -10223,7 +10387,11 @@
           <a:lstStyle/>
           <a:p>
             <a:r>
-              <a:rPr lang="en-US" sz="2800" dirty="0"/>
+              <a:rPr lang="en-US" sz="2800" dirty="0">
+                <a:solidFill>
+                  <a:srgbClr val="42B983"/>
+                </a:solidFill>
+              </a:rPr>
               <a:t>v-bind</a:t>
             </a:r>
           </a:p>
@@ -10280,7 +10448,7 @@
         </p:nvGrpSpPr>
         <p:grpSpPr>
           <a:xfrm>
-            <a:off x="1351796" y="1442733"/>
+            <a:off x="1351796" y="1150502"/>
             <a:ext cx="929070" cy="1026297"/>
             <a:chOff x="6676113" y="2637775"/>
             <a:chExt cx="956409" cy="812721"/>
@@ -10772,7 +10940,7 @@
         </p:nvSpPr>
         <p:spPr>
           <a:xfrm>
-            <a:off x="3840317" y="1384088"/>
+            <a:off x="3840317" y="1091857"/>
             <a:ext cx="1652458" cy="1200329"/>
           </a:xfrm>
           <a:prstGeom prst="rect">
@@ -10813,7 +10981,7 @@
         </p:nvGrpSpPr>
         <p:grpSpPr>
           <a:xfrm>
-            <a:off x="7430355" y="1153256"/>
+            <a:off x="7430355" y="861025"/>
             <a:ext cx="2271547" cy="2080601"/>
             <a:chOff x="8700355" y="1323383"/>
             <a:chExt cx="2271547" cy="2080601"/>
@@ -11092,7 +11260,7 @@
         </p:nvSpPr>
         <p:spPr>
           <a:xfrm rot="5572735">
-            <a:off x="5540871" y="1151031"/>
+            <a:off x="5540871" y="858800"/>
             <a:ext cx="1306069" cy="3047611"/>
           </a:xfrm>
           <a:prstGeom prst="arc">
@@ -11179,7 +11347,7 @@
         </p:nvSpPr>
         <p:spPr>
           <a:xfrm>
-            <a:off x="2700971" y="1803774"/>
+            <a:off x="2700971" y="1511543"/>
             <a:ext cx="733109" cy="230833"/>
           </a:xfrm>
           <a:prstGeom prst="leftArrow">
@@ -11635,10 +11803,17 @@
   <p:clrMapOvr>
     <a:masterClrMapping/>
   </p:clrMapOvr>
+  <p:timing>
+    <p:tnLst>
+      <p:par>
+        <p:cTn id="1" dur="indefinite" restart="never" nodeType="tmRoot"/>
+      </p:par>
+    </p:tnLst>
+  </p:timing>
 </p:sld>
 </file>
 
-<file path=ppt/slides/slide21.xml><?xml version="1.0" encoding="utf-8"?>
+<file path=ppt/slides/slide22.xml><?xml version="1.0" encoding="utf-8"?>
 <p:sld xmlns:a="http://schemas.openxmlformats.org/drawingml/2006/main" xmlns:r="http://schemas.openxmlformats.org/officeDocument/2006/relationships" xmlns:p="http://schemas.openxmlformats.org/presentationml/2006/main">
   <p:cSld>
     <p:spTree>
@@ -11669,7 +11844,7 @@
         </p:nvSpPr>
         <p:spPr>
           <a:xfrm>
-            <a:off x="6579326" y="1071861"/>
+            <a:off x="6579326" y="760773"/>
             <a:ext cx="989874" cy="523220"/>
           </a:xfrm>
           <a:prstGeom prst="rect">
@@ -11684,7 +11859,11 @@
           <a:lstStyle/>
           <a:p>
             <a:r>
-              <a:rPr lang="en-US" sz="2800" dirty="0"/>
+              <a:rPr lang="en-US" sz="2800" dirty="0">
+                <a:solidFill>
+                  <a:srgbClr val="42B983"/>
+                </a:solidFill>
+              </a:rPr>
               <a:t>v-on</a:t>
             </a:r>
           </a:p>
@@ -11704,7 +11883,7 @@
         </p:nvGrpSpPr>
         <p:grpSpPr>
           <a:xfrm>
-            <a:off x="4216487" y="1643190"/>
+            <a:off x="4216487" y="1332102"/>
             <a:ext cx="1493004" cy="1791124"/>
             <a:chOff x="6676113" y="2637775"/>
             <a:chExt cx="956409" cy="812721"/>
@@ -12196,7 +12375,7 @@
         </p:nvGrpSpPr>
         <p:grpSpPr>
           <a:xfrm>
-            <a:off x="8341134" y="2114748"/>
+            <a:off x="8341134" y="1803660"/>
             <a:ext cx="2824705" cy="993439"/>
             <a:chOff x="8198178" y="2177112"/>
             <a:chExt cx="2284496" cy="901551"/>
@@ -12311,7 +12490,7 @@
         </p:nvSpPr>
         <p:spPr>
           <a:xfrm rot="15938754">
-            <a:off x="6325372" y="585018"/>
+            <a:off x="6325372" y="273930"/>
             <a:ext cx="1306069" cy="3306402"/>
           </a:xfrm>
           <a:prstGeom prst="arc">
@@ -12368,7 +12547,7 @@
         </p:nvSpPr>
         <p:spPr>
           <a:xfrm rot="10800000">
-            <a:off x="3237990" y="2569328"/>
+            <a:off x="3058877" y="2258240"/>
             <a:ext cx="895587" cy="223180"/>
           </a:xfrm>
           <a:prstGeom prst="leftArrow">
@@ -12434,8 +12613,8 @@
         </p:blipFill>
         <p:spPr>
           <a:xfrm>
-            <a:off x="984005" y="1633253"/>
-            <a:ext cx="1956430" cy="1956430"/>
+            <a:off x="1465500" y="1803660"/>
+            <a:ext cx="1165784" cy="1165784"/>
           </a:xfrm>
           <a:prstGeom prst="rect">
             <a:avLst/>
@@ -12522,7 +12701,7 @@
         </p:nvSpPr>
         <p:spPr>
           <a:xfrm rot="10800000">
-            <a:off x="3235654" y="4289976"/>
+            <a:off x="3058877" y="4289976"/>
             <a:ext cx="895587" cy="223180"/>
           </a:xfrm>
           <a:prstGeom prst="leftArrow">
@@ -12576,7 +12755,7 @@
         </p:nvCxnSpPr>
         <p:spPr>
           <a:xfrm flipV="1">
-            <a:off x="9286450" y="2590800"/>
+            <a:off x="9286450" y="2279712"/>
             <a:ext cx="345230" cy="90118"/>
           </a:xfrm>
           <a:prstGeom prst="straightConnector1">
@@ -12760,10 +12939,17 @@
   <p:clrMapOvr>
     <a:masterClrMapping/>
   </p:clrMapOvr>
+  <p:timing>
+    <p:tnLst>
+      <p:par>
+        <p:cTn id="1" dur="indefinite" restart="never" nodeType="tmRoot"/>
+      </p:par>
+    </p:tnLst>
+  </p:timing>
 </p:sld>
 </file>
 
-<file path=ppt/slides/slide22.xml><?xml version="1.0" encoding="utf-8"?>
+<file path=ppt/slides/slide23.xml><?xml version="1.0" encoding="utf-8"?>
 <p:sld xmlns:a="http://schemas.openxmlformats.org/drawingml/2006/main" xmlns:r="http://schemas.openxmlformats.org/officeDocument/2006/relationships" xmlns:p="http://schemas.openxmlformats.org/presentationml/2006/main">
   <p:cSld>
     <p:spTree>
@@ -12794,7 +12980,7 @@
         </p:nvSpPr>
         <p:spPr>
           <a:xfrm rot="5400000">
-            <a:off x="3177264" y="875700"/>
+            <a:off x="3177264" y="630598"/>
             <a:ext cx="1077940" cy="3133653"/>
           </a:xfrm>
           <a:prstGeom prst="arc">
@@ -12851,7 +13037,7 @@
         </p:nvSpPr>
         <p:spPr>
           <a:xfrm rot="16200000">
-            <a:off x="2986769" y="-37182"/>
+            <a:off x="2986769" y="-282284"/>
             <a:ext cx="1306069" cy="3306402"/>
           </a:xfrm>
           <a:prstGeom prst="arc">
@@ -12908,8 +13094,8 @@
         </p:nvGrpSpPr>
         <p:grpSpPr>
           <a:xfrm>
-            <a:off x="985519" y="962984"/>
-            <a:ext cx="1212721" cy="1435010"/>
+            <a:off x="1382465" y="1086378"/>
+            <a:ext cx="947753" cy="1066513"/>
             <a:chOff x="6676113" y="2637775"/>
             <a:chExt cx="956409" cy="812721"/>
           </a:xfrm>
@@ -13400,7 +13586,7 @@
         </p:nvSpPr>
         <p:spPr>
           <a:xfrm>
-            <a:off x="4756457" y="1426502"/>
+            <a:off x="4756457" y="1181400"/>
             <a:ext cx="1094723" cy="954107"/>
           </a:xfrm>
           <a:prstGeom prst="rect">
@@ -13443,7 +13629,7 @@
         </p:blipFill>
         <p:spPr>
           <a:xfrm>
-            <a:off x="223330" y="3084457"/>
+            <a:off x="223330" y="3338983"/>
             <a:ext cx="3667125" cy="1628775"/>
           </a:xfrm>
           <a:prstGeom prst="rect">
@@ -13525,7 +13711,7 @@
         </p:nvSpPr>
         <p:spPr>
           <a:xfrm>
-            <a:off x="2993169" y="1706459"/>
+            <a:off x="2993169" y="1461357"/>
             <a:ext cx="1511568" cy="523220"/>
           </a:xfrm>
           <a:prstGeom prst="rect">
@@ -13540,7 +13726,11 @@
           <a:lstStyle/>
           <a:p>
             <a:r>
-              <a:rPr lang="en-US" sz="2800" dirty="0"/>
+              <a:rPr lang="en-US" sz="2800" dirty="0">
+                <a:solidFill>
+                  <a:srgbClr val="42B983"/>
+                </a:solidFill>
+              </a:rPr>
               <a:t>v-model</a:t>
             </a:r>
           </a:p>
@@ -13560,7 +13750,7 @@
         </p:nvSpPr>
         <p:spPr>
           <a:xfrm>
-            <a:off x="6905745" y="1087046"/>
+            <a:off x="6453258" y="1406690"/>
             <a:ext cx="1511568" cy="523220"/>
           </a:xfrm>
           <a:prstGeom prst="rect">
@@ -13575,7 +13765,11 @@
           <a:lstStyle/>
           <a:p>
             <a:r>
-              <a:rPr lang="en-US" sz="2800" dirty="0"/>
+              <a:rPr lang="en-US" sz="2800" dirty="0">
+                <a:solidFill>
+                  <a:srgbClr val="42B983"/>
+                </a:solidFill>
+              </a:rPr>
               <a:t>v-model</a:t>
             </a:r>
           </a:p>
@@ -13595,7 +13789,7 @@
         </p:nvSpPr>
         <p:spPr>
           <a:xfrm>
-            <a:off x="9239157" y="804537"/>
+            <a:off x="8786670" y="1124181"/>
             <a:ext cx="1696455" cy="523220"/>
           </a:xfrm>
           <a:prstGeom prst="rect">
@@ -13610,8 +13804,16 @@
           <a:lstStyle/>
           <a:p>
             <a:r>
+              <a:rPr lang="en-US" sz="2800" dirty="0" err="1">
+                <a:solidFill>
+                  <a:srgbClr val="42B983"/>
+                </a:solidFill>
+              </a:rPr>
+              <a:t>v-on</a:t>
+            </a:r>
+            <a:r>
               <a:rPr lang="en-US" sz="2800" dirty="0" err="1"/>
-              <a:t>v-on:input</a:t>
+              <a:t>:input</a:t>
             </a:r>
             <a:endParaRPr lang="en-US" sz="2800" dirty="0"/>
           </a:p>
@@ -13631,7 +13833,7 @@
         </p:nvSpPr>
         <p:spPr>
           <a:xfrm>
-            <a:off x="9239157" y="1386815"/>
+            <a:off x="8786670" y="1706459"/>
             <a:ext cx="2116429" cy="523220"/>
           </a:xfrm>
           <a:prstGeom prst="rect">
@@ -13646,8 +13848,16 @@
           <a:lstStyle/>
           <a:p>
             <a:r>
+              <a:rPr lang="en-US" sz="2800" dirty="0" err="1">
+                <a:solidFill>
+                  <a:srgbClr val="42B983"/>
+                </a:solidFill>
+              </a:rPr>
+              <a:t>v-bind</a:t>
+            </a:r>
+            <a:r>
               <a:rPr lang="en-US" sz="2800" dirty="0" err="1"/>
-              <a:t>v-bind:value</a:t>
+              <a:t>:value</a:t>
             </a:r>
             <a:endParaRPr lang="en-US" sz="2800" dirty="0"/>
           </a:p>
@@ -13667,7 +13877,7 @@
         </p:nvSpPr>
         <p:spPr>
           <a:xfrm>
-            <a:off x="8409396" y="1237825"/>
+            <a:off x="7956909" y="1557469"/>
             <a:ext cx="579120" cy="260750"/>
           </a:xfrm>
           <a:prstGeom prst="leftRightArrow">
@@ -13742,533 +13952,31 @@
           </a:p>
         </p:txBody>
       </p:sp>
-    </p:spTree>
-    <p:extLst>
-      <p:ext uri="{BB962C8B-B14F-4D97-AF65-F5344CB8AC3E}">
-        <p14:creationId xmlns:p14="http://schemas.microsoft.com/office/powerpoint/2010/main" val="2217231933"/>
-      </p:ext>
-    </p:extLst>
-  </p:cSld>
-  <p:clrMapOvr>
-    <a:masterClrMapping/>
-  </p:clrMapOvr>
-</p:sld>
-</file>
-
-<file path=ppt/slides/slide23.xml><?xml version="1.0" encoding="utf-8"?>
-<p:sld xmlns:a="http://schemas.openxmlformats.org/drawingml/2006/main" xmlns:r="http://schemas.openxmlformats.org/officeDocument/2006/relationships" xmlns:p="http://schemas.openxmlformats.org/presentationml/2006/main">
-  <p:cSld>
-    <p:spTree>
-      <p:nvGrpSpPr>
-        <p:cNvPr id="1" name=""/>
-        <p:cNvGrpSpPr/>
-        <p:nvPr/>
-      </p:nvGrpSpPr>
-      <p:grpSpPr>
-        <a:xfrm>
-          <a:off x="0" y="0"/>
-          <a:ext cx="0" cy="0"/>
-          <a:chOff x="0" y="0"/>
-          <a:chExt cx="0" cy="0"/>
-        </a:xfrm>
-      </p:grpSpPr>
       <p:sp>
         <p:nvSpPr>
-          <p:cNvPr id="14" name="TextBox 13">
-            <a:extLst>
-              <a:ext uri="{FF2B5EF4-FFF2-40B4-BE49-F238E27FC236}">
-                <a16:creationId xmlns:a16="http://schemas.microsoft.com/office/drawing/2014/main" id="{36551113-8C6F-4E3E-80B8-688B0F7640D8}"/>
-              </a:ext>
-            </a:extLst>
-          </p:cNvPr>
-          <p:cNvSpPr txBox="1"/>
+          <p:cNvPr id="33" name="Rectangle: Rounded Corners 17">
+            <a:extLst>
+              <a:ext uri="{FF2B5EF4-FFF2-40B4-BE49-F238E27FC236}">
+                <a16:creationId xmlns:a16="http://schemas.microsoft.com/office/drawing/2014/main" id="{69087DF5-4878-47F3-A198-F78DEEDC90EE}"/>
+              </a:ext>
+            </a:extLst>
+          </p:cNvPr>
+          <p:cNvSpPr/>
           <p:nvPr/>
         </p:nvSpPr>
         <p:spPr>
           <a:xfrm>
-            <a:off x="2440559" y="3669495"/>
-            <a:ext cx="8991600" cy="523220"/>
-          </a:xfrm>
-          <a:prstGeom prst="rect">
+            <a:off x="8700941" y="962984"/>
+            <a:ext cx="2083324" cy="1435010"/>
+          </a:xfrm>
+          <a:prstGeom prst="roundRect">
             <a:avLst/>
           </a:prstGeom>
           <a:noFill/>
-        </p:spPr>
-        <p:txBody>
-          <a:bodyPr wrap="square" rtlCol="0">
-            <a:spAutoFit/>
-          </a:bodyPr>
-          <a:lstStyle/>
-          <a:p>
-            <a:r>
-              <a:rPr lang="en-US" sz="2800" dirty="0"/>
-              <a:t>&lt;</a:t>
-            </a:r>
-            <a:r>
-              <a:rPr lang="en-US" sz="2800" dirty="0" err="1"/>
-              <a:t>directiveName</a:t>
-            </a:r>
-            <a:r>
-              <a:rPr lang="en-US" sz="2800" dirty="0"/>
-              <a:t>&gt;:&lt;</a:t>
-            </a:r>
-            <a:r>
-              <a:rPr lang="en-US" sz="2800" dirty="0">
-                <a:solidFill>
-                  <a:srgbClr val="42B983"/>
-                </a:solidFill>
-              </a:rPr>
-              <a:t>argument</a:t>
-            </a:r>
-            <a:r>
-              <a:rPr lang="en-US" sz="2800" dirty="0"/>
-              <a:t>&gt;.&lt;</a:t>
-            </a:r>
-            <a:r>
-              <a:rPr lang="en-US" sz="2800" dirty="0">
-                <a:solidFill>
-                  <a:srgbClr val="FE4E57"/>
-                </a:solidFill>
-              </a:rPr>
-              <a:t>specifier</a:t>
-            </a:r>
-            <a:r>
-              <a:rPr lang="en-US" sz="2800" dirty="0"/>
-              <a:t>&gt; = "&lt;expression&gt;"</a:t>
-            </a:r>
-          </a:p>
-        </p:txBody>
-      </p:sp>
-      <p:sp>
-        <p:nvSpPr>
-          <p:cNvPr id="15" name="TextBox 14">
-            <a:extLst>
-              <a:ext uri="{FF2B5EF4-FFF2-40B4-BE49-F238E27FC236}">
-                <a16:creationId xmlns:a16="http://schemas.microsoft.com/office/drawing/2014/main" id="{5FD02740-CCFD-4DFD-97AB-8813C312E2AB}"/>
-              </a:ext>
-            </a:extLst>
-          </p:cNvPr>
-          <p:cNvSpPr txBox="1"/>
-          <p:nvPr/>
-        </p:nvSpPr>
-        <p:spPr>
-          <a:xfrm>
-            <a:off x="4275262" y="4354631"/>
-            <a:ext cx="4507230" cy="2246769"/>
-          </a:xfrm>
-          <a:prstGeom prst="rect">
-            <a:avLst/>
-          </a:prstGeom>
-          <a:noFill/>
-        </p:spPr>
-        <p:txBody>
-          <a:bodyPr wrap="square" rtlCol="0">
-            <a:spAutoFit/>
-          </a:bodyPr>
-          <a:lstStyle/>
-          <a:p>
-            <a:r>
-              <a:rPr lang="en-US" sz="2800" dirty="0">
-                <a:solidFill>
-                  <a:srgbClr val="34495E"/>
-                </a:solidFill>
-              </a:rPr>
-              <a:t>Ex:</a:t>
-            </a:r>
-          </a:p>
-          <a:p>
-            <a:r>
-              <a:rPr lang="en-US" sz="2800" dirty="0">
-                <a:solidFill>
-                  <a:srgbClr val="34495E"/>
-                </a:solidFill>
-              </a:rPr>
-              <a:t>	</a:t>
-            </a:r>
-            <a:r>
-              <a:rPr lang="en-US" sz="2800" dirty="0" err="1">
-                <a:solidFill>
-                  <a:srgbClr val="34495E"/>
-                </a:solidFill>
-              </a:rPr>
-              <a:t>v-on:</a:t>
-            </a:r>
-            <a:r>
-              <a:rPr lang="en-US" sz="2800" dirty="0" err="1">
-                <a:solidFill>
-                  <a:srgbClr val="42B983"/>
-                </a:solidFill>
-              </a:rPr>
-              <a:t>click.</a:t>
-            </a:r>
-            <a:r>
-              <a:rPr lang="en-US" sz="2800" dirty="0" err="1">
-                <a:solidFill>
-                  <a:srgbClr val="FF0000"/>
-                </a:solidFill>
-              </a:rPr>
-              <a:t>keyup</a:t>
-            </a:r>
-            <a:endParaRPr lang="en-US" sz="2800" dirty="0">
-              <a:solidFill>
-                <a:srgbClr val="FF0000"/>
-              </a:solidFill>
-            </a:endParaRPr>
-          </a:p>
-          <a:p>
-            <a:r>
-              <a:rPr lang="en-US" sz="2800" dirty="0">
-                <a:solidFill>
-                  <a:srgbClr val="FF0000"/>
-                </a:solidFill>
-              </a:rPr>
-              <a:t>	</a:t>
-            </a:r>
-            <a:r>
-              <a:rPr lang="en-US" sz="2800" dirty="0">
-                <a:solidFill>
-                  <a:srgbClr val="34495E"/>
-                </a:solidFill>
-              </a:rPr>
-              <a:t>v-</a:t>
-            </a:r>
-            <a:r>
-              <a:rPr lang="en-US" sz="2800" dirty="0" err="1">
-                <a:solidFill>
-                  <a:srgbClr val="34495E"/>
-                </a:solidFill>
-              </a:rPr>
-              <a:t>model.</a:t>
-            </a:r>
-            <a:r>
-              <a:rPr lang="en-US" sz="2800" dirty="0" err="1">
-                <a:solidFill>
-                  <a:srgbClr val="FF0000"/>
-                </a:solidFill>
-              </a:rPr>
-              <a:t>lazy</a:t>
-            </a:r>
-            <a:endParaRPr lang="en-US" sz="2800" dirty="0">
-              <a:solidFill>
-                <a:srgbClr val="FF0000"/>
-              </a:solidFill>
-            </a:endParaRPr>
-          </a:p>
-          <a:p>
-            <a:r>
-              <a:rPr lang="en-US" sz="2800" dirty="0">
-                <a:solidFill>
-                  <a:srgbClr val="FF0000"/>
-                </a:solidFill>
-              </a:rPr>
-              <a:t>	</a:t>
-            </a:r>
-          </a:p>
-          <a:p>
-            <a:endParaRPr lang="en-US" sz="2800" dirty="0">
-              <a:solidFill>
-                <a:srgbClr val="FF0000"/>
-              </a:solidFill>
-            </a:endParaRPr>
-          </a:p>
-        </p:txBody>
-      </p:sp>
-      <p:sp>
-        <p:nvSpPr>
-          <p:cNvPr id="17" name="TextBox 16">
-            <a:extLst>
-              <a:ext uri="{FF2B5EF4-FFF2-40B4-BE49-F238E27FC236}">
-                <a16:creationId xmlns:a16="http://schemas.microsoft.com/office/drawing/2014/main" id="{4264D151-86AA-4046-A535-65CB234F12BB}"/>
-              </a:ext>
-            </a:extLst>
-          </p:cNvPr>
-          <p:cNvSpPr txBox="1"/>
-          <p:nvPr/>
-        </p:nvSpPr>
-        <p:spPr>
-          <a:xfrm>
-            <a:off x="2440558" y="6011324"/>
-            <a:ext cx="9580433" cy="523220"/>
-          </a:xfrm>
-          <a:prstGeom prst="rect">
-            <a:avLst/>
-          </a:prstGeom>
-          <a:noFill/>
-        </p:spPr>
-        <p:txBody>
-          <a:bodyPr wrap="square" rtlCol="0">
-            <a:spAutoFit/>
-          </a:bodyPr>
-          <a:lstStyle/>
-          <a:p>
-            <a:r>
-              <a:rPr lang="en-US" sz="2800" dirty="0">
-                <a:solidFill>
-                  <a:srgbClr val="FF0000"/>
-                </a:solidFill>
-              </a:rPr>
-              <a:t>Specifier indicates the directive should be bound in special way</a:t>
-            </a:r>
-          </a:p>
-        </p:txBody>
-      </p:sp>
-      <p:sp>
-        <p:nvSpPr>
-          <p:cNvPr id="7" name="Rectangle 6">
-            <a:extLst>
-              <a:ext uri="{FF2B5EF4-FFF2-40B4-BE49-F238E27FC236}">
-                <a16:creationId xmlns:a16="http://schemas.microsoft.com/office/drawing/2014/main" id="{B7866861-5951-44FA-A578-2EB1A8B1B470}"/>
-              </a:ext>
-            </a:extLst>
-          </p:cNvPr>
-          <p:cNvSpPr/>
-          <p:nvPr/>
-        </p:nvSpPr>
-        <p:spPr>
-          <a:xfrm>
-            <a:off x="1952432" y="349903"/>
-            <a:ext cx="3256469" cy="523220"/>
-          </a:xfrm>
-          <a:prstGeom prst="rect">
-            <a:avLst/>
-          </a:prstGeom>
-        </p:spPr>
-        <p:txBody>
-          <a:bodyPr wrap="none">
-            <a:spAutoFit/>
-          </a:bodyPr>
-          <a:lstStyle/>
-          <a:p>
-            <a:r>
-              <a:rPr lang="en-US" sz="2800" dirty="0"/>
-              <a:t>v-on, v-bind shortcut</a:t>
-            </a:r>
-          </a:p>
-        </p:txBody>
-      </p:sp>
-      <p:sp>
-        <p:nvSpPr>
-          <p:cNvPr id="8" name="TextBox 7">
-            <a:extLst>
-              <a:ext uri="{FF2B5EF4-FFF2-40B4-BE49-F238E27FC236}">
-                <a16:creationId xmlns:a16="http://schemas.microsoft.com/office/drawing/2014/main" id="{6B759785-0B75-4D10-8224-B48B9B1F246B}"/>
-              </a:ext>
-            </a:extLst>
-          </p:cNvPr>
-          <p:cNvSpPr txBox="1"/>
-          <p:nvPr/>
-        </p:nvSpPr>
-        <p:spPr>
-          <a:xfrm>
-            <a:off x="2217931" y="1000441"/>
-            <a:ext cx="2100580" cy="523220"/>
-          </a:xfrm>
-          <a:prstGeom prst="rect">
-            <a:avLst/>
-          </a:prstGeom>
-          <a:noFill/>
-        </p:spPr>
-        <p:txBody>
-          <a:bodyPr wrap="square" rtlCol="0">
-            <a:spAutoFit/>
-          </a:bodyPr>
-          <a:lstStyle/>
-          <a:p>
-            <a:r>
-              <a:rPr lang="en-US" sz="2800" dirty="0" err="1">
-                <a:solidFill>
-                  <a:srgbClr val="34495E"/>
-                </a:solidFill>
-              </a:rPr>
-              <a:t>v-on:</a:t>
-            </a:r>
-            <a:r>
-              <a:rPr lang="en-US" sz="2800" dirty="0" err="1">
-                <a:solidFill>
-                  <a:srgbClr val="42B983"/>
-                </a:solidFill>
-              </a:rPr>
-              <a:t>click</a:t>
-            </a:r>
-            <a:endParaRPr lang="en-US" sz="2800" dirty="0">
-              <a:solidFill>
-                <a:srgbClr val="42B983"/>
-              </a:solidFill>
-            </a:endParaRPr>
-          </a:p>
-        </p:txBody>
-      </p:sp>
-      <p:sp>
-        <p:nvSpPr>
-          <p:cNvPr id="9" name="TextBox 8">
-            <a:extLst>
-              <a:ext uri="{FF2B5EF4-FFF2-40B4-BE49-F238E27FC236}">
-                <a16:creationId xmlns:a16="http://schemas.microsoft.com/office/drawing/2014/main" id="{DFF4903E-49CD-4833-BDD7-DA2C92710BDB}"/>
-              </a:ext>
-            </a:extLst>
-          </p:cNvPr>
-          <p:cNvSpPr txBox="1"/>
-          <p:nvPr/>
-        </p:nvSpPr>
-        <p:spPr>
-          <a:xfrm>
-            <a:off x="2189991" y="1808161"/>
-            <a:ext cx="2100580" cy="523220"/>
-          </a:xfrm>
-          <a:prstGeom prst="rect">
-            <a:avLst/>
-          </a:prstGeom>
-          <a:noFill/>
-        </p:spPr>
-        <p:txBody>
-          <a:bodyPr wrap="square" rtlCol="0">
-            <a:spAutoFit/>
-          </a:bodyPr>
-          <a:lstStyle/>
-          <a:p>
-            <a:r>
-              <a:rPr lang="en-US" sz="2800" dirty="0" err="1">
-                <a:solidFill>
-                  <a:srgbClr val="34495E"/>
-                </a:solidFill>
-              </a:rPr>
-              <a:t>v-bind:</a:t>
-            </a:r>
-            <a:r>
-              <a:rPr lang="en-US" sz="2800" dirty="0" err="1">
-                <a:solidFill>
-                  <a:srgbClr val="42B983"/>
-                </a:solidFill>
-              </a:rPr>
-              <a:t>style</a:t>
-            </a:r>
-            <a:endParaRPr lang="en-US" sz="2800" dirty="0">
-              <a:solidFill>
-                <a:srgbClr val="42B983"/>
-              </a:solidFill>
-            </a:endParaRPr>
-          </a:p>
-        </p:txBody>
-      </p:sp>
-      <p:sp>
-        <p:nvSpPr>
-          <p:cNvPr id="10" name="TextBox 9">
-            <a:extLst>
-              <a:ext uri="{FF2B5EF4-FFF2-40B4-BE49-F238E27FC236}">
-                <a16:creationId xmlns:a16="http://schemas.microsoft.com/office/drawing/2014/main" id="{E2D1375C-15EE-4604-BB74-1AAB9CFD7F34}"/>
-              </a:ext>
-            </a:extLst>
-          </p:cNvPr>
-          <p:cNvSpPr txBox="1"/>
-          <p:nvPr/>
-        </p:nvSpPr>
-        <p:spPr>
-          <a:xfrm>
-            <a:off x="7775451" y="1000441"/>
-            <a:ext cx="2100580" cy="523220"/>
-          </a:xfrm>
-          <a:prstGeom prst="rect">
-            <a:avLst/>
-          </a:prstGeom>
-          <a:noFill/>
-        </p:spPr>
-        <p:txBody>
-          <a:bodyPr wrap="square" rtlCol="0">
-            <a:spAutoFit/>
-          </a:bodyPr>
-          <a:lstStyle/>
-          <a:p>
-            <a:r>
-              <a:rPr lang="en-US" sz="2800" dirty="0">
-                <a:solidFill>
-                  <a:srgbClr val="34495E"/>
-                </a:solidFill>
-              </a:rPr>
-              <a:t>@</a:t>
-            </a:r>
-            <a:r>
-              <a:rPr lang="en-US" sz="2800" dirty="0">
-                <a:solidFill>
-                  <a:srgbClr val="42B983"/>
-                </a:solidFill>
-              </a:rPr>
-              <a:t>click</a:t>
-            </a:r>
-          </a:p>
-        </p:txBody>
-      </p:sp>
-      <p:sp>
-        <p:nvSpPr>
-          <p:cNvPr id="11" name="TextBox 10">
-            <a:extLst>
-              <a:ext uri="{FF2B5EF4-FFF2-40B4-BE49-F238E27FC236}">
-                <a16:creationId xmlns:a16="http://schemas.microsoft.com/office/drawing/2014/main" id="{C288919B-117C-4273-B378-6C3412701782}"/>
-              </a:ext>
-            </a:extLst>
-          </p:cNvPr>
-          <p:cNvSpPr txBox="1"/>
-          <p:nvPr/>
-        </p:nvSpPr>
-        <p:spPr>
-          <a:xfrm>
-            <a:off x="7747511" y="1808161"/>
-            <a:ext cx="2100580" cy="523220"/>
-          </a:xfrm>
-          <a:prstGeom prst="rect">
-            <a:avLst/>
-          </a:prstGeom>
-          <a:noFill/>
-        </p:spPr>
-        <p:txBody>
-          <a:bodyPr wrap="square" rtlCol="0">
-            <a:spAutoFit/>
-          </a:bodyPr>
-          <a:lstStyle/>
-          <a:p>
-            <a:r>
-              <a:rPr lang="en-US" sz="2800" dirty="0">
-                <a:solidFill>
-                  <a:srgbClr val="34495E"/>
-                </a:solidFill>
-              </a:rPr>
-              <a:t>:</a:t>
-            </a:r>
-            <a:r>
-              <a:rPr lang="en-US" sz="2800" dirty="0">
-                <a:solidFill>
-                  <a:srgbClr val="42B983"/>
-                </a:solidFill>
-              </a:rPr>
-              <a:t>style</a:t>
-            </a:r>
-          </a:p>
-        </p:txBody>
-      </p:sp>
-      <p:sp>
-        <p:nvSpPr>
-          <p:cNvPr id="12" name="Arrow: Left 11">
-            <a:extLst>
-              <a:ext uri="{FF2B5EF4-FFF2-40B4-BE49-F238E27FC236}">
-                <a16:creationId xmlns:a16="http://schemas.microsoft.com/office/drawing/2014/main" id="{165BDEBA-F073-44EC-A10E-9D06294B2E87}"/>
-              </a:ext>
-            </a:extLst>
-          </p:cNvPr>
-          <p:cNvSpPr/>
-          <p:nvPr/>
-        </p:nvSpPr>
-        <p:spPr>
-          <a:xfrm rot="10800000">
-            <a:off x="5453585" y="2062140"/>
-            <a:ext cx="895587" cy="223180"/>
-          </a:xfrm>
-          <a:prstGeom prst="leftArrow">
-            <a:avLst/>
-          </a:prstGeom>
-          <a:solidFill>
-            <a:srgbClr val="42B983"/>
-          </a:solidFill>
-          <a:ln>
-            <a:noFill/>
+          <a:ln w="38100">
+            <a:solidFill>
+              <a:schemeClr val="tx1"/>
+            </a:solidFill>
           </a:ln>
         </p:spPr>
         <p:style>
@@ -14296,241 +14004,23 @@
           </a:p>
         </p:txBody>
       </p:sp>
-      <p:sp>
-        <p:nvSpPr>
-          <p:cNvPr id="13" name="Arrow: Left 12">
-            <a:extLst>
-              <a:ext uri="{FF2B5EF4-FFF2-40B4-BE49-F238E27FC236}">
-                <a16:creationId xmlns:a16="http://schemas.microsoft.com/office/drawing/2014/main" id="{9A8F95D3-C4E6-4564-88F0-64584EDFD602}"/>
-              </a:ext>
-            </a:extLst>
-          </p:cNvPr>
-          <p:cNvSpPr/>
-          <p:nvPr/>
-        </p:nvSpPr>
-        <p:spPr>
-          <a:xfrm rot="10800000">
-            <a:off x="5453585" y="1150461"/>
-            <a:ext cx="895587" cy="223180"/>
-          </a:xfrm>
-          <a:prstGeom prst="leftArrow">
-            <a:avLst/>
-          </a:prstGeom>
-          <a:solidFill>
-            <a:srgbClr val="42B983"/>
-          </a:solidFill>
-          <a:ln>
-            <a:noFill/>
-          </a:ln>
-        </p:spPr>
-        <p:style>
-          <a:lnRef idx="2">
-            <a:schemeClr val="accent1">
-              <a:shade val="50000"/>
-            </a:schemeClr>
-          </a:lnRef>
-          <a:fillRef idx="1">
-            <a:schemeClr val="accent1"/>
-          </a:fillRef>
-          <a:effectRef idx="0">
-            <a:schemeClr val="accent1"/>
-          </a:effectRef>
-          <a:fontRef idx="minor">
-            <a:schemeClr val="lt1"/>
-          </a:fontRef>
-        </p:style>
-        <p:txBody>
-          <a:bodyPr rtlCol="0" anchor="ctr"/>
-          <a:lstStyle/>
-          <a:p>
-            <a:pPr algn="ctr"/>
-            <a:endParaRPr lang="en-US"/>
-          </a:p>
-        </p:txBody>
-      </p:sp>
-      <p:sp>
-        <p:nvSpPr>
-          <p:cNvPr id="18" name="Rectangle: Rounded Corners 17">
-            <a:extLst>
-              <a:ext uri="{FF2B5EF4-FFF2-40B4-BE49-F238E27FC236}">
-                <a16:creationId xmlns:a16="http://schemas.microsoft.com/office/drawing/2014/main" id="{69087DF5-4878-47F3-A198-F78DEEDC90EE}"/>
-              </a:ext>
-            </a:extLst>
-          </p:cNvPr>
-          <p:cNvSpPr/>
-          <p:nvPr/>
-        </p:nvSpPr>
-        <p:spPr>
-          <a:xfrm>
-            <a:off x="1952432" y="841290"/>
-            <a:ext cx="7254240" cy="1707504"/>
-          </a:xfrm>
-          <a:prstGeom prst="roundRect">
-            <a:avLst/>
-          </a:prstGeom>
-          <a:noFill/>
-          <a:ln w="38100">
-            <a:solidFill>
-              <a:schemeClr val="tx1"/>
-            </a:solidFill>
-          </a:ln>
-        </p:spPr>
-        <p:style>
-          <a:lnRef idx="2">
-            <a:schemeClr val="accent1">
-              <a:shade val="50000"/>
-            </a:schemeClr>
-          </a:lnRef>
-          <a:fillRef idx="1">
-            <a:schemeClr val="accent1"/>
-          </a:fillRef>
-          <a:effectRef idx="0">
-            <a:schemeClr val="accent1"/>
-          </a:effectRef>
-          <a:fontRef idx="minor">
-            <a:schemeClr val="lt1"/>
-          </a:fontRef>
-        </p:style>
-        <p:txBody>
-          <a:bodyPr rtlCol="0" anchor="ctr"/>
-          <a:lstStyle/>
-          <a:p>
-            <a:pPr algn="ctr"/>
-            <a:endParaRPr lang="en-US"/>
-          </a:p>
-        </p:txBody>
-      </p:sp>
-      <p:sp>
-        <p:nvSpPr>
-          <p:cNvPr id="22" name="Rectangle: Rounded Corners 21">
-            <a:extLst>
-              <a:ext uri="{FF2B5EF4-FFF2-40B4-BE49-F238E27FC236}">
-                <a16:creationId xmlns:a16="http://schemas.microsoft.com/office/drawing/2014/main" id="{8B9CF2CA-CF29-49DC-B121-9103767B8363}"/>
-              </a:ext>
-            </a:extLst>
-          </p:cNvPr>
-          <p:cNvSpPr/>
-          <p:nvPr/>
-        </p:nvSpPr>
-        <p:spPr>
-          <a:xfrm>
-            <a:off x="1759839" y="3382552"/>
-            <a:ext cx="10312399" cy="3372124"/>
-          </a:xfrm>
-          <a:prstGeom prst="roundRect">
-            <a:avLst/>
-          </a:prstGeom>
-          <a:noFill/>
-          <a:ln w="38100">
-            <a:solidFill>
-              <a:schemeClr val="tx1"/>
-            </a:solidFill>
-          </a:ln>
-        </p:spPr>
-        <p:style>
-          <a:lnRef idx="2">
-            <a:schemeClr val="accent1">
-              <a:shade val="50000"/>
-            </a:schemeClr>
-          </a:lnRef>
-          <a:fillRef idx="1">
-            <a:schemeClr val="accent1"/>
-          </a:fillRef>
-          <a:effectRef idx="0">
-            <a:schemeClr val="accent1"/>
-          </a:effectRef>
-          <a:fontRef idx="minor">
-            <a:schemeClr val="lt1"/>
-          </a:fontRef>
-        </p:style>
-        <p:txBody>
-          <a:bodyPr rtlCol="0" anchor="ctr"/>
-          <a:lstStyle/>
-          <a:p>
-            <a:pPr algn="ctr"/>
-            <a:endParaRPr lang="en-US"/>
-          </a:p>
-        </p:txBody>
-      </p:sp>
-      <p:sp>
-        <p:nvSpPr>
-          <p:cNvPr id="24" name="Rectangle 23">
-            <a:extLst>
-              <a:ext uri="{FF2B5EF4-FFF2-40B4-BE49-F238E27FC236}">
-                <a16:creationId xmlns:a16="http://schemas.microsoft.com/office/drawing/2014/main" id="{06A78DA1-A59A-4F89-9BBF-D0BA4CFB9038}"/>
-              </a:ext>
-            </a:extLst>
-          </p:cNvPr>
-          <p:cNvSpPr/>
-          <p:nvPr/>
-        </p:nvSpPr>
-        <p:spPr>
-          <a:xfrm>
-            <a:off x="1952432" y="2887187"/>
-            <a:ext cx="1420582" cy="523220"/>
-          </a:xfrm>
-          <a:prstGeom prst="rect">
-            <a:avLst/>
-          </a:prstGeom>
-        </p:spPr>
-        <p:txBody>
-          <a:bodyPr wrap="none">
-            <a:spAutoFit/>
-          </a:bodyPr>
-          <a:lstStyle/>
-          <a:p>
-            <a:r>
-              <a:rPr lang="en-US" sz="2800" dirty="0"/>
-              <a:t>specifier</a:t>
-            </a:r>
-          </a:p>
-        </p:txBody>
-      </p:sp>
-      <p:sp>
-        <p:nvSpPr>
-          <p:cNvPr id="19" name="Title 1">
-            <a:extLst>
-              <a:ext uri="{FF2B5EF4-FFF2-40B4-BE49-F238E27FC236}">
-                <a16:creationId xmlns:a16="http://schemas.microsoft.com/office/drawing/2014/main" id="{8C143711-25E7-4CF1-AC8A-776D60FB142D}"/>
-              </a:ext>
-            </a:extLst>
-          </p:cNvPr>
-          <p:cNvSpPr>
-            <a:spLocks noGrp="1"/>
-          </p:cNvSpPr>
-          <p:nvPr>
-            <p:ph type="title"/>
-          </p:nvPr>
-        </p:nvSpPr>
-        <p:spPr>
-          <a:xfrm>
-            <a:off x="0" y="1"/>
-            <a:ext cx="2976880" cy="711200"/>
-          </a:xfrm>
-        </p:spPr>
-        <p:txBody>
-          <a:bodyPr>
-            <a:normAutofit/>
-          </a:bodyPr>
-          <a:lstStyle/>
-          <a:p>
-            <a:r>
-              <a:rPr lang="en-US" sz="3200" dirty="0"/>
-              <a:t>Notes</a:t>
-            </a:r>
-          </a:p>
-        </p:txBody>
-      </p:sp>
     </p:spTree>
     <p:extLst>
       <p:ext uri="{BB962C8B-B14F-4D97-AF65-F5344CB8AC3E}">
-        <p14:creationId xmlns:p14="http://schemas.microsoft.com/office/powerpoint/2010/main" val="1958669119"/>
+        <p14:creationId xmlns:p14="http://schemas.microsoft.com/office/powerpoint/2010/main" val="2217231933"/>
       </p:ext>
     </p:extLst>
   </p:cSld>
   <p:clrMapOvr>
     <a:masterClrMapping/>
   </p:clrMapOvr>
+  <p:timing>
+    <p:tnLst>
+      <p:par>
+        <p:cTn id="1" dur="indefinite" restart="never" nodeType="tmRoot"/>
+      </p:par>
+    </p:tnLst>
+  </p:timing>
 </p:sld>
 </file>
 
@@ -14553,10 +14043,10 @@
       </p:grpSpPr>
       <p:sp>
         <p:nvSpPr>
-          <p:cNvPr id="3" name="TextBox 2">
-            <a:extLst>
-              <a:ext uri="{FF2B5EF4-FFF2-40B4-BE49-F238E27FC236}">
-                <a16:creationId xmlns:a16="http://schemas.microsoft.com/office/drawing/2014/main" id="{B5067BFC-B9DD-4241-82AC-C50D21088323}"/>
+          <p:cNvPr id="14" name="TextBox 13">
+            <a:extLst>
+              <a:ext uri="{FF2B5EF4-FFF2-40B4-BE49-F238E27FC236}">
+                <a16:creationId xmlns:a16="http://schemas.microsoft.com/office/drawing/2014/main" id="{36551113-8C6F-4E3E-80B8-688B0F7640D8}"/>
               </a:ext>
             </a:extLst>
           </p:cNvPr>
@@ -14565,8 +14055,8 @@
         </p:nvSpPr>
         <p:spPr>
           <a:xfrm>
-            <a:off x="6918973" y="1654471"/>
-            <a:ext cx="5151094" cy="954107"/>
+            <a:off x="2440559" y="3669495"/>
+            <a:ext cx="8991600" cy="523220"/>
           </a:xfrm>
           <a:prstGeom prst="rect">
             <a:avLst/>
@@ -14581,7 +14071,801 @@
           <a:p>
             <a:r>
               <a:rPr lang="en-US" sz="2800" dirty="0"/>
-              <a:t>v-show = “conditional expression”</a:t>
+              <a:t>&lt;</a:t>
+            </a:r>
+            <a:r>
+              <a:rPr lang="en-US" sz="2800" dirty="0" err="1"/>
+              <a:t>directiveName</a:t>
+            </a:r>
+            <a:r>
+              <a:rPr lang="en-US" sz="2800" dirty="0"/>
+              <a:t>&gt;:&lt;</a:t>
+            </a:r>
+            <a:r>
+              <a:rPr lang="en-US" sz="2800" dirty="0">
+                <a:solidFill>
+                  <a:srgbClr val="42B983"/>
+                </a:solidFill>
+              </a:rPr>
+              <a:t>argument</a:t>
+            </a:r>
+            <a:r>
+              <a:rPr lang="en-US" sz="2800" dirty="0"/>
+              <a:t>&gt;.&lt;</a:t>
+            </a:r>
+            <a:r>
+              <a:rPr lang="en-US" sz="2800" dirty="0">
+                <a:solidFill>
+                  <a:srgbClr val="FE4E57"/>
+                </a:solidFill>
+              </a:rPr>
+              <a:t>specifier</a:t>
+            </a:r>
+            <a:r>
+              <a:rPr lang="en-US" sz="2800" dirty="0"/>
+              <a:t>&gt; = "&lt;expression&gt;"</a:t>
+            </a:r>
+          </a:p>
+        </p:txBody>
+      </p:sp>
+      <p:sp>
+        <p:nvSpPr>
+          <p:cNvPr id="15" name="TextBox 14">
+            <a:extLst>
+              <a:ext uri="{FF2B5EF4-FFF2-40B4-BE49-F238E27FC236}">
+                <a16:creationId xmlns:a16="http://schemas.microsoft.com/office/drawing/2014/main" id="{5FD02740-CCFD-4DFD-97AB-8813C312E2AB}"/>
+              </a:ext>
+            </a:extLst>
+          </p:cNvPr>
+          <p:cNvSpPr txBox="1"/>
+          <p:nvPr/>
+        </p:nvSpPr>
+        <p:spPr>
+          <a:xfrm>
+            <a:off x="4275262" y="4354631"/>
+            <a:ext cx="4507230" cy="2246769"/>
+          </a:xfrm>
+          <a:prstGeom prst="rect">
+            <a:avLst/>
+          </a:prstGeom>
+          <a:noFill/>
+        </p:spPr>
+        <p:txBody>
+          <a:bodyPr wrap="square" rtlCol="0">
+            <a:spAutoFit/>
+          </a:bodyPr>
+          <a:lstStyle/>
+          <a:p>
+            <a:r>
+              <a:rPr lang="en-US" sz="2800" dirty="0">
+                <a:solidFill>
+                  <a:srgbClr val="34495E"/>
+                </a:solidFill>
+              </a:rPr>
+              <a:t>Ex:</a:t>
+            </a:r>
+          </a:p>
+          <a:p>
+            <a:r>
+              <a:rPr lang="en-US" sz="2800" dirty="0">
+                <a:solidFill>
+                  <a:srgbClr val="34495E"/>
+                </a:solidFill>
+              </a:rPr>
+              <a:t>	</a:t>
+            </a:r>
+            <a:r>
+              <a:rPr lang="en-US" sz="2800" dirty="0" err="1">
+                <a:solidFill>
+                  <a:srgbClr val="34495E"/>
+                </a:solidFill>
+              </a:rPr>
+              <a:t>v-on:</a:t>
+            </a:r>
+            <a:r>
+              <a:rPr lang="en-US" sz="2800" dirty="0" err="1">
+                <a:solidFill>
+                  <a:srgbClr val="42B983"/>
+                </a:solidFill>
+              </a:rPr>
+              <a:t>click.</a:t>
+            </a:r>
+            <a:r>
+              <a:rPr lang="en-US" sz="2800" dirty="0" err="1">
+                <a:solidFill>
+                  <a:srgbClr val="FF0000"/>
+                </a:solidFill>
+              </a:rPr>
+              <a:t>keyup</a:t>
+            </a:r>
+            <a:endParaRPr lang="en-US" sz="2800" dirty="0">
+              <a:solidFill>
+                <a:srgbClr val="FF0000"/>
+              </a:solidFill>
+            </a:endParaRPr>
+          </a:p>
+          <a:p>
+            <a:r>
+              <a:rPr lang="en-US" sz="2800" dirty="0">
+                <a:solidFill>
+                  <a:srgbClr val="FF0000"/>
+                </a:solidFill>
+              </a:rPr>
+              <a:t>	</a:t>
+            </a:r>
+            <a:r>
+              <a:rPr lang="en-US" sz="2800" dirty="0">
+                <a:solidFill>
+                  <a:srgbClr val="34495E"/>
+                </a:solidFill>
+              </a:rPr>
+              <a:t>v-</a:t>
+            </a:r>
+            <a:r>
+              <a:rPr lang="en-US" sz="2800" dirty="0" err="1">
+                <a:solidFill>
+                  <a:srgbClr val="34495E"/>
+                </a:solidFill>
+              </a:rPr>
+              <a:t>model.</a:t>
+            </a:r>
+            <a:r>
+              <a:rPr lang="en-US" sz="2800" dirty="0" err="1">
+                <a:solidFill>
+                  <a:srgbClr val="FF0000"/>
+                </a:solidFill>
+              </a:rPr>
+              <a:t>lazy</a:t>
+            </a:r>
+            <a:endParaRPr lang="en-US" sz="2800" dirty="0">
+              <a:solidFill>
+                <a:srgbClr val="FF0000"/>
+              </a:solidFill>
+            </a:endParaRPr>
+          </a:p>
+          <a:p>
+            <a:r>
+              <a:rPr lang="en-US" sz="2800" dirty="0">
+                <a:solidFill>
+                  <a:srgbClr val="FF0000"/>
+                </a:solidFill>
+              </a:rPr>
+              <a:t>	</a:t>
+            </a:r>
+          </a:p>
+          <a:p>
+            <a:endParaRPr lang="en-US" sz="2800" dirty="0">
+              <a:solidFill>
+                <a:srgbClr val="FF0000"/>
+              </a:solidFill>
+            </a:endParaRPr>
+          </a:p>
+        </p:txBody>
+      </p:sp>
+      <p:sp>
+        <p:nvSpPr>
+          <p:cNvPr id="17" name="TextBox 16">
+            <a:extLst>
+              <a:ext uri="{FF2B5EF4-FFF2-40B4-BE49-F238E27FC236}">
+                <a16:creationId xmlns:a16="http://schemas.microsoft.com/office/drawing/2014/main" id="{4264D151-86AA-4046-A535-65CB234F12BB}"/>
+              </a:ext>
+            </a:extLst>
+          </p:cNvPr>
+          <p:cNvSpPr txBox="1"/>
+          <p:nvPr/>
+        </p:nvSpPr>
+        <p:spPr>
+          <a:xfrm>
+            <a:off x="2353094" y="5860253"/>
+            <a:ext cx="9580433" cy="523220"/>
+          </a:xfrm>
+          <a:prstGeom prst="rect">
+            <a:avLst/>
+          </a:prstGeom>
+          <a:noFill/>
+        </p:spPr>
+        <p:txBody>
+          <a:bodyPr wrap="square" rtlCol="0">
+            <a:spAutoFit/>
+          </a:bodyPr>
+          <a:lstStyle/>
+          <a:p>
+            <a:r>
+              <a:rPr lang="en-US" sz="2800" dirty="0">
+                <a:solidFill>
+                  <a:srgbClr val="FF0000"/>
+                </a:solidFill>
+              </a:rPr>
+              <a:t>Specifier indicates the directive should be bound in special way</a:t>
+            </a:r>
+          </a:p>
+        </p:txBody>
+      </p:sp>
+      <p:sp>
+        <p:nvSpPr>
+          <p:cNvPr id="7" name="Rectangle 6">
+            <a:extLst>
+              <a:ext uri="{FF2B5EF4-FFF2-40B4-BE49-F238E27FC236}">
+                <a16:creationId xmlns:a16="http://schemas.microsoft.com/office/drawing/2014/main" id="{B7866861-5951-44FA-A578-2EB1A8B1B470}"/>
+              </a:ext>
+            </a:extLst>
+          </p:cNvPr>
+          <p:cNvSpPr/>
+          <p:nvPr/>
+        </p:nvSpPr>
+        <p:spPr>
+          <a:xfrm>
+            <a:off x="1952432" y="349903"/>
+            <a:ext cx="3256469" cy="523220"/>
+          </a:xfrm>
+          <a:prstGeom prst="rect">
+            <a:avLst/>
+          </a:prstGeom>
+        </p:spPr>
+        <p:txBody>
+          <a:bodyPr wrap="none">
+            <a:spAutoFit/>
+          </a:bodyPr>
+          <a:lstStyle/>
+          <a:p>
+            <a:r>
+              <a:rPr lang="en-US" sz="2800" dirty="0"/>
+              <a:t>v-on, v-bind shortcut</a:t>
+            </a:r>
+          </a:p>
+        </p:txBody>
+      </p:sp>
+      <p:sp>
+        <p:nvSpPr>
+          <p:cNvPr id="8" name="TextBox 7">
+            <a:extLst>
+              <a:ext uri="{FF2B5EF4-FFF2-40B4-BE49-F238E27FC236}">
+                <a16:creationId xmlns:a16="http://schemas.microsoft.com/office/drawing/2014/main" id="{6B759785-0B75-4D10-8224-B48B9B1F246B}"/>
+              </a:ext>
+            </a:extLst>
+          </p:cNvPr>
+          <p:cNvSpPr txBox="1"/>
+          <p:nvPr/>
+        </p:nvSpPr>
+        <p:spPr>
+          <a:xfrm>
+            <a:off x="2217931" y="1000441"/>
+            <a:ext cx="2100580" cy="523220"/>
+          </a:xfrm>
+          <a:prstGeom prst="rect">
+            <a:avLst/>
+          </a:prstGeom>
+          <a:noFill/>
+        </p:spPr>
+        <p:txBody>
+          <a:bodyPr wrap="square" rtlCol="0">
+            <a:spAutoFit/>
+          </a:bodyPr>
+          <a:lstStyle/>
+          <a:p>
+            <a:r>
+              <a:rPr lang="en-US" sz="2800" dirty="0" err="1">
+                <a:solidFill>
+                  <a:srgbClr val="34495E"/>
+                </a:solidFill>
+              </a:rPr>
+              <a:t>v-on:</a:t>
+            </a:r>
+            <a:r>
+              <a:rPr lang="en-US" sz="2800" dirty="0" err="1">
+                <a:solidFill>
+                  <a:srgbClr val="42B983"/>
+                </a:solidFill>
+              </a:rPr>
+              <a:t>click</a:t>
+            </a:r>
+            <a:endParaRPr lang="en-US" sz="2800" dirty="0">
+              <a:solidFill>
+                <a:srgbClr val="42B983"/>
+              </a:solidFill>
+            </a:endParaRPr>
+          </a:p>
+        </p:txBody>
+      </p:sp>
+      <p:sp>
+        <p:nvSpPr>
+          <p:cNvPr id="9" name="TextBox 8">
+            <a:extLst>
+              <a:ext uri="{FF2B5EF4-FFF2-40B4-BE49-F238E27FC236}">
+                <a16:creationId xmlns:a16="http://schemas.microsoft.com/office/drawing/2014/main" id="{DFF4903E-49CD-4833-BDD7-DA2C92710BDB}"/>
+              </a:ext>
+            </a:extLst>
+          </p:cNvPr>
+          <p:cNvSpPr txBox="1"/>
+          <p:nvPr/>
+        </p:nvSpPr>
+        <p:spPr>
+          <a:xfrm>
+            <a:off x="2189991" y="1808161"/>
+            <a:ext cx="2100580" cy="523220"/>
+          </a:xfrm>
+          <a:prstGeom prst="rect">
+            <a:avLst/>
+          </a:prstGeom>
+          <a:noFill/>
+        </p:spPr>
+        <p:txBody>
+          <a:bodyPr wrap="square" rtlCol="0">
+            <a:spAutoFit/>
+          </a:bodyPr>
+          <a:lstStyle/>
+          <a:p>
+            <a:r>
+              <a:rPr lang="en-US" sz="2800" dirty="0" err="1">
+                <a:solidFill>
+                  <a:srgbClr val="34495E"/>
+                </a:solidFill>
+              </a:rPr>
+              <a:t>v-bind:</a:t>
+            </a:r>
+            <a:r>
+              <a:rPr lang="en-US" sz="2800" dirty="0" err="1">
+                <a:solidFill>
+                  <a:srgbClr val="42B983"/>
+                </a:solidFill>
+              </a:rPr>
+              <a:t>style</a:t>
+            </a:r>
+            <a:endParaRPr lang="en-US" sz="2800" dirty="0">
+              <a:solidFill>
+                <a:srgbClr val="42B983"/>
+              </a:solidFill>
+            </a:endParaRPr>
+          </a:p>
+        </p:txBody>
+      </p:sp>
+      <p:sp>
+        <p:nvSpPr>
+          <p:cNvPr id="10" name="TextBox 9">
+            <a:extLst>
+              <a:ext uri="{FF2B5EF4-FFF2-40B4-BE49-F238E27FC236}">
+                <a16:creationId xmlns:a16="http://schemas.microsoft.com/office/drawing/2014/main" id="{E2D1375C-15EE-4604-BB74-1AAB9CFD7F34}"/>
+              </a:ext>
+            </a:extLst>
+          </p:cNvPr>
+          <p:cNvSpPr txBox="1"/>
+          <p:nvPr/>
+        </p:nvSpPr>
+        <p:spPr>
+          <a:xfrm>
+            <a:off x="7775451" y="1000441"/>
+            <a:ext cx="2100580" cy="523220"/>
+          </a:xfrm>
+          <a:prstGeom prst="rect">
+            <a:avLst/>
+          </a:prstGeom>
+          <a:noFill/>
+        </p:spPr>
+        <p:txBody>
+          <a:bodyPr wrap="square" rtlCol="0">
+            <a:spAutoFit/>
+          </a:bodyPr>
+          <a:lstStyle/>
+          <a:p>
+            <a:r>
+              <a:rPr lang="en-US" sz="2800" dirty="0">
+                <a:solidFill>
+                  <a:srgbClr val="34495E"/>
+                </a:solidFill>
+              </a:rPr>
+              <a:t>@</a:t>
+            </a:r>
+            <a:r>
+              <a:rPr lang="en-US" sz="2800" dirty="0">
+                <a:solidFill>
+                  <a:srgbClr val="42B983"/>
+                </a:solidFill>
+              </a:rPr>
+              <a:t>click</a:t>
+            </a:r>
+          </a:p>
+        </p:txBody>
+      </p:sp>
+      <p:sp>
+        <p:nvSpPr>
+          <p:cNvPr id="11" name="TextBox 10">
+            <a:extLst>
+              <a:ext uri="{FF2B5EF4-FFF2-40B4-BE49-F238E27FC236}">
+                <a16:creationId xmlns:a16="http://schemas.microsoft.com/office/drawing/2014/main" id="{C288919B-117C-4273-B378-6C3412701782}"/>
+              </a:ext>
+            </a:extLst>
+          </p:cNvPr>
+          <p:cNvSpPr txBox="1"/>
+          <p:nvPr/>
+        </p:nvSpPr>
+        <p:spPr>
+          <a:xfrm>
+            <a:off x="7747511" y="1808161"/>
+            <a:ext cx="2100580" cy="523220"/>
+          </a:xfrm>
+          <a:prstGeom prst="rect">
+            <a:avLst/>
+          </a:prstGeom>
+          <a:noFill/>
+        </p:spPr>
+        <p:txBody>
+          <a:bodyPr wrap="square" rtlCol="0">
+            <a:spAutoFit/>
+          </a:bodyPr>
+          <a:lstStyle/>
+          <a:p>
+            <a:r>
+              <a:rPr lang="en-US" sz="2800" dirty="0">
+                <a:solidFill>
+                  <a:srgbClr val="34495E"/>
+                </a:solidFill>
+              </a:rPr>
+              <a:t>:</a:t>
+            </a:r>
+            <a:r>
+              <a:rPr lang="en-US" sz="2800" dirty="0">
+                <a:solidFill>
+                  <a:srgbClr val="42B983"/>
+                </a:solidFill>
+              </a:rPr>
+              <a:t>style</a:t>
+            </a:r>
+          </a:p>
+        </p:txBody>
+      </p:sp>
+      <p:sp>
+        <p:nvSpPr>
+          <p:cNvPr id="12" name="Arrow: Left 11">
+            <a:extLst>
+              <a:ext uri="{FF2B5EF4-FFF2-40B4-BE49-F238E27FC236}">
+                <a16:creationId xmlns:a16="http://schemas.microsoft.com/office/drawing/2014/main" id="{165BDEBA-F073-44EC-A10E-9D06294B2E87}"/>
+              </a:ext>
+            </a:extLst>
+          </p:cNvPr>
+          <p:cNvSpPr/>
+          <p:nvPr/>
+        </p:nvSpPr>
+        <p:spPr>
+          <a:xfrm rot="10800000">
+            <a:off x="5453585" y="2062140"/>
+            <a:ext cx="895587" cy="223180"/>
+          </a:xfrm>
+          <a:prstGeom prst="leftArrow">
+            <a:avLst/>
+          </a:prstGeom>
+          <a:solidFill>
+            <a:srgbClr val="42B983"/>
+          </a:solidFill>
+          <a:ln>
+            <a:noFill/>
+          </a:ln>
+        </p:spPr>
+        <p:style>
+          <a:lnRef idx="2">
+            <a:schemeClr val="accent1">
+              <a:shade val="50000"/>
+            </a:schemeClr>
+          </a:lnRef>
+          <a:fillRef idx="1">
+            <a:schemeClr val="accent1"/>
+          </a:fillRef>
+          <a:effectRef idx="0">
+            <a:schemeClr val="accent1"/>
+          </a:effectRef>
+          <a:fontRef idx="minor">
+            <a:schemeClr val="lt1"/>
+          </a:fontRef>
+        </p:style>
+        <p:txBody>
+          <a:bodyPr rtlCol="0" anchor="ctr"/>
+          <a:lstStyle/>
+          <a:p>
+            <a:pPr algn="ctr"/>
+            <a:endParaRPr lang="en-US"/>
+          </a:p>
+        </p:txBody>
+      </p:sp>
+      <p:sp>
+        <p:nvSpPr>
+          <p:cNvPr id="13" name="Arrow: Left 12">
+            <a:extLst>
+              <a:ext uri="{FF2B5EF4-FFF2-40B4-BE49-F238E27FC236}">
+                <a16:creationId xmlns:a16="http://schemas.microsoft.com/office/drawing/2014/main" id="{9A8F95D3-C4E6-4564-88F0-64584EDFD602}"/>
+              </a:ext>
+            </a:extLst>
+          </p:cNvPr>
+          <p:cNvSpPr/>
+          <p:nvPr/>
+        </p:nvSpPr>
+        <p:spPr>
+          <a:xfrm rot="10800000">
+            <a:off x="5453585" y="1150461"/>
+            <a:ext cx="895587" cy="223180"/>
+          </a:xfrm>
+          <a:prstGeom prst="leftArrow">
+            <a:avLst/>
+          </a:prstGeom>
+          <a:solidFill>
+            <a:srgbClr val="42B983"/>
+          </a:solidFill>
+          <a:ln>
+            <a:noFill/>
+          </a:ln>
+        </p:spPr>
+        <p:style>
+          <a:lnRef idx="2">
+            <a:schemeClr val="accent1">
+              <a:shade val="50000"/>
+            </a:schemeClr>
+          </a:lnRef>
+          <a:fillRef idx="1">
+            <a:schemeClr val="accent1"/>
+          </a:fillRef>
+          <a:effectRef idx="0">
+            <a:schemeClr val="accent1"/>
+          </a:effectRef>
+          <a:fontRef idx="minor">
+            <a:schemeClr val="lt1"/>
+          </a:fontRef>
+        </p:style>
+        <p:txBody>
+          <a:bodyPr rtlCol="0" anchor="ctr"/>
+          <a:lstStyle/>
+          <a:p>
+            <a:pPr algn="ctr"/>
+            <a:endParaRPr lang="en-US"/>
+          </a:p>
+        </p:txBody>
+      </p:sp>
+      <p:sp>
+        <p:nvSpPr>
+          <p:cNvPr id="18" name="Rectangle: Rounded Corners 17">
+            <a:extLst>
+              <a:ext uri="{FF2B5EF4-FFF2-40B4-BE49-F238E27FC236}">
+                <a16:creationId xmlns:a16="http://schemas.microsoft.com/office/drawing/2014/main" id="{69087DF5-4878-47F3-A198-F78DEEDC90EE}"/>
+              </a:ext>
+            </a:extLst>
+          </p:cNvPr>
+          <p:cNvSpPr/>
+          <p:nvPr/>
+        </p:nvSpPr>
+        <p:spPr>
+          <a:xfrm>
+            <a:off x="1952432" y="841290"/>
+            <a:ext cx="7254240" cy="1707504"/>
+          </a:xfrm>
+          <a:prstGeom prst="roundRect">
+            <a:avLst/>
+          </a:prstGeom>
+          <a:noFill/>
+          <a:ln w="38100">
+            <a:solidFill>
+              <a:schemeClr val="tx1"/>
+            </a:solidFill>
+          </a:ln>
+        </p:spPr>
+        <p:style>
+          <a:lnRef idx="2">
+            <a:schemeClr val="accent1">
+              <a:shade val="50000"/>
+            </a:schemeClr>
+          </a:lnRef>
+          <a:fillRef idx="1">
+            <a:schemeClr val="accent1"/>
+          </a:fillRef>
+          <a:effectRef idx="0">
+            <a:schemeClr val="accent1"/>
+          </a:effectRef>
+          <a:fontRef idx="minor">
+            <a:schemeClr val="lt1"/>
+          </a:fontRef>
+        </p:style>
+        <p:txBody>
+          <a:bodyPr rtlCol="0" anchor="ctr"/>
+          <a:lstStyle/>
+          <a:p>
+            <a:pPr algn="ctr"/>
+            <a:endParaRPr lang="en-US"/>
+          </a:p>
+        </p:txBody>
+      </p:sp>
+      <p:sp>
+        <p:nvSpPr>
+          <p:cNvPr id="22" name="Rectangle: Rounded Corners 21">
+            <a:extLst>
+              <a:ext uri="{FF2B5EF4-FFF2-40B4-BE49-F238E27FC236}">
+                <a16:creationId xmlns:a16="http://schemas.microsoft.com/office/drawing/2014/main" id="{8B9CF2CA-CF29-49DC-B121-9103767B8363}"/>
+              </a:ext>
+            </a:extLst>
+          </p:cNvPr>
+          <p:cNvSpPr/>
+          <p:nvPr/>
+        </p:nvSpPr>
+        <p:spPr>
+          <a:xfrm>
+            <a:off x="1759839" y="3382552"/>
+            <a:ext cx="10312399" cy="3372124"/>
+          </a:xfrm>
+          <a:prstGeom prst="roundRect">
+            <a:avLst/>
+          </a:prstGeom>
+          <a:noFill/>
+          <a:ln w="38100">
+            <a:solidFill>
+              <a:schemeClr val="tx1"/>
+            </a:solidFill>
+          </a:ln>
+        </p:spPr>
+        <p:style>
+          <a:lnRef idx="2">
+            <a:schemeClr val="accent1">
+              <a:shade val="50000"/>
+            </a:schemeClr>
+          </a:lnRef>
+          <a:fillRef idx="1">
+            <a:schemeClr val="accent1"/>
+          </a:fillRef>
+          <a:effectRef idx="0">
+            <a:schemeClr val="accent1"/>
+          </a:effectRef>
+          <a:fontRef idx="minor">
+            <a:schemeClr val="lt1"/>
+          </a:fontRef>
+        </p:style>
+        <p:txBody>
+          <a:bodyPr rtlCol="0" anchor="ctr"/>
+          <a:lstStyle/>
+          <a:p>
+            <a:pPr algn="ctr"/>
+            <a:endParaRPr lang="en-US"/>
+          </a:p>
+        </p:txBody>
+      </p:sp>
+      <p:sp>
+        <p:nvSpPr>
+          <p:cNvPr id="24" name="Rectangle 23">
+            <a:extLst>
+              <a:ext uri="{FF2B5EF4-FFF2-40B4-BE49-F238E27FC236}">
+                <a16:creationId xmlns:a16="http://schemas.microsoft.com/office/drawing/2014/main" id="{06A78DA1-A59A-4F89-9BBF-D0BA4CFB9038}"/>
+              </a:ext>
+            </a:extLst>
+          </p:cNvPr>
+          <p:cNvSpPr/>
+          <p:nvPr/>
+        </p:nvSpPr>
+        <p:spPr>
+          <a:xfrm>
+            <a:off x="1952432" y="2887187"/>
+            <a:ext cx="1420582" cy="523220"/>
+          </a:xfrm>
+          <a:prstGeom prst="rect">
+            <a:avLst/>
+          </a:prstGeom>
+        </p:spPr>
+        <p:txBody>
+          <a:bodyPr wrap="none">
+            <a:spAutoFit/>
+          </a:bodyPr>
+          <a:lstStyle/>
+          <a:p>
+            <a:r>
+              <a:rPr lang="en-US" sz="2800" dirty="0"/>
+              <a:t>specifier</a:t>
+            </a:r>
+          </a:p>
+        </p:txBody>
+      </p:sp>
+      <p:sp>
+        <p:nvSpPr>
+          <p:cNvPr id="19" name="Title 1">
+            <a:extLst>
+              <a:ext uri="{FF2B5EF4-FFF2-40B4-BE49-F238E27FC236}">
+                <a16:creationId xmlns:a16="http://schemas.microsoft.com/office/drawing/2014/main" id="{8C143711-25E7-4CF1-AC8A-776D60FB142D}"/>
+              </a:ext>
+            </a:extLst>
+          </p:cNvPr>
+          <p:cNvSpPr>
+            <a:spLocks noGrp="1"/>
+          </p:cNvSpPr>
+          <p:nvPr>
+            <p:ph type="title"/>
+          </p:nvPr>
+        </p:nvSpPr>
+        <p:spPr>
+          <a:xfrm>
+            <a:off x="0" y="1"/>
+            <a:ext cx="2976880" cy="711200"/>
+          </a:xfrm>
+        </p:spPr>
+        <p:txBody>
+          <a:bodyPr>
+            <a:normAutofit/>
+          </a:bodyPr>
+          <a:lstStyle/>
+          <a:p>
+            <a:r>
+              <a:rPr lang="en-US" sz="3200" dirty="0"/>
+              <a:t>Notes</a:t>
+            </a:r>
+          </a:p>
+        </p:txBody>
+      </p:sp>
+    </p:spTree>
+    <p:extLst>
+      <p:ext uri="{BB962C8B-B14F-4D97-AF65-F5344CB8AC3E}">
+        <p14:creationId xmlns:p14="http://schemas.microsoft.com/office/powerpoint/2010/main" val="1958669119"/>
+      </p:ext>
+    </p:extLst>
+  </p:cSld>
+  <p:clrMapOvr>
+    <a:masterClrMapping/>
+  </p:clrMapOvr>
+  <p:timing>
+    <p:tnLst>
+      <p:par>
+        <p:cTn id="1" dur="indefinite" restart="never" nodeType="tmRoot"/>
+      </p:par>
+    </p:tnLst>
+  </p:timing>
+</p:sld>
+</file>
+
+<file path=ppt/slides/slide25.xml><?xml version="1.0" encoding="utf-8"?>
+<p:sld xmlns:a="http://schemas.openxmlformats.org/drawingml/2006/main" xmlns:r="http://schemas.openxmlformats.org/officeDocument/2006/relationships" xmlns:p="http://schemas.openxmlformats.org/presentationml/2006/main">
+  <p:cSld>
+    <p:spTree>
+      <p:nvGrpSpPr>
+        <p:cNvPr id="1" name=""/>
+        <p:cNvGrpSpPr/>
+        <p:nvPr/>
+      </p:nvGrpSpPr>
+      <p:grpSpPr>
+        <a:xfrm>
+          <a:off x="0" y="0"/>
+          <a:ext cx="0" cy="0"/>
+          <a:chOff x="0" y="0"/>
+          <a:chExt cx="0" cy="0"/>
+        </a:xfrm>
+      </p:grpSpPr>
+      <p:sp>
+        <p:nvSpPr>
+          <p:cNvPr id="3" name="TextBox 2">
+            <a:extLst>
+              <a:ext uri="{FF2B5EF4-FFF2-40B4-BE49-F238E27FC236}">
+                <a16:creationId xmlns:a16="http://schemas.microsoft.com/office/drawing/2014/main" id="{B5067BFC-B9DD-4241-82AC-C50D21088323}"/>
+              </a:ext>
+            </a:extLst>
+          </p:cNvPr>
+          <p:cNvSpPr txBox="1"/>
+          <p:nvPr/>
+        </p:nvSpPr>
+        <p:spPr>
+          <a:xfrm>
+            <a:off x="6918973" y="1654471"/>
+            <a:ext cx="5151094" cy="954107"/>
+          </a:xfrm>
+          <a:prstGeom prst="rect">
+            <a:avLst/>
+          </a:prstGeom>
+          <a:noFill/>
+        </p:spPr>
+        <p:txBody>
+          <a:bodyPr wrap="square" rtlCol="0">
+            <a:spAutoFit/>
+          </a:bodyPr>
+          <a:lstStyle/>
+          <a:p>
+            <a:r>
+              <a:rPr lang="en-US" sz="2800" dirty="0">
+                <a:solidFill>
+                  <a:srgbClr val="42B983"/>
+                </a:solidFill>
+              </a:rPr>
+              <a:t>v-show</a:t>
+            </a:r>
+            <a:r>
+              <a:rPr lang="en-US" sz="2800" dirty="0"/>
+              <a:t> = “conditional expression”</a:t>
             </a:r>
           </a:p>
           <a:p>
@@ -14622,8 +14906,16 @@
               <a:buChar char="•"/>
             </a:pPr>
             <a:r>
+              <a:rPr lang="en-US" sz="2800" dirty="0">
+                <a:solidFill>
+                  <a:srgbClr val="42B983"/>
+                </a:solidFill>
+              </a:rPr>
+              <a:t>v-if</a:t>
+            </a:r>
+            <a:r>
               <a:rPr lang="en-US" sz="2800" dirty="0"/>
-              <a:t>v-if = “conditional expression”</a:t>
+              <a:t> = “conditional expression”</a:t>
             </a:r>
           </a:p>
           <a:p>
@@ -14632,8 +14924,16 @@
               <a:buChar char="•"/>
             </a:pPr>
             <a:r>
+              <a:rPr lang="en-US" sz="2800" dirty="0">
+                <a:solidFill>
+                  <a:srgbClr val="42B983"/>
+                </a:solidFill>
+              </a:rPr>
+              <a:t>v-else-if</a:t>
+            </a:r>
+            <a:r>
               <a:rPr lang="en-US" sz="2800" dirty="0"/>
-              <a:t>v-else-if = “conditional expression”</a:t>
+              <a:t> = “conditional expression”</a:t>
             </a:r>
           </a:p>
           <a:p>
@@ -14642,7 +14942,11 @@
               <a:buChar char="•"/>
             </a:pPr>
             <a:r>
-              <a:rPr lang="en-US" sz="2800" dirty="0"/>
+              <a:rPr lang="en-US" sz="2800" dirty="0">
+                <a:solidFill>
+                  <a:srgbClr val="42B983"/>
+                </a:solidFill>
+              </a:rPr>
               <a:t>v-else</a:t>
             </a:r>
           </a:p>
@@ -14913,10 +15217,17 @@
   <p:clrMapOvr>
     <a:masterClrMapping/>
   </p:clrMapOvr>
+  <p:timing>
+    <p:tnLst>
+      <p:par>
+        <p:cTn id="1" dur="indefinite" restart="never" nodeType="tmRoot"/>
+      </p:par>
+    </p:tnLst>
+  </p:timing>
 </p:sld>
 </file>
 
-<file path=ppt/slides/slide25.xml><?xml version="1.0" encoding="utf-8"?>
+<file path=ppt/slides/slide26.xml><?xml version="1.0" encoding="utf-8"?>
 <p:sld xmlns:a="http://schemas.openxmlformats.org/drawingml/2006/main" xmlns:r="http://schemas.openxmlformats.org/officeDocument/2006/relationships" xmlns:p="http://schemas.openxmlformats.org/presentationml/2006/main">
   <p:cSld>
     <p:spTree>
@@ -14999,8 +15310,16 @@
           <a:lstStyle/>
           <a:p>
             <a:r>
+              <a:rPr lang="en-US" sz="2800" dirty="0">
+                <a:solidFill>
+                  <a:srgbClr val="42B983"/>
+                </a:solidFill>
+              </a:rPr>
+              <a:t>v-for</a:t>
+            </a:r>
+            <a:r>
               <a:rPr lang="en-US" sz="2800" dirty="0"/>
-              <a:t>v-for = “(value, key, index) in object”</a:t>
+              <a:t> = “(value, key, index) in object”</a:t>
             </a:r>
           </a:p>
           <a:p>
@@ -15037,8 +15356,16 @@
           <a:lstStyle/>
           <a:p>
             <a:r>
+              <a:rPr lang="en-US" sz="2800" dirty="0">
+                <a:solidFill>
+                  <a:srgbClr val="42B983"/>
+                </a:solidFill>
+              </a:rPr>
+              <a:t>v-for</a:t>
+            </a:r>
+            <a:r>
               <a:rPr lang="en-US" sz="2800" dirty="0"/>
-              <a:t>v-for = “(item, index) in array”</a:t>
+              <a:t> = “(item, index) in array”</a:t>
             </a:r>
           </a:p>
           <a:p>
@@ -15079,11 +15406,7 @@
               <a:t>&lt;ul v-for = “(</a:t>
             </a:r>
             <a:r>
-              <a:rPr lang="en-US" sz="2800" dirty="0">
-                <a:solidFill>
-                  <a:srgbClr val="42B983"/>
-                </a:solidFill>
-              </a:rPr>
+              <a:rPr lang="en-US" sz="2800" b="1" dirty="0"/>
               <a:t>item</a:t>
             </a:r>
             <a:r>
@@ -15113,12 +15436,12 @@
               <a:t>	// below block of code will have access to </a:t>
             </a:r>
             <a:r>
-              <a:rPr lang="en-US" sz="2800" dirty="0">
-                <a:solidFill>
-                  <a:srgbClr val="42B983"/>
-                </a:solidFill>
-              </a:rPr>
-              <a:t>item, index</a:t>
+              <a:rPr lang="en-US" sz="2800" b="1" dirty="0"/>
+              <a:t>item</a:t>
+            </a:r>
+            <a:r>
+              <a:rPr lang="en-US" sz="2800" dirty="0"/>
+              <a:t>, index</a:t>
             </a:r>
           </a:p>
           <a:p>
@@ -15212,10 +15535,483 @@
   <p:clrMapOvr>
     <a:masterClrMapping/>
   </p:clrMapOvr>
+  <p:timing>
+    <p:tnLst>
+      <p:par>
+        <p:cTn id="1" dur="indefinite" restart="never" nodeType="tmRoot"/>
+      </p:par>
+    </p:tnLst>
+  </p:timing>
 </p:sld>
 </file>
 
-<file path=ppt/slides/slide26.xml><?xml version="1.0" encoding="utf-8"?>
+<file path=ppt/slides/slide27.xml><?xml version="1.0" encoding="utf-8"?>
+<p:sld xmlns:a="http://schemas.openxmlformats.org/drawingml/2006/main" xmlns:r="http://schemas.openxmlformats.org/officeDocument/2006/relationships" xmlns:p="http://schemas.openxmlformats.org/presentationml/2006/main">
+  <p:cSld>
+    <p:bg>
+      <p:bgPr>
+        <a:solidFill>
+          <a:srgbClr val="42B983"/>
+        </a:solidFill>
+        <a:effectLst/>
+      </p:bgPr>
+    </p:bg>
+    <p:spTree>
+      <p:nvGrpSpPr>
+        <p:cNvPr id="1" name=""/>
+        <p:cNvGrpSpPr/>
+        <p:nvPr/>
+      </p:nvGrpSpPr>
+      <p:grpSpPr>
+        <a:xfrm>
+          <a:off x="0" y="0"/>
+          <a:ext cx="0" cy="0"/>
+          <a:chOff x="0" y="0"/>
+          <a:chExt cx="0" cy="0"/>
+        </a:xfrm>
+      </p:grpSpPr>
+      <p:sp>
+        <p:nvSpPr>
+          <p:cNvPr id="4" name="TextBox 3">
+            <a:extLst>
+              <a:ext uri="{FF2B5EF4-FFF2-40B4-BE49-F238E27FC236}">
+                <a16:creationId xmlns:a16="http://schemas.microsoft.com/office/drawing/2014/main" id="{9D2EB246-4291-481B-AE5D-FB35D0002B44}"/>
+              </a:ext>
+            </a:extLst>
+          </p:cNvPr>
+          <p:cNvSpPr txBox="1"/>
+          <p:nvPr/>
+        </p:nvSpPr>
+        <p:spPr>
+          <a:xfrm>
+            <a:off x="4000071" y="2070636"/>
+            <a:ext cx="4222680" cy="646331"/>
+          </a:xfrm>
+          <a:prstGeom prst="rect">
+            <a:avLst/>
+          </a:prstGeom>
+          <a:noFill/>
+        </p:spPr>
+        <p:txBody>
+          <a:bodyPr wrap="square" rtlCol="0">
+            <a:spAutoFit/>
+          </a:bodyPr>
+          <a:lstStyle/>
+          <a:p>
+            <a:pPr algn="ctr"/>
+            <a:r>
+              <a:rPr lang="en-US" sz="3600" b="1" dirty="0">
+                <a:solidFill>
+                  <a:schemeClr val="bg1"/>
+                </a:solidFill>
+              </a:rPr>
+              <a:t>Instance lifecycle</a:t>
+            </a:r>
+          </a:p>
+        </p:txBody>
+      </p:sp>
+    </p:spTree>
+    <p:extLst>
+      <p:ext uri="{BB962C8B-B14F-4D97-AF65-F5344CB8AC3E}">
+        <p14:creationId xmlns:p14="http://schemas.microsoft.com/office/powerpoint/2010/main" val="2591542824"/>
+      </p:ext>
+    </p:extLst>
+  </p:cSld>
+  <p:clrMapOvr>
+    <a:masterClrMapping/>
+  </p:clrMapOvr>
+  <p:timing>
+    <p:tnLst>
+      <p:par>
+        <p:cTn id="1" dur="indefinite" restart="never" nodeType="tmRoot"/>
+      </p:par>
+    </p:tnLst>
+  </p:timing>
+</p:sld>
+</file>
+
+<file path=ppt/slides/slide28.xml><?xml version="1.0" encoding="utf-8"?>
+<p:sld xmlns:a="http://schemas.openxmlformats.org/drawingml/2006/main" xmlns:r="http://schemas.openxmlformats.org/officeDocument/2006/relationships" xmlns:p="http://schemas.openxmlformats.org/presentationml/2006/main">
+  <p:cSld>
+    <p:spTree>
+      <p:nvGrpSpPr>
+        <p:cNvPr id="1" name=""/>
+        <p:cNvGrpSpPr/>
+        <p:nvPr/>
+      </p:nvGrpSpPr>
+      <p:grpSpPr>
+        <a:xfrm>
+          <a:off x="0" y="0"/>
+          <a:ext cx="0" cy="0"/>
+          <a:chOff x="0" y="0"/>
+          <a:chExt cx="0" cy="0"/>
+        </a:xfrm>
+      </p:grpSpPr>
+      <p:pic>
+        <p:nvPicPr>
+          <p:cNvPr id="8" name="Picture 7">
+            <a:extLst>
+              <a:ext uri="{FF2B5EF4-FFF2-40B4-BE49-F238E27FC236}">
+                <a16:creationId xmlns:a16="http://schemas.microsoft.com/office/drawing/2014/main" id="{AA13C48C-4863-4EB0-8F76-582940BA3AF9}"/>
+              </a:ext>
+            </a:extLst>
+          </p:cNvPr>
+          <p:cNvPicPr>
+            <a:picLocks noChangeAspect="1"/>
+          </p:cNvPicPr>
+          <p:nvPr/>
+        </p:nvPicPr>
+        <p:blipFill>
+          <a:blip r:embed="rId2">
+            <a:extLst>
+              <a:ext uri="{28A0092B-C50C-407E-A947-70E740481C1C}">
+                <a14:useLocalDpi xmlns:a14="http://schemas.microsoft.com/office/drawing/2010/main" val="0"/>
+              </a:ext>
+            </a:extLst>
+          </a:blip>
+          <a:stretch>
+            <a:fillRect/>
+          </a:stretch>
+        </p:blipFill>
+        <p:spPr>
+          <a:xfrm>
+            <a:off x="1471723" y="0"/>
+            <a:ext cx="10401778" cy="6858000"/>
+          </a:xfrm>
+          <a:prstGeom prst="rect">
+            <a:avLst/>
+          </a:prstGeom>
+        </p:spPr>
+      </p:pic>
+      <p:sp>
+        <p:nvSpPr>
+          <p:cNvPr id="3" name="TextBox 2">
+            <a:extLst>
+              <a:ext uri="{FF2B5EF4-FFF2-40B4-BE49-F238E27FC236}">
+                <a16:creationId xmlns:a16="http://schemas.microsoft.com/office/drawing/2014/main" id="{7BDDFCAB-E1F2-4A60-B9AE-D4AB9A757A76}"/>
+              </a:ext>
+            </a:extLst>
+          </p:cNvPr>
+          <p:cNvSpPr txBox="1"/>
+          <p:nvPr/>
+        </p:nvSpPr>
+        <p:spPr>
+          <a:xfrm>
+            <a:off x="0" y="0"/>
+            <a:ext cx="1923068" cy="584775"/>
+          </a:xfrm>
+          <a:prstGeom prst="rect">
+            <a:avLst/>
+          </a:prstGeom>
+          <a:noFill/>
+        </p:spPr>
+        <p:txBody>
+          <a:bodyPr wrap="square" rtlCol="0">
+            <a:spAutoFit/>
+          </a:bodyPr>
+          <a:lstStyle/>
+          <a:p>
+            <a:r>
+              <a:rPr lang="en-US" sz="3200" dirty="0" smtClean="0">
+                <a:latin typeface="+mj-lt"/>
+              </a:rPr>
+              <a:t>Lifecycle</a:t>
+            </a:r>
+            <a:endParaRPr lang="en-US" sz="3200" dirty="0">
+              <a:latin typeface="+mj-lt"/>
+            </a:endParaRPr>
+          </a:p>
+        </p:txBody>
+      </p:sp>
+    </p:spTree>
+    <p:extLst>
+      <p:ext uri="{BB962C8B-B14F-4D97-AF65-F5344CB8AC3E}">
+        <p14:creationId xmlns:p14="http://schemas.microsoft.com/office/powerpoint/2010/main" val="1500124130"/>
+      </p:ext>
+    </p:extLst>
+  </p:cSld>
+  <p:clrMapOvr>
+    <a:masterClrMapping/>
+  </p:clrMapOvr>
+  <p:timing>
+    <p:tnLst>
+      <p:par>
+        <p:cTn id="1" dur="indefinite" restart="never" nodeType="tmRoot"/>
+      </p:par>
+    </p:tnLst>
+  </p:timing>
+</p:sld>
+</file>
+
+<file path=ppt/slides/slide29.xml><?xml version="1.0" encoding="utf-8"?>
+<p:sld xmlns:a="http://schemas.openxmlformats.org/drawingml/2006/main" xmlns:r="http://schemas.openxmlformats.org/officeDocument/2006/relationships" xmlns:p="http://schemas.openxmlformats.org/presentationml/2006/main">
+  <p:cSld>
+    <p:bg>
+      <p:bgPr>
+        <a:solidFill>
+          <a:srgbClr val="42B983"/>
+        </a:solidFill>
+        <a:effectLst/>
+      </p:bgPr>
+    </p:bg>
+    <p:spTree>
+      <p:nvGrpSpPr>
+        <p:cNvPr id="1" name=""/>
+        <p:cNvGrpSpPr/>
+        <p:nvPr/>
+      </p:nvGrpSpPr>
+      <p:grpSpPr>
+        <a:xfrm>
+          <a:off x="0" y="0"/>
+          <a:ext cx="0" cy="0"/>
+          <a:chOff x="0" y="0"/>
+          <a:chExt cx="0" cy="0"/>
+        </a:xfrm>
+      </p:grpSpPr>
+      <p:sp>
+        <p:nvSpPr>
+          <p:cNvPr id="3" name="Title 1">
+            <a:extLst>
+              <a:ext uri="{FF2B5EF4-FFF2-40B4-BE49-F238E27FC236}">
+                <a16:creationId xmlns:a16="http://schemas.microsoft.com/office/drawing/2014/main" id="{1123A6F8-C0D0-4550-AFDF-4E9B7EEF4A6D}"/>
+              </a:ext>
+            </a:extLst>
+          </p:cNvPr>
+          <p:cNvSpPr txBox="1">
+            <a:spLocks/>
+          </p:cNvSpPr>
+          <p:nvPr/>
+        </p:nvSpPr>
+        <p:spPr>
+          <a:xfrm>
+            <a:off x="990600" y="517525"/>
+            <a:ext cx="10515600" cy="1325563"/>
+          </a:xfrm>
+          <a:prstGeom prst="rect">
+            <a:avLst/>
+          </a:prstGeom>
+          <a:solidFill>
+            <a:schemeClr val="bg1"/>
+          </a:solidFill>
+        </p:spPr>
+        <p:txBody>
+          <a:bodyPr vert="horz" lIns="91440" tIns="45720" rIns="91440" bIns="45720" rtlCol="0" anchor="ctr">
+            <a:normAutofit/>
+          </a:bodyPr>
+          <a:lstStyle>
+            <a:lvl1pPr algn="l" defTabSz="914400" rtl="0" eaLnBrk="1" latinLnBrk="0" hangingPunct="1">
+              <a:lnSpc>
+                <a:spcPct val="90000"/>
+              </a:lnSpc>
+              <a:spcBef>
+                <a:spcPct val="0"/>
+              </a:spcBef>
+              <a:buNone/>
+              <a:defRPr sz="4400" kern="1200">
+                <a:solidFill>
+                  <a:schemeClr val="tx1"/>
+                </a:solidFill>
+                <a:latin typeface="+mj-lt"/>
+                <a:ea typeface="+mj-ea"/>
+                <a:cs typeface="+mj-cs"/>
+              </a:defRPr>
+            </a:lvl1pPr>
+          </a:lstStyle>
+          <a:p>
+            <a:pPr algn="ctr"/>
+            <a:r>
+              <a:rPr lang="en-US" dirty="0"/>
+              <a:t>Vue component system</a:t>
+            </a:r>
+          </a:p>
+        </p:txBody>
+      </p:sp>
+      <p:sp>
+        <p:nvSpPr>
+          <p:cNvPr id="4" name="TextBox 3">
+            <a:extLst>
+              <a:ext uri="{FF2B5EF4-FFF2-40B4-BE49-F238E27FC236}">
+                <a16:creationId xmlns:a16="http://schemas.microsoft.com/office/drawing/2014/main" id="{9D2EB246-4291-481B-AE5D-FB35D0002B44}"/>
+              </a:ext>
+            </a:extLst>
+          </p:cNvPr>
+          <p:cNvSpPr txBox="1"/>
+          <p:nvPr/>
+        </p:nvSpPr>
+        <p:spPr>
+          <a:xfrm>
+            <a:off x="4126785" y="2070636"/>
+            <a:ext cx="4222680" cy="646331"/>
+          </a:xfrm>
+          <a:prstGeom prst="rect">
+            <a:avLst/>
+          </a:prstGeom>
+          <a:noFill/>
+        </p:spPr>
+        <p:txBody>
+          <a:bodyPr wrap="square" rtlCol="0">
+            <a:spAutoFit/>
+          </a:bodyPr>
+          <a:lstStyle/>
+          <a:p>
+            <a:pPr algn="ctr"/>
+            <a:r>
+              <a:rPr lang="en-US" sz="3600" dirty="0">
+                <a:solidFill>
+                  <a:schemeClr val="bg1"/>
+                </a:solidFill>
+              </a:rPr>
+              <a:t>Vue component</a:t>
+            </a:r>
+          </a:p>
+        </p:txBody>
+      </p:sp>
+      <p:sp>
+        <p:nvSpPr>
+          <p:cNvPr id="5" name="TextBox 4">
+            <a:extLst>
+              <a:ext uri="{FF2B5EF4-FFF2-40B4-BE49-F238E27FC236}">
+                <a16:creationId xmlns:a16="http://schemas.microsoft.com/office/drawing/2014/main" id="{BF99DAED-1F4B-45A5-B17B-818A014F2FE3}"/>
+              </a:ext>
+            </a:extLst>
+          </p:cNvPr>
+          <p:cNvSpPr txBox="1"/>
+          <p:nvPr/>
+        </p:nvSpPr>
+        <p:spPr>
+          <a:xfrm>
+            <a:off x="3465815" y="2727241"/>
+            <a:ext cx="5544621" cy="646331"/>
+          </a:xfrm>
+          <a:prstGeom prst="rect">
+            <a:avLst/>
+          </a:prstGeom>
+          <a:noFill/>
+        </p:spPr>
+        <p:txBody>
+          <a:bodyPr wrap="square" rtlCol="0">
+            <a:spAutoFit/>
+          </a:bodyPr>
+          <a:lstStyle/>
+          <a:p>
+            <a:pPr algn="ctr"/>
+            <a:r>
+              <a:rPr lang="en-US" sz="3600" dirty="0">
+                <a:solidFill>
+                  <a:schemeClr val="bg1"/>
+                </a:solidFill>
+              </a:rPr>
+              <a:t>Component communication</a:t>
+            </a:r>
+          </a:p>
+        </p:txBody>
+      </p:sp>
+      <p:sp>
+        <p:nvSpPr>
+          <p:cNvPr id="6" name="TextBox 5">
+            <a:extLst>
+              <a:ext uri="{FF2B5EF4-FFF2-40B4-BE49-F238E27FC236}">
+                <a16:creationId xmlns:a16="http://schemas.microsoft.com/office/drawing/2014/main" id="{37E314A2-7E68-4A3F-81C1-22209C25B4DF}"/>
+              </a:ext>
+            </a:extLst>
+          </p:cNvPr>
+          <p:cNvSpPr txBox="1"/>
+          <p:nvPr/>
+        </p:nvSpPr>
+        <p:spPr>
+          <a:xfrm>
+            <a:off x="3791164" y="4136006"/>
+            <a:ext cx="4808305" cy="646331"/>
+          </a:xfrm>
+          <a:prstGeom prst="rect">
+            <a:avLst/>
+          </a:prstGeom>
+          <a:noFill/>
+        </p:spPr>
+        <p:txBody>
+          <a:bodyPr wrap="square" rtlCol="0">
+            <a:spAutoFit/>
+          </a:bodyPr>
+          <a:lstStyle/>
+          <a:p>
+            <a:pPr algn="ctr"/>
+            <a:r>
+              <a:rPr lang="en-US" sz="3600" dirty="0">
+                <a:solidFill>
+                  <a:schemeClr val="bg1"/>
+                </a:solidFill>
+              </a:rPr>
+              <a:t>Single File Component</a:t>
+            </a:r>
+          </a:p>
+        </p:txBody>
+      </p:sp>
+      <p:sp>
+        <p:nvSpPr>
+          <p:cNvPr id="7" name="TextBox 6">
+            <a:extLst>
+              <a:ext uri="{FF2B5EF4-FFF2-40B4-BE49-F238E27FC236}">
+                <a16:creationId xmlns:a16="http://schemas.microsoft.com/office/drawing/2014/main" id="{37E314A2-7E68-4A3F-81C1-22209C25B4DF}"/>
+              </a:ext>
+            </a:extLst>
+          </p:cNvPr>
+          <p:cNvSpPr txBox="1"/>
+          <p:nvPr/>
+        </p:nvSpPr>
+        <p:spPr>
+          <a:xfrm>
+            <a:off x="3896429" y="3411712"/>
+            <a:ext cx="4808305" cy="646331"/>
+          </a:xfrm>
+          <a:prstGeom prst="rect">
+            <a:avLst/>
+          </a:prstGeom>
+          <a:noFill/>
+        </p:spPr>
+        <p:txBody>
+          <a:bodyPr wrap="square" rtlCol="0">
+            <a:spAutoFit/>
+          </a:bodyPr>
+          <a:lstStyle/>
+          <a:p>
+            <a:pPr algn="ctr"/>
+            <a:r>
+              <a:rPr lang="en-US" sz="3600" dirty="0" smtClean="0">
+                <a:solidFill>
+                  <a:schemeClr val="bg1"/>
+                </a:solidFill>
+              </a:rPr>
+              <a:t>Slot</a:t>
+            </a:r>
+            <a:endParaRPr lang="en-US" sz="3600" dirty="0">
+              <a:solidFill>
+                <a:schemeClr val="bg1"/>
+              </a:solidFill>
+            </a:endParaRPr>
+          </a:p>
+        </p:txBody>
+      </p:sp>
+    </p:spTree>
+    <p:extLst>
+      <p:ext uri="{BB962C8B-B14F-4D97-AF65-F5344CB8AC3E}">
+        <p14:creationId xmlns:p14="http://schemas.microsoft.com/office/powerpoint/2010/main" val="2436708818"/>
+      </p:ext>
+    </p:extLst>
+  </p:cSld>
+  <p:clrMapOvr>
+    <a:masterClrMapping/>
+  </p:clrMapOvr>
+  <p:timing>
+    <p:tnLst>
+      <p:par>
+        <p:cTn id="1" dur="indefinite" restart="never" nodeType="tmRoot"/>
+      </p:par>
+    </p:tnLst>
+  </p:timing>
+</p:sld>
+</file>
+
+<file path=ppt/slides/slide3.xml><?xml version="1.0" encoding="utf-8"?>
 <p:sld xmlns:a="http://schemas.openxmlformats.org/drawingml/2006/main" xmlns:r="http://schemas.openxmlformats.org/officeDocument/2006/relationships" xmlns:p="http://schemas.openxmlformats.org/presentationml/2006/main">
   <p:cSld>
     <p:bg>
@@ -15245,7 +16041,7 @@
           <p:cNvPr id="2" name="Title 1">
             <a:extLst>
               <a:ext uri="{FF2B5EF4-FFF2-40B4-BE49-F238E27FC236}">
-                <a16:creationId xmlns:a16="http://schemas.microsoft.com/office/drawing/2014/main" id="{92451528-9FC4-4930-855B-2E459095A6C5}"/>
+                <a16:creationId xmlns:a16="http://schemas.microsoft.com/office/drawing/2014/main" id="{60B16A15-E370-4C65-8FC2-F76729521FC8}"/>
               </a:ext>
             </a:extLst>
           </p:cNvPr>
@@ -15256,21 +16052,33 @@
             <p:ph type="title"/>
           </p:nvPr>
         </p:nvSpPr>
-        <p:spPr/>
+        <p:spPr>
+          <a:xfrm>
+            <a:off x="869022" y="344577"/>
+            <a:ext cx="10515600" cy="1325563"/>
+          </a:xfrm>
+          <a:solidFill>
+            <a:schemeClr val="bg1"/>
+          </a:solidFill>
+        </p:spPr>
         <p:txBody>
           <a:bodyPr/>
           <a:lstStyle/>
           <a:p>
-            <a:endParaRPr lang="en-US"/>
+            <a:pPr algn="ctr"/>
+            <a:r>
+              <a:rPr lang="en-US" dirty="0"/>
+              <a:t>What is SPA?</a:t>
+            </a:r>
           </a:p>
         </p:txBody>
       </p:sp>
       <p:sp>
         <p:nvSpPr>
-          <p:cNvPr id="4" name="TextBox 3">
-            <a:extLst>
-              <a:ext uri="{FF2B5EF4-FFF2-40B4-BE49-F238E27FC236}">
-                <a16:creationId xmlns:a16="http://schemas.microsoft.com/office/drawing/2014/main" id="{9D2EB246-4291-481B-AE5D-FB35D0002B44}"/>
+          <p:cNvPr id="3" name="TextBox 2">
+            <a:extLst>
+              <a:ext uri="{FF2B5EF4-FFF2-40B4-BE49-F238E27FC236}">
+                <a16:creationId xmlns:a16="http://schemas.microsoft.com/office/drawing/2014/main" id="{9FAC3651-0E79-44FB-9553-5939B06BC0CD}"/>
               </a:ext>
             </a:extLst>
           </p:cNvPr>
@@ -15279,7 +16087,7 @@
         </p:nvSpPr>
         <p:spPr>
           <a:xfrm>
-            <a:off x="4000071" y="2070636"/>
+            <a:off x="4015482" y="2070636"/>
             <a:ext cx="4222680" cy="646331"/>
           </a:xfrm>
           <a:prstGeom prst="rect">
@@ -15293,14 +16101,13 @@
           </a:bodyPr>
           <a:lstStyle/>
           <a:p>
-            <a:pPr algn="ctr"/>
-            <a:r>
-              <a:rPr lang="en-US" sz="3600" b="1" dirty="0">
+            <a:r>
+              <a:rPr lang="en-US" sz="3600" dirty="0">
                 <a:solidFill>
                   <a:schemeClr val="bg1"/>
                 </a:solidFill>
               </a:rPr>
-              <a:t>Instance lifecycle</a:t>
+              <a:t>The revolution of SPA</a:t>
             </a:r>
           </a:p>
         </p:txBody>
@@ -15308,324 +16115,24 @@
     </p:spTree>
     <p:extLst>
       <p:ext uri="{BB962C8B-B14F-4D97-AF65-F5344CB8AC3E}">
-        <p14:creationId xmlns:p14="http://schemas.microsoft.com/office/powerpoint/2010/main" val="2591542824"/>
+        <p14:creationId xmlns:p14="http://schemas.microsoft.com/office/powerpoint/2010/main" val="2225120540"/>
       </p:ext>
     </p:extLst>
   </p:cSld>
   <p:clrMapOvr>
     <a:masterClrMapping/>
   </p:clrMapOvr>
+  <p:timing>
+    <p:tnLst>
+      <p:par>
+        <p:cTn id="1" dur="indefinite" restart="never" nodeType="tmRoot"/>
+      </p:par>
+    </p:tnLst>
+  </p:timing>
 </p:sld>
 </file>
 
-<file path=ppt/slides/slide27.xml><?xml version="1.0" encoding="utf-8"?>
-<p:sld xmlns:a="http://schemas.openxmlformats.org/drawingml/2006/main" xmlns:r="http://schemas.openxmlformats.org/officeDocument/2006/relationships" xmlns:p="http://schemas.openxmlformats.org/presentationml/2006/main">
-  <p:cSld>
-    <p:spTree>
-      <p:nvGrpSpPr>
-        <p:cNvPr id="1" name=""/>
-        <p:cNvGrpSpPr/>
-        <p:nvPr/>
-      </p:nvGrpSpPr>
-      <p:grpSpPr>
-        <a:xfrm>
-          <a:off x="0" y="0"/>
-          <a:ext cx="0" cy="0"/>
-          <a:chOff x="0" y="0"/>
-          <a:chExt cx="0" cy="0"/>
-        </a:xfrm>
-      </p:grpSpPr>
-      <p:pic>
-        <p:nvPicPr>
-          <p:cNvPr id="8" name="Picture 7">
-            <a:extLst>
-              <a:ext uri="{FF2B5EF4-FFF2-40B4-BE49-F238E27FC236}">
-                <a16:creationId xmlns:a16="http://schemas.microsoft.com/office/drawing/2014/main" id="{AA13C48C-4863-4EB0-8F76-582940BA3AF9}"/>
-              </a:ext>
-            </a:extLst>
-          </p:cNvPr>
-          <p:cNvPicPr>
-            <a:picLocks noChangeAspect="1"/>
-          </p:cNvPicPr>
-          <p:nvPr/>
-        </p:nvPicPr>
-        <p:blipFill>
-          <a:blip r:embed="rId2">
-            <a:extLst>
-              <a:ext uri="{28A0092B-C50C-407E-A947-70E740481C1C}">
-                <a14:useLocalDpi xmlns:a14="http://schemas.microsoft.com/office/drawing/2010/main" val="0"/>
-              </a:ext>
-            </a:extLst>
-          </a:blip>
-          <a:stretch>
-            <a:fillRect/>
-          </a:stretch>
-        </p:blipFill>
-        <p:spPr>
-          <a:xfrm>
-            <a:off x="1471723" y="0"/>
-            <a:ext cx="10401778" cy="6858000"/>
-          </a:xfrm>
-          <a:prstGeom prst="rect">
-            <a:avLst/>
-          </a:prstGeom>
-        </p:spPr>
-      </p:pic>
-    </p:spTree>
-    <p:extLst>
-      <p:ext uri="{BB962C8B-B14F-4D97-AF65-F5344CB8AC3E}">
-        <p14:creationId xmlns:p14="http://schemas.microsoft.com/office/powerpoint/2010/main" val="1500124130"/>
-      </p:ext>
-    </p:extLst>
-  </p:cSld>
-  <p:clrMapOvr>
-    <a:masterClrMapping/>
-  </p:clrMapOvr>
-</p:sld>
-</file>
-
-<file path=ppt/slides/slide28.xml><?xml version="1.0" encoding="utf-8"?>
-<p:sld xmlns:a="http://schemas.openxmlformats.org/drawingml/2006/main" xmlns:r="http://schemas.openxmlformats.org/officeDocument/2006/relationships" xmlns:p="http://schemas.openxmlformats.org/presentationml/2006/main">
-  <p:cSld>
-    <p:bg>
-      <p:bgPr>
-        <a:solidFill>
-          <a:srgbClr val="42B983"/>
-        </a:solidFill>
-        <a:effectLst/>
-      </p:bgPr>
-    </p:bg>
-    <p:spTree>
-      <p:nvGrpSpPr>
-        <p:cNvPr id="1" name=""/>
-        <p:cNvGrpSpPr/>
-        <p:nvPr/>
-      </p:nvGrpSpPr>
-      <p:grpSpPr>
-        <a:xfrm>
-          <a:off x="0" y="0"/>
-          <a:ext cx="0" cy="0"/>
-          <a:chOff x="0" y="0"/>
-          <a:chExt cx="0" cy="0"/>
-        </a:xfrm>
-      </p:grpSpPr>
-      <p:sp>
-        <p:nvSpPr>
-          <p:cNvPr id="2" name="Title 1">
-            <a:extLst>
-              <a:ext uri="{FF2B5EF4-FFF2-40B4-BE49-F238E27FC236}">
-                <a16:creationId xmlns:a16="http://schemas.microsoft.com/office/drawing/2014/main" id="{92451528-9FC4-4930-855B-2E459095A6C5}"/>
-              </a:ext>
-            </a:extLst>
-          </p:cNvPr>
-          <p:cNvSpPr>
-            <a:spLocks noGrp="1"/>
-          </p:cNvSpPr>
-          <p:nvPr>
-            <p:ph type="title"/>
-          </p:nvPr>
-        </p:nvSpPr>
-        <p:spPr/>
-        <p:txBody>
-          <a:bodyPr/>
-          <a:lstStyle/>
-          <a:p>
-            <a:endParaRPr lang="en-US"/>
-          </a:p>
-        </p:txBody>
-      </p:sp>
-      <p:sp>
-        <p:nvSpPr>
-          <p:cNvPr id="3" name="Title 1">
-            <a:extLst>
-              <a:ext uri="{FF2B5EF4-FFF2-40B4-BE49-F238E27FC236}">
-                <a16:creationId xmlns:a16="http://schemas.microsoft.com/office/drawing/2014/main" id="{1123A6F8-C0D0-4550-AFDF-4E9B7EEF4A6D}"/>
-              </a:ext>
-            </a:extLst>
-          </p:cNvPr>
-          <p:cNvSpPr txBox="1">
-            <a:spLocks/>
-          </p:cNvSpPr>
-          <p:nvPr/>
-        </p:nvSpPr>
-        <p:spPr>
-          <a:xfrm>
-            <a:off x="990600" y="517525"/>
-            <a:ext cx="10515600" cy="1325563"/>
-          </a:xfrm>
-          <a:prstGeom prst="rect">
-            <a:avLst/>
-          </a:prstGeom>
-          <a:solidFill>
-            <a:schemeClr val="bg1"/>
-          </a:solidFill>
-        </p:spPr>
-        <p:txBody>
-          <a:bodyPr vert="horz" lIns="91440" tIns="45720" rIns="91440" bIns="45720" rtlCol="0" anchor="ctr">
-            <a:normAutofit/>
-          </a:bodyPr>
-          <a:lstStyle>
-            <a:lvl1pPr algn="l" defTabSz="914400" rtl="0" eaLnBrk="1" latinLnBrk="0" hangingPunct="1">
-              <a:lnSpc>
-                <a:spcPct val="90000"/>
-              </a:lnSpc>
-              <a:spcBef>
-                <a:spcPct val="0"/>
-              </a:spcBef>
-              <a:buNone/>
-              <a:defRPr sz="4400" kern="1200">
-                <a:solidFill>
-                  <a:schemeClr val="tx1"/>
-                </a:solidFill>
-                <a:latin typeface="+mj-lt"/>
-                <a:ea typeface="+mj-ea"/>
-                <a:cs typeface="+mj-cs"/>
-              </a:defRPr>
-            </a:lvl1pPr>
-          </a:lstStyle>
-          <a:p>
-            <a:pPr algn="ctr"/>
-            <a:r>
-              <a:rPr lang="en-US" dirty="0"/>
-              <a:t>Vue component system</a:t>
-            </a:r>
-          </a:p>
-        </p:txBody>
-      </p:sp>
-      <p:sp>
-        <p:nvSpPr>
-          <p:cNvPr id="4" name="TextBox 3">
-            <a:extLst>
-              <a:ext uri="{FF2B5EF4-FFF2-40B4-BE49-F238E27FC236}">
-                <a16:creationId xmlns:a16="http://schemas.microsoft.com/office/drawing/2014/main" id="{9D2EB246-4291-481B-AE5D-FB35D0002B44}"/>
-              </a:ext>
-            </a:extLst>
-          </p:cNvPr>
-          <p:cNvSpPr txBox="1"/>
-          <p:nvPr/>
-        </p:nvSpPr>
-        <p:spPr>
-          <a:xfrm>
-            <a:off x="4126785" y="2070636"/>
-            <a:ext cx="4222680" cy="646331"/>
-          </a:xfrm>
-          <a:prstGeom prst="rect">
-            <a:avLst/>
-          </a:prstGeom>
-          <a:noFill/>
-        </p:spPr>
-        <p:txBody>
-          <a:bodyPr wrap="square" rtlCol="0">
-            <a:spAutoFit/>
-          </a:bodyPr>
-          <a:lstStyle/>
-          <a:p>
-            <a:pPr algn="ctr"/>
-            <a:r>
-              <a:rPr lang="en-US" sz="3600" dirty="0">
-                <a:solidFill>
-                  <a:schemeClr val="bg1"/>
-                </a:solidFill>
-              </a:rPr>
-              <a:t>Vue component</a:t>
-            </a:r>
-          </a:p>
-        </p:txBody>
-      </p:sp>
-      <p:sp>
-        <p:nvSpPr>
-          <p:cNvPr id="5" name="TextBox 4">
-            <a:extLst>
-              <a:ext uri="{FF2B5EF4-FFF2-40B4-BE49-F238E27FC236}">
-                <a16:creationId xmlns:a16="http://schemas.microsoft.com/office/drawing/2014/main" id="{BF99DAED-1F4B-45A5-B17B-818A014F2FE3}"/>
-              </a:ext>
-            </a:extLst>
-          </p:cNvPr>
-          <p:cNvSpPr txBox="1"/>
-          <p:nvPr/>
-        </p:nvSpPr>
-        <p:spPr>
-          <a:xfrm>
-            <a:off x="3465815" y="2727241"/>
-            <a:ext cx="5544621" cy="646331"/>
-          </a:xfrm>
-          <a:prstGeom prst="rect">
-            <a:avLst/>
-          </a:prstGeom>
-          <a:noFill/>
-        </p:spPr>
-        <p:txBody>
-          <a:bodyPr wrap="square" rtlCol="0">
-            <a:spAutoFit/>
-          </a:bodyPr>
-          <a:lstStyle/>
-          <a:p>
-            <a:pPr algn="ctr"/>
-            <a:r>
-              <a:rPr lang="en-US" sz="3600" dirty="0">
-                <a:solidFill>
-                  <a:schemeClr val="bg1"/>
-                </a:solidFill>
-              </a:rPr>
-              <a:t>Component communication</a:t>
-            </a:r>
-          </a:p>
-        </p:txBody>
-      </p:sp>
-      <p:sp>
-        <p:nvSpPr>
-          <p:cNvPr id="6" name="TextBox 5">
-            <a:extLst>
-              <a:ext uri="{FF2B5EF4-FFF2-40B4-BE49-F238E27FC236}">
-                <a16:creationId xmlns:a16="http://schemas.microsoft.com/office/drawing/2014/main" id="{37E314A2-7E68-4A3F-81C1-22209C25B4DF}"/>
-              </a:ext>
-            </a:extLst>
-          </p:cNvPr>
-          <p:cNvSpPr txBox="1"/>
-          <p:nvPr/>
-        </p:nvSpPr>
-        <p:spPr>
-          <a:xfrm>
-            <a:off x="3791164" y="3429000"/>
-            <a:ext cx="4808305" cy="646331"/>
-          </a:xfrm>
-          <a:prstGeom prst="rect">
-            <a:avLst/>
-          </a:prstGeom>
-          <a:noFill/>
-        </p:spPr>
-        <p:txBody>
-          <a:bodyPr wrap="square" rtlCol="0">
-            <a:spAutoFit/>
-          </a:bodyPr>
-          <a:lstStyle/>
-          <a:p>
-            <a:pPr algn="ctr"/>
-            <a:r>
-              <a:rPr lang="en-US" sz="3600" dirty="0">
-                <a:solidFill>
-                  <a:schemeClr val="bg1"/>
-                </a:solidFill>
-              </a:rPr>
-              <a:t>Single File Component</a:t>
-            </a:r>
-          </a:p>
-        </p:txBody>
-      </p:sp>
-    </p:spTree>
-    <p:extLst>
-      <p:ext uri="{BB962C8B-B14F-4D97-AF65-F5344CB8AC3E}">
-        <p14:creationId xmlns:p14="http://schemas.microsoft.com/office/powerpoint/2010/main" val="2436708818"/>
-      </p:ext>
-    </p:extLst>
-  </p:cSld>
-  <p:clrMapOvr>
-    <a:masterClrMapping/>
-  </p:clrMapOvr>
-</p:sld>
-</file>
-
-<file path=ppt/slides/slide29.xml><?xml version="1.0" encoding="utf-8"?>
+<file path=ppt/slides/slide30.xml><?xml version="1.0" encoding="utf-8"?>
 <p:sld xmlns:a="http://schemas.openxmlformats.org/drawingml/2006/main" xmlns:r="http://schemas.openxmlformats.org/officeDocument/2006/relationships" xmlns:p="http://schemas.openxmlformats.org/presentationml/2006/main">
   <p:cSld>
     <p:spTree>
@@ -16339,124 +16846,17 @@
   <p:clrMapOvr>
     <a:masterClrMapping/>
   </p:clrMapOvr>
+  <p:timing>
+    <p:tnLst>
+      <p:par>
+        <p:cTn id="1" dur="indefinite" restart="never" nodeType="tmRoot"/>
+      </p:par>
+    </p:tnLst>
+  </p:timing>
 </p:sld>
 </file>
 
-<file path=ppt/slides/slide3.xml><?xml version="1.0" encoding="utf-8"?>
-<p:sld xmlns:a="http://schemas.openxmlformats.org/drawingml/2006/main" xmlns:r="http://schemas.openxmlformats.org/officeDocument/2006/relationships" xmlns:p="http://schemas.openxmlformats.org/presentationml/2006/main">
-  <p:cSld>
-    <p:bg>
-      <p:bgPr>
-        <a:solidFill>
-          <a:srgbClr val="42B983"/>
-        </a:solidFill>
-        <a:effectLst/>
-      </p:bgPr>
-    </p:bg>
-    <p:spTree>
-      <p:nvGrpSpPr>
-        <p:cNvPr id="1" name=""/>
-        <p:cNvGrpSpPr/>
-        <p:nvPr/>
-      </p:nvGrpSpPr>
-      <p:grpSpPr>
-        <a:xfrm>
-          <a:off x="0" y="0"/>
-          <a:ext cx="0" cy="0"/>
-          <a:chOff x="0" y="0"/>
-          <a:chExt cx="0" cy="0"/>
-        </a:xfrm>
-      </p:grpSpPr>
-      <p:sp>
-        <p:nvSpPr>
-          <p:cNvPr id="2" name="Title 1">
-            <a:extLst>
-              <a:ext uri="{FF2B5EF4-FFF2-40B4-BE49-F238E27FC236}">
-                <a16:creationId xmlns:a16="http://schemas.microsoft.com/office/drawing/2014/main" id="{60B16A15-E370-4C65-8FC2-F76729521FC8}"/>
-              </a:ext>
-            </a:extLst>
-          </p:cNvPr>
-          <p:cNvSpPr>
-            <a:spLocks noGrp="1"/>
-          </p:cNvSpPr>
-          <p:nvPr>
-            <p:ph type="title"/>
-          </p:nvPr>
-        </p:nvSpPr>
-        <p:spPr>
-          <a:xfrm>
-            <a:off x="869022" y="344577"/>
-            <a:ext cx="10515600" cy="1325563"/>
-          </a:xfrm>
-          <a:solidFill>
-            <a:schemeClr val="bg1"/>
-          </a:solidFill>
-        </p:spPr>
-        <p:txBody>
-          <a:bodyPr/>
-          <a:lstStyle/>
-          <a:p>
-            <a:pPr algn="ctr"/>
-            <a:r>
-              <a:rPr lang="en-US" dirty="0"/>
-              <a:t>What is SPA?</a:t>
-            </a:r>
-          </a:p>
-        </p:txBody>
-      </p:sp>
-      <p:sp>
-        <p:nvSpPr>
-          <p:cNvPr id="3" name="TextBox 2">
-            <a:extLst>
-              <a:ext uri="{FF2B5EF4-FFF2-40B4-BE49-F238E27FC236}">
-                <a16:creationId xmlns:a16="http://schemas.microsoft.com/office/drawing/2014/main" id="{9FAC3651-0E79-44FB-9553-5939B06BC0CD}"/>
-              </a:ext>
-            </a:extLst>
-          </p:cNvPr>
-          <p:cNvSpPr txBox="1"/>
-          <p:nvPr/>
-        </p:nvSpPr>
-        <p:spPr>
-          <a:xfrm>
-            <a:off x="4015482" y="2070636"/>
-            <a:ext cx="4222680" cy="646331"/>
-          </a:xfrm>
-          <a:prstGeom prst="rect">
-            <a:avLst/>
-          </a:prstGeom>
-          <a:noFill/>
-        </p:spPr>
-        <p:txBody>
-          <a:bodyPr wrap="square" rtlCol="0">
-            <a:spAutoFit/>
-          </a:bodyPr>
-          <a:lstStyle/>
-          <a:p>
-            <a:r>
-              <a:rPr lang="en-US" sz="3600" dirty="0">
-                <a:solidFill>
-                  <a:schemeClr val="bg1"/>
-                </a:solidFill>
-              </a:rPr>
-              <a:t>The revolution of SPA</a:t>
-            </a:r>
-          </a:p>
-        </p:txBody>
-      </p:sp>
-    </p:spTree>
-    <p:extLst>
-      <p:ext uri="{BB962C8B-B14F-4D97-AF65-F5344CB8AC3E}">
-        <p14:creationId xmlns:p14="http://schemas.microsoft.com/office/powerpoint/2010/main" val="2225120540"/>
-      </p:ext>
-    </p:extLst>
-  </p:cSld>
-  <p:clrMapOvr>
-    <a:masterClrMapping/>
-  </p:clrMapOvr>
-</p:sld>
-</file>
-
-<file path=ppt/slides/slide30.xml><?xml version="1.0" encoding="utf-8"?>
+<file path=ppt/slides/slide31.xml><?xml version="1.0" encoding="utf-8"?>
 <p:sld xmlns:a="http://schemas.openxmlformats.org/drawingml/2006/main" xmlns:r="http://schemas.openxmlformats.org/officeDocument/2006/relationships" xmlns:p="http://schemas.openxmlformats.org/presentationml/2006/main">
   <p:cSld>
     <p:spTree>
@@ -16779,13 +17179,34 @@
             <a:lstStyle/>
             <a:p>
               <a:r>
-                <a:rPr lang="en-US" sz="2400" dirty="0">
+                <a:rPr lang="en-US" sz="2400" dirty="0" smtClean="0">
                   <a:solidFill>
                     <a:srgbClr val="42B983"/>
                   </a:solidFill>
                 </a:rPr>
-                <a:t>Global</a:t>
+                <a:t>Global (</a:t>
               </a:r>
+              <a:r>
+                <a:rPr lang="en-US" sz="2400" dirty="0" smtClean="0">
+                  <a:solidFill>
+                    <a:srgbClr val="FF0000"/>
+                  </a:solidFill>
+                </a:rPr>
+                <a:t>fix</a:t>
+              </a:r>
+              <a:r>
+                <a:rPr lang="en-US" sz="2400" dirty="0" smtClean="0">
+                  <a:solidFill>
+                    <a:srgbClr val="42B983"/>
+                  </a:solidFill>
+                </a:rPr>
+                <a:t>)</a:t>
+              </a:r>
+              <a:endParaRPr lang="en-US" sz="2400" dirty="0">
+                <a:solidFill>
+                  <a:srgbClr val="42B983"/>
+                </a:solidFill>
+              </a:endParaRPr>
             </a:p>
           </p:txBody>
         </p:sp>
@@ -16892,6 +17313,7 @@
                   <a:solidFill>
                     <a:srgbClr val="42B983"/>
                   </a:solidFill>
+                  <a:latin typeface="+mn-lt"/>
                 </a:rPr>
                 <a:t>Usage</a:t>
               </a:r>
@@ -17021,10 +17443,17 @@
   <p:clrMapOvr>
     <a:masterClrMapping/>
   </p:clrMapOvr>
+  <p:timing>
+    <p:tnLst>
+      <p:par>
+        <p:cTn id="1" dur="indefinite" restart="never" nodeType="tmRoot"/>
+      </p:par>
+    </p:tnLst>
+  </p:timing>
 </p:sld>
 </file>
 
-<file path=ppt/slides/slide31.xml><?xml version="1.0" encoding="utf-8"?>
+<file path=ppt/slides/slide32.xml><?xml version="1.0" encoding="utf-8"?>
 <p:sld xmlns:a="http://schemas.openxmlformats.org/drawingml/2006/main" xmlns:r="http://schemas.openxmlformats.org/officeDocument/2006/relationships" xmlns:p="http://schemas.openxmlformats.org/presentationml/2006/main">
   <p:cSld>
     <p:spTree>
@@ -17371,10 +17800,17 @@
   <p:clrMapOvr>
     <a:masterClrMapping/>
   </p:clrMapOvr>
+  <p:timing>
+    <p:tnLst>
+      <p:par>
+        <p:cTn id="1" dur="indefinite" restart="never" nodeType="tmRoot"/>
+      </p:par>
+    </p:tnLst>
+  </p:timing>
 </p:sld>
 </file>
 
-<file path=ppt/slides/slide32.xml><?xml version="1.0" encoding="utf-8"?>
+<file path=ppt/slides/slide33.xml><?xml version="1.0" encoding="utf-8"?>
 <p:sld xmlns:a="http://schemas.openxmlformats.org/drawingml/2006/main" xmlns:r="http://schemas.openxmlformats.org/officeDocument/2006/relationships" xmlns:p="http://schemas.openxmlformats.org/presentationml/2006/main">
   <p:cSld>
     <p:spTree>
@@ -17623,7 +18059,7 @@
         </p:nvSpPr>
         <p:spPr>
           <a:xfrm>
-            <a:off x="1629205" y="-76259"/>
+            <a:off x="1261557" y="-47978"/>
             <a:ext cx="6126479" cy="504252"/>
           </a:xfrm>
         </p:spPr>
@@ -17656,7 +18092,7 @@
         </p:nvSpPr>
         <p:spPr>
           <a:xfrm>
-            <a:off x="7494271" y="1590646"/>
+            <a:off x="7220893" y="1590646"/>
             <a:ext cx="5535929" cy="370871"/>
           </a:xfrm>
           <a:prstGeom prst="rect">
@@ -17716,7 +18152,7 @@
         </p:blipFill>
         <p:spPr>
           <a:xfrm>
-            <a:off x="1822006" y="338040"/>
+            <a:off x="1331812" y="394602"/>
             <a:ext cx="5740878" cy="2043210"/>
           </a:xfrm>
           <a:prstGeom prst="rect">
@@ -17764,10 +18200,17 @@
   <p:clrMapOvr>
     <a:masterClrMapping/>
   </p:clrMapOvr>
+  <p:timing>
+    <p:tnLst>
+      <p:par>
+        <p:cTn id="1" dur="indefinite" restart="never" nodeType="tmRoot"/>
+      </p:par>
+    </p:tnLst>
+  </p:timing>
 </p:sld>
 </file>
 
-<file path=ppt/slides/slide33.xml><?xml version="1.0" encoding="utf-8"?>
+<file path=ppt/slides/slide34.xml><?xml version="1.0" encoding="utf-8"?>
 <p:sld xmlns:a="http://schemas.openxmlformats.org/drawingml/2006/main" xmlns:r="http://schemas.openxmlformats.org/officeDocument/2006/relationships" xmlns:p="http://schemas.openxmlformats.org/presentationml/2006/main">
   <p:cSld>
     <p:spTree>
@@ -18034,7 +18477,15 @@
           <a:p>
             <a:r>
               <a:rPr lang="en-US" sz="2800" dirty="0"/>
-              <a:t>1. Define child component event</a:t>
+              <a:t>1. Define child </a:t>
+            </a:r>
+            <a:r>
+              <a:rPr lang="en-US" sz="2800" dirty="0" smtClean="0"/>
+              <a:t>component’s </a:t>
+            </a:r>
+            <a:r>
+              <a:rPr lang="en-US" sz="2800" dirty="0"/>
+              <a:t>event</a:t>
             </a:r>
           </a:p>
         </p:txBody>
@@ -18161,7 +18612,7 @@
         <p:spPr>
           <a:xfrm>
             <a:off x="8041825" y="1321156"/>
-            <a:ext cx="1995435" cy="400110"/>
+            <a:ext cx="2412501" cy="461665"/>
           </a:xfrm>
           <a:prstGeom prst="rect">
             <a:avLst/>
@@ -18175,8 +18626,12 @@
           <a:lstStyle/>
           <a:p>
             <a:r>
-              <a:rPr lang="en-US" sz="2000" dirty="0"/>
-              <a:t>Child event name</a:t>
+              <a:rPr lang="en-US" sz="2400" dirty="0"/>
+              <a:t>Child </a:t>
+            </a:r>
+            <a:r>
+              <a:rPr lang="en-US" sz="2400" b="1" dirty="0"/>
+              <a:t>event name</a:t>
             </a:r>
           </a:p>
         </p:txBody>
@@ -18281,10 +18736,17 @@
   <p:clrMapOvr>
     <a:masterClrMapping/>
   </p:clrMapOvr>
+  <p:timing>
+    <p:tnLst>
+      <p:par>
+        <p:cTn id="1" dur="indefinite" restart="never" nodeType="tmRoot"/>
+      </p:par>
+    </p:tnLst>
+  </p:timing>
 </p:sld>
 </file>
 
-<file path=ppt/slides/slide34.xml><?xml version="1.0" encoding="utf-8"?>
+<file path=ppt/slides/slide35.xml><?xml version="1.0" encoding="utf-8"?>
 <p:sld xmlns:a="http://schemas.openxmlformats.org/drawingml/2006/main" xmlns:r="http://schemas.openxmlformats.org/officeDocument/2006/relationships" xmlns:p="http://schemas.openxmlformats.org/presentationml/2006/main">
   <p:cSld>
     <p:spTree>
@@ -18347,10 +18809,17 @@
   <p:clrMapOvr>
     <a:masterClrMapping/>
   </p:clrMapOvr>
+  <p:timing>
+    <p:tnLst>
+      <p:par>
+        <p:cTn id="1" dur="indefinite" restart="never" nodeType="tmRoot"/>
+      </p:par>
+    </p:tnLst>
+  </p:timing>
 </p:sld>
 </file>
 
-<file path=ppt/slides/slide35.xml><?xml version="1.0" encoding="utf-8"?>
+<file path=ppt/slides/slide36.xml><?xml version="1.0" encoding="utf-8"?>
 <p:sld xmlns:a="http://schemas.openxmlformats.org/drawingml/2006/main" xmlns:r="http://schemas.openxmlformats.org/officeDocument/2006/relationships" xmlns:p="http://schemas.openxmlformats.org/presentationml/2006/main">
   <p:cSld>
     <p:spTree>
@@ -18763,10 +19232,17 @@
   <p:clrMapOvr>
     <a:masterClrMapping/>
   </p:clrMapOvr>
+  <p:timing>
+    <p:tnLst>
+      <p:par>
+        <p:cTn id="1" dur="indefinite" restart="never" nodeType="tmRoot"/>
+      </p:par>
+    </p:tnLst>
+  </p:timing>
 </p:sld>
 </file>
 
-<file path=ppt/slides/slide36.xml><?xml version="1.0" encoding="utf-8"?>
+<file path=ppt/slides/slide37.xml><?xml version="1.0" encoding="utf-8"?>
 <p:sld xmlns:a="http://schemas.openxmlformats.org/drawingml/2006/main" xmlns:r="http://schemas.openxmlformats.org/officeDocument/2006/relationships" xmlns:p="http://schemas.openxmlformats.org/presentationml/2006/main">
   <p:cSld>
     <p:spTree>
@@ -18863,7 +19339,7 @@
         <p:spPr>
           <a:xfrm>
             <a:off x="6840234" y="626723"/>
-            <a:ext cx="5143500" cy="3913059"/>
+            <a:ext cx="5143500" cy="3970318"/>
           </a:xfrm>
           <a:prstGeom prst="rect">
             <a:avLst/>
@@ -18989,12 +19465,12 @@
               <a:buChar char="•"/>
             </a:pPr>
             <a:r>
-              <a:rPr lang="en-US" sz="2400" dirty="0" err="1"/>
-              <a:t>Corporated</a:t>
+              <a:rPr lang="en-US" sz="2400" dirty="0" smtClean="0"/>
+              <a:t>Corporate </a:t>
             </a:r>
             <a:r>
               <a:rPr lang="en-US" sz="2400" dirty="0"/>
-              <a:t> with </a:t>
+              <a:t>with </a:t>
             </a:r>
             <a:r>
               <a:rPr lang="en-US" sz="2400" dirty="0">
@@ -19047,10 +19523,17 @@
   <p:clrMapOvr>
     <a:masterClrMapping/>
   </p:clrMapOvr>
+  <p:timing>
+    <p:tnLst>
+      <p:par>
+        <p:cTn id="1" dur="indefinite" restart="never" nodeType="tmRoot"/>
+      </p:par>
+    </p:tnLst>
+  </p:timing>
 </p:sld>
 </file>
 
-<file path=ppt/slides/slide37.xml><?xml version="1.0" encoding="utf-8"?>
+<file path=ppt/slides/slide38.xml><?xml version="1.0" encoding="utf-8"?>
 <p:sld xmlns:a="http://schemas.openxmlformats.org/drawingml/2006/main" xmlns:r="http://schemas.openxmlformats.org/officeDocument/2006/relationships" xmlns:p="http://schemas.openxmlformats.org/presentationml/2006/main">
   <p:cSld>
     <p:bg>
@@ -19077,31 +19560,6 @@
       </p:grpSpPr>
       <p:sp>
         <p:nvSpPr>
-          <p:cNvPr id="2" name="Title 1">
-            <a:extLst>
-              <a:ext uri="{FF2B5EF4-FFF2-40B4-BE49-F238E27FC236}">
-                <a16:creationId xmlns:a16="http://schemas.microsoft.com/office/drawing/2014/main" id="{92451528-9FC4-4930-855B-2E459095A6C5}"/>
-              </a:ext>
-            </a:extLst>
-          </p:cNvPr>
-          <p:cNvSpPr>
-            <a:spLocks noGrp="1"/>
-          </p:cNvSpPr>
-          <p:nvPr>
-            <p:ph type="title"/>
-          </p:nvPr>
-        </p:nvSpPr>
-        <p:spPr/>
-        <p:txBody>
-          <a:bodyPr/>
-          <a:lstStyle/>
-          <a:p>
-            <a:endParaRPr lang="en-US"/>
-          </a:p>
-        </p:txBody>
-      </p:sp>
-      <p:sp>
-        <p:nvSpPr>
           <p:cNvPr id="3" name="Title 1">
             <a:extLst>
               <a:ext uri="{FF2B5EF4-FFF2-40B4-BE49-F238E27FC236}">
@@ -19188,13 +19646,34 @@
           <a:p>
             <a:pPr algn="ctr"/>
             <a:r>
+              <a:rPr lang="en-US" sz="3600" dirty="0" err="1">
+                <a:solidFill>
+                  <a:schemeClr val="bg1"/>
+                </a:solidFill>
+              </a:rPr>
+              <a:t>Vue</a:t>
+            </a:r>
+            <a:r>
               <a:rPr lang="en-US" sz="3600" dirty="0">
                 <a:solidFill>
                   <a:schemeClr val="bg1"/>
                 </a:solidFill>
               </a:rPr>
-              <a:t>Vue router</a:t>
-            </a:r>
+              <a:t> </a:t>
+            </a:r>
+            <a:r>
+              <a:rPr lang="en-US" sz="3600" dirty="0" smtClean="0">
+                <a:solidFill>
+                  <a:schemeClr val="bg1"/>
+                </a:solidFill>
+              </a:rPr>
+              <a:t>router setup</a:t>
+            </a:r>
+            <a:endParaRPr lang="en-US" sz="3600" dirty="0">
+              <a:solidFill>
+                <a:schemeClr val="bg1"/>
+              </a:solidFill>
+            </a:endParaRPr>
           </a:p>
         </p:txBody>
       </p:sp>
@@ -19349,265 +19828,13 @@
   <p:clrMapOvr>
     <a:masterClrMapping/>
   </p:clrMapOvr>
-</p:sld>
-</file>
-
-<file path=ppt/slides/slide38.xml><?xml version="1.0" encoding="utf-8"?>
-<p:sld xmlns:a="http://schemas.openxmlformats.org/drawingml/2006/main" xmlns:r="http://schemas.openxmlformats.org/officeDocument/2006/relationships" xmlns:p="http://schemas.openxmlformats.org/presentationml/2006/main">
-  <p:cSld>
-    <p:spTree>
-      <p:nvGrpSpPr>
-        <p:cNvPr id="1" name=""/>
-        <p:cNvGrpSpPr/>
-        <p:nvPr/>
-      </p:nvGrpSpPr>
-      <p:grpSpPr>
-        <a:xfrm>
-          <a:off x="0" y="0"/>
-          <a:ext cx="0" cy="0"/>
-          <a:chOff x="0" y="0"/>
-          <a:chExt cx="0" cy="0"/>
-        </a:xfrm>
-      </p:grpSpPr>
-      <p:sp>
-        <p:nvSpPr>
-          <p:cNvPr id="2" name="Title 1">
-            <a:extLst>
-              <a:ext uri="{FF2B5EF4-FFF2-40B4-BE49-F238E27FC236}">
-                <a16:creationId xmlns:a16="http://schemas.microsoft.com/office/drawing/2014/main" id="{AD72FA95-5EC5-49CF-A739-26133D0E67D1}"/>
-              </a:ext>
-            </a:extLst>
-          </p:cNvPr>
-          <p:cNvSpPr>
-            <a:spLocks noGrp="1"/>
-          </p:cNvSpPr>
-          <p:nvPr>
-            <p:ph type="title"/>
-          </p:nvPr>
-        </p:nvSpPr>
-        <p:spPr>
-          <a:xfrm>
-            <a:off x="0" y="0"/>
-            <a:ext cx="2244047" cy="857500"/>
-          </a:xfrm>
-        </p:spPr>
-        <p:txBody>
-          <a:bodyPr>
-            <a:normAutofit/>
-          </a:bodyPr>
-          <a:lstStyle/>
-          <a:p>
-            <a:r>
-              <a:rPr lang="en-US" sz="3200" dirty="0"/>
-              <a:t>Vue router</a:t>
-            </a:r>
-          </a:p>
-        </p:txBody>
-      </p:sp>
-      <p:pic>
-        <p:nvPicPr>
-          <p:cNvPr id="4" name="Picture 3">
-            <a:extLst>
-              <a:ext uri="{FF2B5EF4-FFF2-40B4-BE49-F238E27FC236}">
-                <a16:creationId xmlns:a16="http://schemas.microsoft.com/office/drawing/2014/main" id="{BF8167CB-1DDD-49B3-80A1-3ACE133B59E7}"/>
-              </a:ext>
-            </a:extLst>
-          </p:cNvPr>
-          <p:cNvPicPr>
-            <a:picLocks noChangeAspect="1"/>
-          </p:cNvPicPr>
-          <p:nvPr/>
-        </p:nvPicPr>
-        <p:blipFill>
-          <a:blip r:embed="rId2"/>
-          <a:stretch>
-            <a:fillRect/>
-          </a:stretch>
-        </p:blipFill>
-        <p:spPr>
-          <a:xfrm>
-            <a:off x="6437631" y="0"/>
-            <a:ext cx="5055727" cy="6858000"/>
-          </a:xfrm>
-          <a:prstGeom prst="rect">
-            <a:avLst/>
-          </a:prstGeom>
-        </p:spPr>
-      </p:pic>
-      <p:pic>
-        <p:nvPicPr>
-          <p:cNvPr id="5" name="Picture 4">
-            <a:extLst>
-              <a:ext uri="{FF2B5EF4-FFF2-40B4-BE49-F238E27FC236}">
-                <a16:creationId xmlns:a16="http://schemas.microsoft.com/office/drawing/2014/main" id="{704E90B9-E684-4DF3-9505-C40AE6FB8060}"/>
-              </a:ext>
-            </a:extLst>
-          </p:cNvPr>
-          <p:cNvPicPr>
-            <a:picLocks noChangeAspect="1"/>
-          </p:cNvPicPr>
-          <p:nvPr/>
-        </p:nvPicPr>
-        <p:blipFill>
-          <a:blip r:embed="rId3"/>
-          <a:stretch>
-            <a:fillRect/>
-          </a:stretch>
-        </p:blipFill>
-        <p:spPr>
-          <a:xfrm>
-            <a:off x="810461" y="730488"/>
-            <a:ext cx="4733925" cy="3095625"/>
-          </a:xfrm>
-          <a:prstGeom prst="rect">
-            <a:avLst/>
-          </a:prstGeom>
-        </p:spPr>
-      </p:pic>
-      <p:pic>
-        <p:nvPicPr>
-          <p:cNvPr id="6" name="Picture 5">
-            <a:extLst>
-              <a:ext uri="{FF2B5EF4-FFF2-40B4-BE49-F238E27FC236}">
-                <a16:creationId xmlns:a16="http://schemas.microsoft.com/office/drawing/2014/main" id="{78719A68-70F1-4E91-AC4D-706F3BAB4155}"/>
-              </a:ext>
-            </a:extLst>
-          </p:cNvPr>
-          <p:cNvPicPr>
-            <a:picLocks noChangeAspect="1"/>
-          </p:cNvPicPr>
-          <p:nvPr/>
-        </p:nvPicPr>
-        <p:blipFill>
-          <a:blip r:embed="rId4"/>
-          <a:stretch>
-            <a:fillRect/>
-          </a:stretch>
-        </p:blipFill>
-        <p:spPr>
-          <a:xfrm>
-            <a:off x="750855" y="4500473"/>
-            <a:ext cx="4676775" cy="2190750"/>
-          </a:xfrm>
-          <a:prstGeom prst="rect">
-            <a:avLst/>
-          </a:prstGeom>
-        </p:spPr>
-      </p:pic>
-      <p:sp>
-        <p:nvSpPr>
-          <p:cNvPr id="7" name="Arrow: Down 6">
-            <a:extLst>
-              <a:ext uri="{FF2B5EF4-FFF2-40B4-BE49-F238E27FC236}">
-                <a16:creationId xmlns:a16="http://schemas.microsoft.com/office/drawing/2014/main" id="{180CD2A9-FEC6-444F-BC44-2F72EDC24AE4}"/>
-              </a:ext>
-            </a:extLst>
-          </p:cNvPr>
-          <p:cNvSpPr/>
-          <p:nvPr/>
-        </p:nvSpPr>
-        <p:spPr>
-          <a:xfrm>
-            <a:off x="2873484" y="4004043"/>
-            <a:ext cx="287677" cy="331651"/>
-          </a:xfrm>
-          <a:prstGeom prst="downArrow">
-            <a:avLst/>
-          </a:prstGeom>
-          <a:solidFill>
-            <a:srgbClr val="42B983"/>
-          </a:solidFill>
-          <a:ln>
-            <a:noFill/>
-          </a:ln>
-        </p:spPr>
-        <p:style>
-          <a:lnRef idx="2">
-            <a:schemeClr val="accent1">
-              <a:shade val="50000"/>
-            </a:schemeClr>
-          </a:lnRef>
-          <a:fillRef idx="1">
-            <a:schemeClr val="accent1"/>
-          </a:fillRef>
-          <a:effectRef idx="0">
-            <a:schemeClr val="accent1"/>
-          </a:effectRef>
-          <a:fontRef idx="minor">
-            <a:schemeClr val="lt1"/>
-          </a:fontRef>
-        </p:style>
-        <p:txBody>
-          <a:bodyPr rtlCol="0" anchor="ctr"/>
-          <a:lstStyle/>
-          <a:p>
-            <a:pPr algn="ctr"/>
-            <a:endParaRPr lang="en-US"/>
-          </a:p>
-        </p:txBody>
-      </p:sp>
-      <p:sp>
-        <p:nvSpPr>
-          <p:cNvPr id="8" name="Arrow: Left 7">
-            <a:extLst>
-              <a:ext uri="{FF2B5EF4-FFF2-40B4-BE49-F238E27FC236}">
-                <a16:creationId xmlns:a16="http://schemas.microsoft.com/office/drawing/2014/main" id="{ACA55D71-0EBA-4C2F-BF66-B780BF756641}"/>
-              </a:ext>
-            </a:extLst>
-          </p:cNvPr>
-          <p:cNvSpPr/>
-          <p:nvPr/>
-        </p:nvSpPr>
-        <p:spPr>
-          <a:xfrm>
-            <a:off x="5795800" y="2357527"/>
-            <a:ext cx="368695" cy="324028"/>
-          </a:xfrm>
-          <a:prstGeom prst="leftArrow">
-            <a:avLst/>
-          </a:prstGeom>
-          <a:solidFill>
-            <a:srgbClr val="42B983"/>
-          </a:solidFill>
-          <a:ln>
-            <a:noFill/>
-          </a:ln>
-        </p:spPr>
-        <p:style>
-          <a:lnRef idx="2">
-            <a:schemeClr val="accent1">
-              <a:shade val="50000"/>
-            </a:schemeClr>
-          </a:lnRef>
-          <a:fillRef idx="1">
-            <a:schemeClr val="accent1"/>
-          </a:fillRef>
-          <a:effectRef idx="0">
-            <a:schemeClr val="accent1"/>
-          </a:effectRef>
-          <a:fontRef idx="minor">
-            <a:schemeClr val="lt1"/>
-          </a:fontRef>
-        </p:style>
-        <p:txBody>
-          <a:bodyPr rtlCol="0" anchor="ctr"/>
-          <a:lstStyle/>
-          <a:p>
-            <a:pPr algn="ctr"/>
-            <a:endParaRPr lang="en-US"/>
-          </a:p>
-        </p:txBody>
-      </p:sp>
-    </p:spTree>
-    <p:extLst>
-      <p:ext uri="{BB962C8B-B14F-4D97-AF65-F5344CB8AC3E}">
-        <p14:creationId xmlns:p14="http://schemas.microsoft.com/office/powerpoint/2010/main" val="1010592555"/>
-      </p:ext>
-    </p:extLst>
-  </p:cSld>
-  <p:clrMapOvr>
-    <a:masterClrMapping/>
-  </p:clrMapOvr>
+  <p:timing>
+    <p:tnLst>
+      <p:par>
+        <p:cTn id="1" dur="indefinite" restart="never" nodeType="tmRoot"/>
+      </p:par>
+    </p:tnLst>
+  </p:timing>
 </p:sld>
 </file>
 
@@ -19630,10 +19857,10 @@
       </p:grpSpPr>
       <p:sp>
         <p:nvSpPr>
-          <p:cNvPr id="3" name="Title 1">
-            <a:extLst>
-              <a:ext uri="{FF2B5EF4-FFF2-40B4-BE49-F238E27FC236}">
-                <a16:creationId xmlns:a16="http://schemas.microsoft.com/office/drawing/2014/main" id="{A0626DBD-6292-4802-994A-28FE4227E297}"/>
+          <p:cNvPr id="2" name="Title 1">
+            <a:extLst>
+              <a:ext uri="{FF2B5EF4-FFF2-40B4-BE49-F238E27FC236}">
+                <a16:creationId xmlns:a16="http://schemas.microsoft.com/office/drawing/2014/main" id="{AD72FA95-5EC5-49CF-A739-26133D0E67D1}"/>
               </a:ext>
             </a:extLst>
           </p:cNvPr>
@@ -19646,30 +19873,38 @@
         </p:nvSpPr>
         <p:spPr>
           <a:xfrm>
-            <a:off x="0" y="0"/>
-            <a:ext cx="1031697" cy="960241"/>
+            <a:off x="-1" y="-75417"/>
+            <a:ext cx="3063711" cy="914402"/>
           </a:xfrm>
         </p:spPr>
         <p:txBody>
           <a:bodyPr>
-            <a:normAutofit fontScale="90000"/>
+            <a:normAutofit/>
           </a:bodyPr>
           <a:lstStyle/>
           <a:p>
             <a:r>
-              <a:rPr lang="en-US" sz="3600" dirty="0" err="1"/>
-              <a:t>Vuex</a:t>
-            </a:r>
-            <a:endParaRPr lang="en-US" sz="3600" dirty="0"/>
+              <a:rPr lang="en-US" sz="3200" dirty="0" err="1"/>
+              <a:t>Vue</a:t>
+            </a:r>
+            <a:r>
+              <a:rPr lang="en-US" sz="3200" dirty="0"/>
+              <a:t> </a:t>
+            </a:r>
+            <a:r>
+              <a:rPr lang="en-US" sz="3200" dirty="0" smtClean="0"/>
+              <a:t>router setup</a:t>
+            </a:r>
+            <a:endParaRPr lang="en-US" sz="3200" dirty="0"/>
           </a:p>
         </p:txBody>
       </p:sp>
       <p:pic>
         <p:nvPicPr>
-          <p:cNvPr id="5" name="Picture 4">
-            <a:extLst>
-              <a:ext uri="{FF2B5EF4-FFF2-40B4-BE49-F238E27FC236}">
-                <a16:creationId xmlns:a16="http://schemas.microsoft.com/office/drawing/2014/main" id="{E17EF11B-194A-40E9-B318-F0718295C11E}"/>
+          <p:cNvPr id="4" name="Picture 3">
+            <a:extLst>
+              <a:ext uri="{FF2B5EF4-FFF2-40B4-BE49-F238E27FC236}">
+                <a16:creationId xmlns:a16="http://schemas.microsoft.com/office/drawing/2014/main" id="{BF8167CB-1DDD-49B3-80A1-3ACE133B59E7}"/>
               </a:ext>
             </a:extLst>
           </p:cNvPr>
@@ -19679,21 +19914,15 @@
           <p:nvPr/>
         </p:nvPicPr>
         <p:blipFill>
-          <a:blip r:embed="rId2">
-            <a:extLst>
-              <a:ext uri="{28A0092B-C50C-407E-A947-70E740481C1C}">
-                <a14:useLocalDpi xmlns:a14="http://schemas.microsoft.com/office/drawing/2010/main" val="0"/>
-              </a:ext>
-            </a:extLst>
-          </a:blip>
+          <a:blip r:embed="rId2"/>
           <a:stretch>
             <a:fillRect/>
           </a:stretch>
         </p:blipFill>
         <p:spPr>
           <a:xfrm>
-            <a:off x="0" y="1196547"/>
-            <a:ext cx="6279916" cy="4248756"/>
+            <a:off x="6437631" y="0"/>
+            <a:ext cx="5055727" cy="6858000"/>
           </a:xfrm>
           <a:prstGeom prst="rect">
             <a:avLst/>
@@ -19702,10 +19931,10 @@
       </p:pic>
       <p:pic>
         <p:nvPicPr>
-          <p:cNvPr id="7" name="Picture 6">
-            <a:extLst>
-              <a:ext uri="{FF2B5EF4-FFF2-40B4-BE49-F238E27FC236}">
-                <a16:creationId xmlns:a16="http://schemas.microsoft.com/office/drawing/2014/main" id="{87013DC6-3B9E-4342-8D25-0298FD390BAA}"/>
+          <p:cNvPr id="5" name="Picture 4">
+            <a:extLst>
+              <a:ext uri="{FF2B5EF4-FFF2-40B4-BE49-F238E27FC236}">
+                <a16:creationId xmlns:a16="http://schemas.microsoft.com/office/drawing/2014/main" id="{704E90B9-E684-4DF3-9505-C40AE6FB8060}"/>
               </a:ext>
             </a:extLst>
           </p:cNvPr>
@@ -19715,37 +19944,172 @@
           <p:nvPr/>
         </p:nvPicPr>
         <p:blipFill>
-          <a:blip r:embed="rId3">
-            <a:extLst>
-              <a:ext uri="{28A0092B-C50C-407E-A947-70E740481C1C}">
-                <a14:useLocalDpi xmlns:a14="http://schemas.microsoft.com/office/drawing/2010/main" val="0"/>
-              </a:ext>
-            </a:extLst>
-          </a:blip>
+          <a:blip r:embed="rId3"/>
           <a:stretch>
             <a:fillRect/>
           </a:stretch>
         </p:blipFill>
         <p:spPr>
           <a:xfrm>
-            <a:off x="5626813" y="0"/>
-            <a:ext cx="6565187" cy="6565187"/>
+            <a:off x="810461" y="730488"/>
+            <a:ext cx="4733925" cy="3095625"/>
           </a:xfrm>
           <a:prstGeom prst="rect">
             <a:avLst/>
           </a:prstGeom>
         </p:spPr>
       </p:pic>
+      <p:pic>
+        <p:nvPicPr>
+          <p:cNvPr id="6" name="Picture 5">
+            <a:extLst>
+              <a:ext uri="{FF2B5EF4-FFF2-40B4-BE49-F238E27FC236}">
+                <a16:creationId xmlns:a16="http://schemas.microsoft.com/office/drawing/2014/main" id="{78719A68-70F1-4E91-AC4D-706F3BAB4155}"/>
+              </a:ext>
+            </a:extLst>
+          </p:cNvPr>
+          <p:cNvPicPr>
+            <a:picLocks noChangeAspect="1"/>
+          </p:cNvPicPr>
+          <p:nvPr/>
+        </p:nvPicPr>
+        <p:blipFill>
+          <a:blip r:embed="rId4"/>
+          <a:stretch>
+            <a:fillRect/>
+          </a:stretch>
+        </p:blipFill>
+        <p:spPr>
+          <a:xfrm>
+            <a:off x="750855" y="4500473"/>
+            <a:ext cx="4676775" cy="2190750"/>
+          </a:xfrm>
+          <a:prstGeom prst="rect">
+            <a:avLst/>
+          </a:prstGeom>
+        </p:spPr>
+      </p:pic>
+      <p:sp>
+        <p:nvSpPr>
+          <p:cNvPr id="7" name="Arrow: Down 6">
+            <a:extLst>
+              <a:ext uri="{FF2B5EF4-FFF2-40B4-BE49-F238E27FC236}">
+                <a16:creationId xmlns:a16="http://schemas.microsoft.com/office/drawing/2014/main" id="{180CD2A9-FEC6-444F-BC44-2F72EDC24AE4}"/>
+              </a:ext>
+            </a:extLst>
+          </p:cNvPr>
+          <p:cNvSpPr/>
+          <p:nvPr/>
+        </p:nvSpPr>
+        <p:spPr>
+          <a:xfrm>
+            <a:off x="2873484" y="4004043"/>
+            <a:ext cx="287677" cy="331651"/>
+          </a:xfrm>
+          <a:prstGeom prst="downArrow">
+            <a:avLst/>
+          </a:prstGeom>
+          <a:solidFill>
+            <a:srgbClr val="42B983"/>
+          </a:solidFill>
+          <a:ln>
+            <a:noFill/>
+          </a:ln>
+        </p:spPr>
+        <p:style>
+          <a:lnRef idx="2">
+            <a:schemeClr val="accent1">
+              <a:shade val="50000"/>
+            </a:schemeClr>
+          </a:lnRef>
+          <a:fillRef idx="1">
+            <a:schemeClr val="accent1"/>
+          </a:fillRef>
+          <a:effectRef idx="0">
+            <a:schemeClr val="accent1"/>
+          </a:effectRef>
+          <a:fontRef idx="minor">
+            <a:schemeClr val="lt1"/>
+          </a:fontRef>
+        </p:style>
+        <p:txBody>
+          <a:bodyPr rtlCol="0" anchor="ctr"/>
+          <a:lstStyle/>
+          <a:p>
+            <a:pPr algn="ctr"/>
+            <a:endParaRPr lang="en-US"/>
+          </a:p>
+        </p:txBody>
+      </p:sp>
+      <p:sp>
+        <p:nvSpPr>
+          <p:cNvPr id="8" name="Arrow: Left 7">
+            <a:extLst>
+              <a:ext uri="{FF2B5EF4-FFF2-40B4-BE49-F238E27FC236}">
+                <a16:creationId xmlns:a16="http://schemas.microsoft.com/office/drawing/2014/main" id="{ACA55D71-0EBA-4C2F-BF66-B780BF756641}"/>
+              </a:ext>
+            </a:extLst>
+          </p:cNvPr>
+          <p:cNvSpPr/>
+          <p:nvPr/>
+        </p:nvSpPr>
+        <p:spPr>
+          <a:xfrm>
+            <a:off x="5795800" y="2357527"/>
+            <a:ext cx="368695" cy="324028"/>
+          </a:xfrm>
+          <a:prstGeom prst="leftArrow">
+            <a:avLst/>
+          </a:prstGeom>
+          <a:solidFill>
+            <a:srgbClr val="42B983"/>
+          </a:solidFill>
+          <a:ln>
+            <a:noFill/>
+          </a:ln>
+        </p:spPr>
+        <p:style>
+          <a:lnRef idx="2">
+            <a:schemeClr val="accent1">
+              <a:shade val="50000"/>
+            </a:schemeClr>
+          </a:lnRef>
+          <a:fillRef idx="1">
+            <a:schemeClr val="accent1"/>
+          </a:fillRef>
+          <a:effectRef idx="0">
+            <a:schemeClr val="accent1"/>
+          </a:effectRef>
+          <a:fontRef idx="minor">
+            <a:schemeClr val="lt1"/>
+          </a:fontRef>
+        </p:style>
+        <p:txBody>
+          <a:bodyPr rtlCol="0" anchor="ctr"/>
+          <a:lstStyle/>
+          <a:p>
+            <a:pPr algn="ctr"/>
+            <a:endParaRPr lang="en-US"/>
+          </a:p>
+        </p:txBody>
+      </p:sp>
     </p:spTree>
     <p:extLst>
       <p:ext uri="{BB962C8B-B14F-4D97-AF65-F5344CB8AC3E}">
-        <p14:creationId xmlns:p14="http://schemas.microsoft.com/office/powerpoint/2010/main" val="3221286016"/>
+        <p14:creationId xmlns:p14="http://schemas.microsoft.com/office/powerpoint/2010/main" val="1010592555"/>
       </p:ext>
     </p:extLst>
   </p:cSld>
   <p:clrMapOvr>
     <a:masterClrMapping/>
   </p:clrMapOvr>
+  <p:timing>
+    <p:tnLst>
+      <p:par>
+        <p:cTn id="1" dur="indefinite" restart="never" nodeType="tmRoot"/>
+      </p:par>
+    </p:tnLst>
+  </p:timing>
 </p:sld>
 </file>
 
@@ -19839,7 +20203,7 @@
             <p:nvPr/>
           </p:nvPicPr>
           <p:blipFill>
-            <a:blip r:embed="rId3">
+            <a:blip r:embed="rId3" cstate="hqprint">
               <a:extLst>
                 <a:ext uri="{28A0092B-C50C-407E-A947-70E740481C1C}">
                   <a14:useLocalDpi xmlns:a14="http://schemas.microsoft.com/office/drawing/2010/main" val="0"/>
@@ -19876,7 +20240,7 @@
             <p:nvPr/>
           </p:nvPicPr>
           <p:blipFill>
-            <a:blip r:embed="rId4">
+            <a:blip r:embed="rId4" cstate="hqprint">
               <a:extLst>
                 <a:ext uri="{28A0092B-C50C-407E-A947-70E740481C1C}">
                   <a14:useLocalDpi xmlns:a14="http://schemas.microsoft.com/office/drawing/2010/main" val="0"/>
@@ -19914,7 +20278,7 @@
           <p:nvPr/>
         </p:nvPicPr>
         <p:blipFill>
-          <a:blip r:embed="rId5">
+          <a:blip r:embed="rId5" cstate="hqprint">
             <a:extLst>
               <a:ext uri="{28A0092B-C50C-407E-A947-70E740481C1C}">
                 <a14:useLocalDpi xmlns:a14="http://schemas.microsoft.com/office/drawing/2010/main" val="0"/>
@@ -19951,7 +20315,7 @@
           <p:nvPr/>
         </p:nvPicPr>
         <p:blipFill>
-          <a:blip r:embed="rId6">
+          <a:blip r:embed="rId6" cstate="hqprint">
             <a:extLst>
               <a:ext uri="{28A0092B-C50C-407E-A947-70E740481C1C}">
                 <a14:useLocalDpi xmlns:a14="http://schemas.microsoft.com/office/drawing/2010/main" val="0"/>
@@ -20043,7 +20407,7 @@
             <p:nvPr/>
           </p:nvPicPr>
           <p:blipFill>
-            <a:blip r:embed="rId7">
+            <a:blip r:embed="rId7" cstate="hqprint">
               <a:extLst>
                 <a:ext uri="{28A0092B-C50C-407E-A947-70E740481C1C}">
                   <a14:useLocalDpi xmlns:a14="http://schemas.microsoft.com/office/drawing/2010/main" val="0"/>
@@ -20692,7 +21056,7 @@
             <p:nvPr/>
           </p:nvPicPr>
           <p:blipFill>
-            <a:blip r:embed="rId8">
+            <a:blip r:embed="rId8" cstate="hqprint">
               <a:extLst>
                 <a:ext uri="{28A0092B-C50C-407E-A947-70E740481C1C}">
                   <a14:useLocalDpi xmlns:a14="http://schemas.microsoft.com/office/drawing/2010/main" val="0"/>
@@ -21635,6 +21999,13 @@
   <p:clrMapOvr>
     <a:masterClrMapping/>
   </p:clrMapOvr>
+  <p:timing>
+    <p:tnLst>
+      <p:par>
+        <p:cTn id="1" dur="indefinite" restart="never" nodeType="tmRoot"/>
+      </p:par>
+    </p:tnLst>
+  </p:timing>
 </p:sld>
 </file>
 
@@ -21655,48 +22026,12 @@
           <a:chExt cx="0" cy="0"/>
         </a:xfrm>
       </p:grpSpPr>
-      <p:pic>
-        <p:nvPicPr>
-          <p:cNvPr id="4" name="Picture 3">
-            <a:extLst>
-              <a:ext uri="{FF2B5EF4-FFF2-40B4-BE49-F238E27FC236}">
-                <a16:creationId xmlns:a16="http://schemas.microsoft.com/office/drawing/2014/main" id="{39DA5B3D-5DAD-465D-8F4C-FF9BB27962F2}"/>
-              </a:ext>
-            </a:extLst>
-          </p:cNvPr>
-          <p:cNvPicPr>
-            <a:picLocks noChangeAspect="1"/>
-          </p:cNvPicPr>
-          <p:nvPr/>
-        </p:nvPicPr>
-        <p:blipFill>
-          <a:blip r:embed="rId2">
-            <a:extLst>
-              <a:ext uri="{28A0092B-C50C-407E-A947-70E740481C1C}">
-                <a14:useLocalDpi xmlns:a14="http://schemas.microsoft.com/office/drawing/2010/main" val="0"/>
-              </a:ext>
-            </a:extLst>
-          </a:blip>
-          <a:stretch>
-            <a:fillRect/>
-          </a:stretch>
-        </p:blipFill>
-        <p:spPr>
-          <a:xfrm>
-            <a:off x="2667000" y="71919"/>
-            <a:ext cx="6858000" cy="6858000"/>
-          </a:xfrm>
-          <a:prstGeom prst="rect">
-            <a:avLst/>
-          </a:prstGeom>
-        </p:spPr>
-      </p:pic>
       <p:sp>
         <p:nvSpPr>
-          <p:cNvPr id="5" name="Title 1">
-            <a:extLst>
-              <a:ext uri="{FF2B5EF4-FFF2-40B4-BE49-F238E27FC236}">
-                <a16:creationId xmlns:a16="http://schemas.microsoft.com/office/drawing/2014/main" id="{A3C7A354-EA91-404E-A374-8631283E3964}"/>
+          <p:cNvPr id="3" name="Title 1">
+            <a:extLst>
+              <a:ext uri="{FF2B5EF4-FFF2-40B4-BE49-F238E27FC236}">
+                <a16:creationId xmlns:a16="http://schemas.microsoft.com/office/drawing/2014/main" id="{A0626DBD-6292-4802-994A-28FE4227E297}"/>
               </a:ext>
             </a:extLst>
           </p:cNvPr>
@@ -21727,16 +22062,95 @@
           </a:p>
         </p:txBody>
       </p:sp>
+      <p:pic>
+        <p:nvPicPr>
+          <p:cNvPr id="5" name="Picture 4">
+            <a:extLst>
+              <a:ext uri="{FF2B5EF4-FFF2-40B4-BE49-F238E27FC236}">
+                <a16:creationId xmlns:a16="http://schemas.microsoft.com/office/drawing/2014/main" id="{E17EF11B-194A-40E9-B318-F0718295C11E}"/>
+              </a:ext>
+            </a:extLst>
+          </p:cNvPr>
+          <p:cNvPicPr>
+            <a:picLocks noChangeAspect="1"/>
+          </p:cNvPicPr>
+          <p:nvPr/>
+        </p:nvPicPr>
+        <p:blipFill>
+          <a:blip r:embed="rId2">
+            <a:extLst>
+              <a:ext uri="{28A0092B-C50C-407E-A947-70E740481C1C}">
+                <a14:useLocalDpi xmlns:a14="http://schemas.microsoft.com/office/drawing/2010/main" val="0"/>
+              </a:ext>
+            </a:extLst>
+          </a:blip>
+          <a:stretch>
+            <a:fillRect/>
+          </a:stretch>
+        </p:blipFill>
+        <p:spPr>
+          <a:xfrm>
+            <a:off x="0" y="1196547"/>
+            <a:ext cx="6279916" cy="4248756"/>
+          </a:xfrm>
+          <a:prstGeom prst="rect">
+            <a:avLst/>
+          </a:prstGeom>
+        </p:spPr>
+      </p:pic>
+      <p:pic>
+        <p:nvPicPr>
+          <p:cNvPr id="7" name="Picture 6">
+            <a:extLst>
+              <a:ext uri="{FF2B5EF4-FFF2-40B4-BE49-F238E27FC236}">
+                <a16:creationId xmlns:a16="http://schemas.microsoft.com/office/drawing/2014/main" id="{87013DC6-3B9E-4342-8D25-0298FD390BAA}"/>
+              </a:ext>
+            </a:extLst>
+          </p:cNvPr>
+          <p:cNvPicPr>
+            <a:picLocks noChangeAspect="1"/>
+          </p:cNvPicPr>
+          <p:nvPr/>
+        </p:nvPicPr>
+        <p:blipFill>
+          <a:blip r:embed="rId3">
+            <a:extLst>
+              <a:ext uri="{28A0092B-C50C-407E-A947-70E740481C1C}">
+                <a14:useLocalDpi xmlns:a14="http://schemas.microsoft.com/office/drawing/2010/main" val="0"/>
+              </a:ext>
+            </a:extLst>
+          </a:blip>
+          <a:stretch>
+            <a:fillRect/>
+          </a:stretch>
+        </p:blipFill>
+        <p:spPr>
+          <a:xfrm>
+            <a:off x="5626813" y="0"/>
+            <a:ext cx="6565187" cy="6565187"/>
+          </a:xfrm>
+          <a:prstGeom prst="rect">
+            <a:avLst/>
+          </a:prstGeom>
+        </p:spPr>
+      </p:pic>
     </p:spTree>
     <p:extLst>
       <p:ext uri="{BB962C8B-B14F-4D97-AF65-F5344CB8AC3E}">
-        <p14:creationId xmlns:p14="http://schemas.microsoft.com/office/powerpoint/2010/main" val="214367762"/>
+        <p14:creationId xmlns:p14="http://schemas.microsoft.com/office/powerpoint/2010/main" val="3221286016"/>
       </p:ext>
     </p:extLst>
   </p:cSld>
   <p:clrMapOvr>
     <a:masterClrMapping/>
   </p:clrMapOvr>
+  <p:timing>
+    <p:tnLst>
+      <p:par>
+        <p:cTn id="1" dur="indefinite" restart="never" nodeType="tmRoot"/>
+      </p:par>
+    </p:tnLst>
+  </p:timing>
 </p:sld>
 </file>
 
@@ -21757,12 +22171,48 @@
           <a:chExt cx="0" cy="0"/>
         </a:xfrm>
       </p:grpSpPr>
+      <p:pic>
+        <p:nvPicPr>
+          <p:cNvPr id="4" name="Picture 3">
+            <a:extLst>
+              <a:ext uri="{FF2B5EF4-FFF2-40B4-BE49-F238E27FC236}">
+                <a16:creationId xmlns:a16="http://schemas.microsoft.com/office/drawing/2014/main" id="{39DA5B3D-5DAD-465D-8F4C-FF9BB27962F2}"/>
+              </a:ext>
+            </a:extLst>
+          </p:cNvPr>
+          <p:cNvPicPr>
+            <a:picLocks noChangeAspect="1"/>
+          </p:cNvPicPr>
+          <p:nvPr/>
+        </p:nvPicPr>
+        <p:blipFill>
+          <a:blip r:embed="rId2">
+            <a:extLst>
+              <a:ext uri="{28A0092B-C50C-407E-A947-70E740481C1C}">
+                <a14:useLocalDpi xmlns:a14="http://schemas.microsoft.com/office/drawing/2010/main" val="0"/>
+              </a:ext>
+            </a:extLst>
+          </a:blip>
+          <a:stretch>
+            <a:fillRect/>
+          </a:stretch>
+        </p:blipFill>
+        <p:spPr>
+          <a:xfrm>
+            <a:off x="2667000" y="71919"/>
+            <a:ext cx="6858000" cy="6858000"/>
+          </a:xfrm>
+          <a:prstGeom prst="rect">
+            <a:avLst/>
+          </a:prstGeom>
+        </p:spPr>
+      </p:pic>
       <p:sp>
         <p:nvSpPr>
-          <p:cNvPr id="2" name="Title 1">
-            <a:extLst>
-              <a:ext uri="{FF2B5EF4-FFF2-40B4-BE49-F238E27FC236}">
-                <a16:creationId xmlns:a16="http://schemas.microsoft.com/office/drawing/2014/main" id="{652476CB-46AD-4C8E-95A0-40E16541068D}"/>
+          <p:cNvPr id="5" name="Title 1">
+            <a:extLst>
+              <a:ext uri="{FF2B5EF4-FFF2-40B4-BE49-F238E27FC236}">
+                <a16:creationId xmlns:a16="http://schemas.microsoft.com/office/drawing/2014/main" id="{A3C7A354-EA91-404E-A374-8631283E3964}"/>
               </a:ext>
             </a:extLst>
           </p:cNvPr>
@@ -21793,128 +22243,23 @@
           </a:p>
         </p:txBody>
       </p:sp>
-      <p:pic>
-        <p:nvPicPr>
-          <p:cNvPr id="3" name="Picture 2">
-            <a:extLst>
-              <a:ext uri="{FF2B5EF4-FFF2-40B4-BE49-F238E27FC236}">
-                <a16:creationId xmlns:a16="http://schemas.microsoft.com/office/drawing/2014/main" id="{BF2F3D71-20EA-4217-BAD4-73419080AF3F}"/>
-              </a:ext>
-            </a:extLst>
-          </p:cNvPr>
-          <p:cNvPicPr>
-            <a:picLocks noChangeAspect="1"/>
-          </p:cNvPicPr>
-          <p:nvPr/>
-        </p:nvPicPr>
-        <p:blipFill>
-          <a:blip r:embed="rId2"/>
-          <a:stretch>
-            <a:fillRect/>
-          </a:stretch>
-        </p:blipFill>
-        <p:spPr>
-          <a:xfrm>
-            <a:off x="6374953" y="623459"/>
-            <a:ext cx="5133975" cy="5076825"/>
-          </a:xfrm>
-          <a:prstGeom prst="rect">
-            <a:avLst/>
-          </a:prstGeom>
-        </p:spPr>
-      </p:pic>
-      <p:pic>
-        <p:nvPicPr>
-          <p:cNvPr id="4" name="Picture 3">
-            <a:extLst>
-              <a:ext uri="{FF2B5EF4-FFF2-40B4-BE49-F238E27FC236}">
-                <a16:creationId xmlns:a16="http://schemas.microsoft.com/office/drawing/2014/main" id="{FC2C16D8-ABE0-4ADF-A19F-A998BD923F6B}"/>
-              </a:ext>
-            </a:extLst>
-          </p:cNvPr>
-          <p:cNvPicPr>
-            <a:picLocks noChangeAspect="1"/>
-          </p:cNvPicPr>
-          <p:nvPr/>
-        </p:nvPicPr>
-        <p:blipFill>
-          <a:blip r:embed="rId3"/>
-          <a:stretch>
-            <a:fillRect/>
-          </a:stretch>
-        </p:blipFill>
-        <p:spPr>
-          <a:xfrm>
-            <a:off x="400157" y="826052"/>
-            <a:ext cx="5124450" cy="4219575"/>
-          </a:xfrm>
-          <a:prstGeom prst="rect">
-            <a:avLst/>
-          </a:prstGeom>
-        </p:spPr>
-      </p:pic>
-      <p:sp>
-        <p:nvSpPr>
-          <p:cNvPr id="6" name="Arrow: Left 5">
-            <a:extLst>
-              <a:ext uri="{FF2B5EF4-FFF2-40B4-BE49-F238E27FC236}">
-                <a16:creationId xmlns:a16="http://schemas.microsoft.com/office/drawing/2014/main" id="{406EF306-6FAE-4B51-B1E7-5FA9454C1B56}"/>
-              </a:ext>
-            </a:extLst>
-          </p:cNvPr>
-          <p:cNvSpPr/>
-          <p:nvPr/>
-        </p:nvSpPr>
-        <p:spPr>
-          <a:xfrm>
-            <a:off x="5795800" y="2357527"/>
-            <a:ext cx="368695" cy="324028"/>
-          </a:xfrm>
-          <a:prstGeom prst="leftArrow">
-            <a:avLst/>
-          </a:prstGeom>
-          <a:solidFill>
-            <a:srgbClr val="42B983"/>
-          </a:solidFill>
-          <a:ln>
-            <a:noFill/>
-          </a:ln>
-        </p:spPr>
-        <p:style>
-          <a:lnRef idx="2">
-            <a:schemeClr val="accent1">
-              <a:shade val="50000"/>
-            </a:schemeClr>
-          </a:lnRef>
-          <a:fillRef idx="1">
-            <a:schemeClr val="accent1"/>
-          </a:fillRef>
-          <a:effectRef idx="0">
-            <a:schemeClr val="accent1"/>
-          </a:effectRef>
-          <a:fontRef idx="minor">
-            <a:schemeClr val="lt1"/>
-          </a:fontRef>
-        </p:style>
-        <p:txBody>
-          <a:bodyPr rtlCol="0" anchor="ctr"/>
-          <a:lstStyle/>
-          <a:p>
-            <a:pPr algn="ctr"/>
-            <a:endParaRPr lang="en-US"/>
-          </a:p>
-        </p:txBody>
-      </p:sp>
     </p:spTree>
     <p:extLst>
       <p:ext uri="{BB962C8B-B14F-4D97-AF65-F5344CB8AC3E}">
-        <p14:creationId xmlns:p14="http://schemas.microsoft.com/office/powerpoint/2010/main" val="3323668216"/>
+        <p14:creationId xmlns:p14="http://schemas.microsoft.com/office/powerpoint/2010/main" val="214367762"/>
       </p:ext>
     </p:extLst>
   </p:cSld>
   <p:clrMapOvr>
     <a:masterClrMapping/>
   </p:clrMapOvr>
+  <p:timing>
+    <p:tnLst>
+      <p:par>
+        <p:cTn id="1" dur="indefinite" restart="never" nodeType="tmRoot"/>
+      </p:par>
+    </p:tnLst>
+  </p:timing>
 </p:sld>
 </file>
 
@@ -21940,7 +22285,7 @@
           <p:cNvPr id="2" name="Title 1">
             <a:extLst>
               <a:ext uri="{FF2B5EF4-FFF2-40B4-BE49-F238E27FC236}">
-                <a16:creationId xmlns:a16="http://schemas.microsoft.com/office/drawing/2014/main" id="{A2FAABD3-3738-4C13-B55B-BE78B25126C2}"/>
+                <a16:creationId xmlns:a16="http://schemas.microsoft.com/office/drawing/2014/main" id="{652476CB-46AD-4C8E-95A0-40E16541068D}"/>
               </a:ext>
             </a:extLst>
           </p:cNvPr>
@@ -21954,7 +22299,7 @@
         <p:spPr>
           <a:xfrm>
             <a:off x="0" y="0"/>
-            <a:ext cx="1746607" cy="949967"/>
+            <a:ext cx="2639505" cy="623459"/>
           </a:xfrm>
         </p:spPr>
         <p:txBody>
@@ -21964,209 +22309,23 @@
           <a:lstStyle/>
           <a:p>
             <a:r>
-              <a:rPr lang="en-US" sz="3200" dirty="0"/>
-              <a:t>Vue CLI</a:t>
-            </a:r>
-          </a:p>
-        </p:txBody>
-      </p:sp>
-      <p:sp>
-        <p:nvSpPr>
-          <p:cNvPr id="4" name="TextBox 3">
-            <a:extLst>
-              <a:ext uri="{FF2B5EF4-FFF2-40B4-BE49-F238E27FC236}">
-                <a16:creationId xmlns:a16="http://schemas.microsoft.com/office/drawing/2014/main" id="{5EE4C2BF-AE1E-4C06-916A-FBA16C3903E2}"/>
-              </a:ext>
-            </a:extLst>
-          </p:cNvPr>
-          <p:cNvSpPr txBox="1"/>
-          <p:nvPr/>
-        </p:nvSpPr>
-        <p:spPr>
-          <a:xfrm>
-            <a:off x="133564" y="3188260"/>
-            <a:ext cx="3842536" cy="2677656"/>
-          </a:xfrm>
-          <a:prstGeom prst="rect">
-            <a:avLst/>
-          </a:prstGeom>
-          <a:noFill/>
-        </p:spPr>
-        <p:txBody>
-          <a:bodyPr wrap="square" rtlCol="0">
-            <a:spAutoFit/>
-          </a:bodyPr>
-          <a:lstStyle/>
-          <a:p>
-            <a:pPr marL="457200" indent="-457200">
-              <a:buFont typeface="Arial" panose="020B0604020202020204" pitchFamily="34" charset="0"/>
-              <a:buChar char="•"/>
-            </a:pPr>
-            <a:r>
-              <a:rPr lang="en-US" sz="2800" dirty="0" err="1"/>
-              <a:t>vue</a:t>
-            </a:r>
-            <a:r>
-              <a:rPr lang="en-US" sz="2800" dirty="0"/>
-              <a:t> </a:t>
-            </a:r>
-            <a:r>
-              <a:rPr lang="en-US" sz="2800" b="1" dirty="0"/>
-              <a:t>create</a:t>
-            </a:r>
-            <a:r>
-              <a:rPr lang="en-US" sz="2800" dirty="0"/>
-              <a:t> &lt;</a:t>
-            </a:r>
-            <a:r>
-              <a:rPr lang="en-US" sz="2800" dirty="0" err="1"/>
-              <a:t>project_name</a:t>
-            </a:r>
-            <a:r>
-              <a:rPr lang="en-US" sz="2800" dirty="0"/>
-              <a:t>&gt;</a:t>
-            </a:r>
-          </a:p>
-          <a:p>
-            <a:pPr marL="457200" indent="-457200">
-              <a:buFont typeface="Arial" panose="020B0604020202020204" pitchFamily="34" charset="0"/>
-              <a:buChar char="•"/>
-            </a:pPr>
-            <a:r>
-              <a:rPr lang="en-US" sz="2800" dirty="0" err="1"/>
-              <a:t>vue</a:t>
-            </a:r>
-            <a:r>
-              <a:rPr lang="en-US" sz="2800" dirty="0"/>
-              <a:t> </a:t>
-            </a:r>
-            <a:r>
-              <a:rPr lang="en-US" sz="2800" b="1" dirty="0"/>
-              <a:t>serve</a:t>
-            </a:r>
-          </a:p>
-          <a:p>
-            <a:pPr marL="457200" indent="-457200">
-              <a:buFont typeface="Arial" panose="020B0604020202020204" pitchFamily="34" charset="0"/>
-              <a:buChar char="•"/>
-            </a:pPr>
-            <a:r>
-              <a:rPr lang="en-US" sz="2800" dirty="0" err="1"/>
-              <a:t>vue</a:t>
-            </a:r>
-            <a:r>
-              <a:rPr lang="en-US" sz="2800" dirty="0"/>
-              <a:t> </a:t>
-            </a:r>
-            <a:r>
-              <a:rPr lang="en-US" sz="2800" b="1" dirty="0"/>
-              <a:t>build</a:t>
-            </a:r>
-          </a:p>
-          <a:p>
-            <a:pPr marL="457200" indent="-457200">
-              <a:buFont typeface="Arial" panose="020B0604020202020204" pitchFamily="34" charset="0"/>
-              <a:buChar char="•"/>
-            </a:pPr>
-            <a:r>
-              <a:rPr lang="en-US" sz="2800" dirty="0" err="1"/>
-              <a:t>vue</a:t>
-            </a:r>
-            <a:r>
-              <a:rPr lang="en-US" sz="2800" dirty="0"/>
-              <a:t> </a:t>
-            </a:r>
-            <a:r>
-              <a:rPr lang="en-US" sz="2800" b="1" dirty="0"/>
-              <a:t>add</a:t>
-            </a:r>
-          </a:p>
-          <a:p>
-            <a:pPr marL="457200" indent="-457200">
-              <a:buFont typeface="Arial" panose="020B0604020202020204" pitchFamily="34" charset="0"/>
-              <a:buChar char="•"/>
-            </a:pPr>
-            <a:r>
-              <a:rPr lang="en-US" sz="2800" dirty="0" err="1"/>
-              <a:t>vue</a:t>
-            </a:r>
-            <a:r>
-              <a:rPr lang="en-US" sz="2800" dirty="0"/>
-              <a:t> </a:t>
-            </a:r>
-            <a:r>
-              <a:rPr lang="en-US" sz="2800" b="1" dirty="0" err="1"/>
-              <a:t>ui</a:t>
-            </a:r>
-            <a:endParaRPr lang="en-US" sz="2800" b="1" dirty="0"/>
-          </a:p>
-        </p:txBody>
-      </p:sp>
-      <p:sp>
-        <p:nvSpPr>
-          <p:cNvPr id="5" name="TextBox 4">
-            <a:extLst>
-              <a:ext uri="{FF2B5EF4-FFF2-40B4-BE49-F238E27FC236}">
-                <a16:creationId xmlns:a16="http://schemas.microsoft.com/office/drawing/2014/main" id="{AFB71C57-A0E5-46CE-B4BD-B9ED85D7906F}"/>
-              </a:ext>
-            </a:extLst>
-          </p:cNvPr>
-          <p:cNvSpPr txBox="1"/>
-          <p:nvPr/>
-        </p:nvSpPr>
-        <p:spPr>
-          <a:xfrm>
-            <a:off x="325900" y="949967"/>
-            <a:ext cx="3010328" cy="1384995"/>
-          </a:xfrm>
-          <a:prstGeom prst="rect">
-            <a:avLst/>
-          </a:prstGeom>
-          <a:noFill/>
-        </p:spPr>
-        <p:txBody>
-          <a:bodyPr wrap="square" rtlCol="0">
-            <a:spAutoFit/>
-          </a:bodyPr>
-          <a:lstStyle/>
-          <a:p>
-            <a:pPr marL="457200" indent="-457200">
-              <a:buFont typeface="Arial" panose="020B0604020202020204" pitchFamily="34" charset="0"/>
-              <a:buChar char="•"/>
-            </a:pPr>
-            <a:r>
-              <a:rPr lang="en-US" sz="2800" dirty="0"/>
-              <a:t>CLI</a:t>
-            </a:r>
-          </a:p>
-          <a:p>
-            <a:pPr marL="457200" indent="-457200">
-              <a:buFont typeface="Arial" panose="020B0604020202020204" pitchFamily="34" charset="0"/>
-              <a:buChar char="•"/>
-            </a:pPr>
-            <a:r>
-              <a:rPr lang="en-US" sz="2800" dirty="0"/>
-              <a:t>CLI Service</a:t>
-            </a:r>
-          </a:p>
-          <a:p>
-            <a:pPr marL="457200" indent="-457200">
-              <a:buFont typeface="Arial" panose="020B0604020202020204" pitchFamily="34" charset="0"/>
-              <a:buChar char="•"/>
-            </a:pPr>
-            <a:r>
-              <a:rPr lang="en-US" sz="2800" dirty="0"/>
-              <a:t>CLI plugins</a:t>
-            </a:r>
+              <a:rPr lang="en-US" sz="3200" dirty="0" err="1" smtClean="0"/>
+              <a:t>Vuex</a:t>
+            </a:r>
+            <a:r>
+              <a:rPr lang="en-US" sz="3200" dirty="0" smtClean="0"/>
+              <a:t> setup</a:t>
+            </a:r>
+            <a:endParaRPr lang="en-US" sz="3200" dirty="0"/>
           </a:p>
         </p:txBody>
       </p:sp>
       <p:pic>
         <p:nvPicPr>
-          <p:cNvPr id="6" name="Picture 5">
-            <a:extLst>
-              <a:ext uri="{FF2B5EF4-FFF2-40B4-BE49-F238E27FC236}">
-                <a16:creationId xmlns:a16="http://schemas.microsoft.com/office/drawing/2014/main" id="{A4151916-3CAC-4A77-A88D-5092BE78643B}"/>
+          <p:cNvPr id="3" name="Picture 2">
+            <a:extLst>
+              <a:ext uri="{FF2B5EF4-FFF2-40B4-BE49-F238E27FC236}">
+                <a16:creationId xmlns:a16="http://schemas.microsoft.com/office/drawing/2014/main" id="{BF2F3D71-20EA-4217-BAD4-73419080AF3F}"/>
               </a:ext>
             </a:extLst>
           </p:cNvPr>
@@ -22183,24 +22342,113 @@
         </p:blipFill>
         <p:spPr>
           <a:xfrm>
-            <a:off x="3716372" y="1117756"/>
-            <a:ext cx="8475628" cy="4317273"/>
+            <a:off x="6374953" y="623459"/>
+            <a:ext cx="5133975" cy="5076825"/>
           </a:xfrm>
           <a:prstGeom prst="rect">
             <a:avLst/>
           </a:prstGeom>
         </p:spPr>
       </p:pic>
+      <p:pic>
+        <p:nvPicPr>
+          <p:cNvPr id="4" name="Picture 3">
+            <a:extLst>
+              <a:ext uri="{FF2B5EF4-FFF2-40B4-BE49-F238E27FC236}">
+                <a16:creationId xmlns:a16="http://schemas.microsoft.com/office/drawing/2014/main" id="{FC2C16D8-ABE0-4ADF-A19F-A998BD923F6B}"/>
+              </a:ext>
+            </a:extLst>
+          </p:cNvPr>
+          <p:cNvPicPr>
+            <a:picLocks noChangeAspect="1"/>
+          </p:cNvPicPr>
+          <p:nvPr/>
+        </p:nvPicPr>
+        <p:blipFill>
+          <a:blip r:embed="rId3"/>
+          <a:stretch>
+            <a:fillRect/>
+          </a:stretch>
+        </p:blipFill>
+        <p:spPr>
+          <a:xfrm>
+            <a:off x="400157" y="826052"/>
+            <a:ext cx="5124450" cy="4219575"/>
+          </a:xfrm>
+          <a:prstGeom prst="rect">
+            <a:avLst/>
+          </a:prstGeom>
+        </p:spPr>
+      </p:pic>
+      <p:sp>
+        <p:nvSpPr>
+          <p:cNvPr id="6" name="Arrow: Left 5">
+            <a:extLst>
+              <a:ext uri="{FF2B5EF4-FFF2-40B4-BE49-F238E27FC236}">
+                <a16:creationId xmlns:a16="http://schemas.microsoft.com/office/drawing/2014/main" id="{406EF306-6FAE-4B51-B1E7-5FA9454C1B56}"/>
+              </a:ext>
+            </a:extLst>
+          </p:cNvPr>
+          <p:cNvSpPr/>
+          <p:nvPr/>
+        </p:nvSpPr>
+        <p:spPr>
+          <a:xfrm>
+            <a:off x="5795800" y="2357527"/>
+            <a:ext cx="368695" cy="324028"/>
+          </a:xfrm>
+          <a:prstGeom prst="leftArrow">
+            <a:avLst/>
+          </a:prstGeom>
+          <a:solidFill>
+            <a:srgbClr val="42B983"/>
+          </a:solidFill>
+          <a:ln>
+            <a:noFill/>
+          </a:ln>
+        </p:spPr>
+        <p:style>
+          <a:lnRef idx="2">
+            <a:schemeClr val="accent1">
+              <a:shade val="50000"/>
+            </a:schemeClr>
+          </a:lnRef>
+          <a:fillRef idx="1">
+            <a:schemeClr val="accent1"/>
+          </a:fillRef>
+          <a:effectRef idx="0">
+            <a:schemeClr val="accent1"/>
+          </a:effectRef>
+          <a:fontRef idx="minor">
+            <a:schemeClr val="lt1"/>
+          </a:fontRef>
+        </p:style>
+        <p:txBody>
+          <a:bodyPr rtlCol="0" anchor="ctr"/>
+          <a:lstStyle/>
+          <a:p>
+            <a:pPr algn="ctr"/>
+            <a:endParaRPr lang="en-US"/>
+          </a:p>
+        </p:txBody>
+      </p:sp>
     </p:spTree>
     <p:extLst>
       <p:ext uri="{BB962C8B-B14F-4D97-AF65-F5344CB8AC3E}">
-        <p14:creationId xmlns:p14="http://schemas.microsoft.com/office/powerpoint/2010/main" val="3253247933"/>
+        <p14:creationId xmlns:p14="http://schemas.microsoft.com/office/powerpoint/2010/main" val="3323668216"/>
       </p:ext>
     </p:extLst>
   </p:cSld>
   <p:clrMapOvr>
     <a:masterClrMapping/>
   </p:clrMapOvr>
+  <p:timing>
+    <p:tnLst>
+      <p:par>
+        <p:cTn id="1" dur="indefinite" restart="never" nodeType="tmRoot"/>
+      </p:par>
+    </p:tnLst>
+  </p:timing>
 </p:sld>
 </file>
 
@@ -22223,10 +22471,10 @@
       </p:grpSpPr>
       <p:sp>
         <p:nvSpPr>
-          <p:cNvPr id="4" name="Title 1">
-            <a:extLst>
-              <a:ext uri="{FF2B5EF4-FFF2-40B4-BE49-F238E27FC236}">
-                <a16:creationId xmlns:a16="http://schemas.microsoft.com/office/drawing/2014/main" id="{BBC52A9F-9BF4-410D-93CE-C9CC7A8DE8EE}"/>
+          <p:cNvPr id="2" name="Title 1">
+            <a:extLst>
+              <a:ext uri="{FF2B5EF4-FFF2-40B4-BE49-F238E27FC236}">
+                <a16:creationId xmlns:a16="http://schemas.microsoft.com/office/drawing/2014/main" id="{A2FAABD3-3738-4C13-B55B-BE78B25126C2}"/>
               </a:ext>
             </a:extLst>
           </p:cNvPr>
@@ -22240,31 +22488,151 @@
         <p:spPr>
           <a:xfrm>
             <a:off x="0" y="0"/>
-            <a:ext cx="7068620" cy="949967"/>
+            <a:ext cx="1746607" cy="949967"/>
           </a:xfrm>
         </p:spPr>
         <p:txBody>
           <a:bodyPr>
-            <a:normAutofit fontScale="90000"/>
+            <a:normAutofit/>
           </a:bodyPr>
           <a:lstStyle/>
           <a:p>
             <a:r>
-              <a:rPr lang="en-US" sz="3600" dirty="0" err="1"/>
+              <a:rPr lang="en-US" sz="3200" dirty="0"/>
+              <a:t>Vue CLI</a:t>
+            </a:r>
+          </a:p>
+        </p:txBody>
+      </p:sp>
+      <p:sp>
+        <p:nvSpPr>
+          <p:cNvPr id="4" name="TextBox 3">
+            <a:extLst>
+              <a:ext uri="{FF2B5EF4-FFF2-40B4-BE49-F238E27FC236}">
+                <a16:creationId xmlns:a16="http://schemas.microsoft.com/office/drawing/2014/main" id="{5EE4C2BF-AE1E-4C06-916A-FBA16C3903E2}"/>
+              </a:ext>
+            </a:extLst>
+          </p:cNvPr>
+          <p:cNvSpPr txBox="1"/>
+          <p:nvPr/>
+        </p:nvSpPr>
+        <p:spPr>
+          <a:xfrm>
+            <a:off x="133564" y="3188260"/>
+            <a:ext cx="3842536" cy="2677656"/>
+          </a:xfrm>
+          <a:prstGeom prst="rect">
+            <a:avLst/>
+          </a:prstGeom>
+          <a:noFill/>
+        </p:spPr>
+        <p:txBody>
+          <a:bodyPr wrap="square" rtlCol="0">
+            <a:spAutoFit/>
+          </a:bodyPr>
+          <a:lstStyle/>
+          <a:p>
+            <a:pPr marL="457200" indent="-457200">
+              <a:buFont typeface="Arial" panose="020B0604020202020204" pitchFamily="34" charset="0"/>
+              <a:buChar char="•"/>
+            </a:pPr>
+            <a:r>
+              <a:rPr lang="en-US" sz="2800" dirty="0" err="1"/>
               <a:t>vue</a:t>
             </a:r>
             <a:r>
-              <a:rPr lang="en-US" sz="3600" dirty="0"/>
-              <a:t>-loader and </a:t>
-            </a:r>
-            <a:r>
-              <a:rPr lang="en-US" sz="3600" dirty="0" err="1"/>
+              <a:rPr lang="en-US" sz="2800" dirty="0"/>
+              <a:t> </a:t>
+            </a:r>
+            <a:r>
+              <a:rPr lang="en-US" sz="2800" b="1" dirty="0"/>
+              <a:t>create</a:t>
+            </a:r>
+            <a:r>
+              <a:rPr lang="en-US" sz="2800" dirty="0"/>
+              <a:t> &lt;</a:t>
+            </a:r>
+            <a:r>
+              <a:rPr lang="en-US" sz="2800" dirty="0" err="1"/>
+              <a:t>project_name</a:t>
+            </a:r>
+            <a:r>
+              <a:rPr lang="en-US" sz="2800" dirty="0"/>
+              <a:t>&gt;</a:t>
+            </a:r>
+          </a:p>
+          <a:p>
+            <a:pPr marL="457200" indent="-457200">
+              <a:buFont typeface="Arial" panose="020B0604020202020204" pitchFamily="34" charset="0"/>
+              <a:buChar char="•"/>
+            </a:pPr>
+            <a:r>
+              <a:rPr lang="en-US" sz="2800" dirty="0" err="1"/>
               <a:t>vue</a:t>
             </a:r>
             <a:r>
-              <a:rPr lang="en-US" sz="3600" dirty="0"/>
-              <a:t>-template-compiler</a:t>
-            </a:r>
+              <a:rPr lang="en-US" sz="2800" dirty="0"/>
+              <a:t> </a:t>
+            </a:r>
+            <a:r>
+              <a:rPr lang="en-US" sz="2800" b="1" dirty="0"/>
+              <a:t>serve</a:t>
+            </a:r>
+          </a:p>
+          <a:p>
+            <a:pPr marL="457200" indent="-457200">
+              <a:buFont typeface="Arial" panose="020B0604020202020204" pitchFamily="34" charset="0"/>
+              <a:buChar char="•"/>
+            </a:pPr>
+            <a:r>
+              <a:rPr lang="en-US" sz="2800" dirty="0" err="1"/>
+              <a:t>vue</a:t>
+            </a:r>
+            <a:r>
+              <a:rPr lang="en-US" sz="2800" dirty="0"/>
+              <a:t> </a:t>
+            </a:r>
+            <a:r>
+              <a:rPr lang="en-US" sz="2800" b="1" dirty="0"/>
+              <a:t>build</a:t>
+            </a:r>
+          </a:p>
+          <a:p>
+            <a:pPr marL="457200" indent="-457200">
+              <a:buFont typeface="Arial" panose="020B0604020202020204" pitchFamily="34" charset="0"/>
+              <a:buChar char="•"/>
+            </a:pPr>
+            <a:r>
+              <a:rPr lang="en-US" sz="2800" dirty="0" err="1"/>
+              <a:t>vue</a:t>
+            </a:r>
+            <a:r>
+              <a:rPr lang="en-US" sz="2800" dirty="0"/>
+              <a:t> </a:t>
+            </a:r>
+            <a:r>
+              <a:rPr lang="en-US" sz="2800" b="1" dirty="0"/>
+              <a:t>add</a:t>
+            </a:r>
+          </a:p>
+          <a:p>
+            <a:pPr marL="457200" indent="-457200">
+              <a:buFont typeface="Arial" panose="020B0604020202020204" pitchFamily="34" charset="0"/>
+              <a:buChar char="•"/>
+            </a:pPr>
+            <a:r>
+              <a:rPr lang="en-US" sz="2800" dirty="0" err="1"/>
+              <a:t>vue</a:t>
+            </a:r>
+            <a:r>
+              <a:rPr lang="en-US" sz="2800" dirty="0"/>
+              <a:t> </a:t>
+            </a:r>
+            <a:r>
+              <a:rPr lang="en-US" sz="2800" b="1" dirty="0" err="1"/>
+              <a:t>ui</a:t>
+            </a:r>
+            <a:endParaRPr lang="en-US" sz="2800" b="1" dirty="0"/>
           </a:p>
         </p:txBody>
       </p:sp>
@@ -22273,7 +22641,7 @@
           <p:cNvPr id="5" name="TextBox 4">
             <a:extLst>
               <a:ext uri="{FF2B5EF4-FFF2-40B4-BE49-F238E27FC236}">
-                <a16:creationId xmlns:a16="http://schemas.microsoft.com/office/drawing/2014/main" id="{7E4E5BBE-033E-414A-BB30-258D9CFD80CB}"/>
+                <a16:creationId xmlns:a16="http://schemas.microsoft.com/office/drawing/2014/main" id="{AFB71C57-A0E5-46CE-B4BD-B9ED85D7906F}"/>
               </a:ext>
             </a:extLst>
           </p:cNvPr>
@@ -22282,8 +22650,8 @@
         </p:nvSpPr>
         <p:spPr>
           <a:xfrm>
-            <a:off x="631860" y="1165527"/>
-            <a:ext cx="15048513" cy="523220"/>
+            <a:off x="325900" y="949967"/>
+            <a:ext cx="3010328" cy="1384995"/>
           </a:xfrm>
           <a:prstGeom prst="rect">
             <a:avLst/>
@@ -22296,74 +22664,84 @@
           </a:bodyPr>
           <a:lstStyle/>
           <a:p>
-            <a:r>
-              <a:rPr lang="en-US" sz="2800" b="1" dirty="0" err="1"/>
-              <a:t>vue</a:t>
-            </a:r>
-            <a:r>
-              <a:rPr lang="en-US" sz="2800" b="1" dirty="0"/>
-              <a:t>-template-compiler</a:t>
-            </a:r>
+            <a:pPr marL="457200" indent="-457200">
+              <a:buFont typeface="Arial" panose="020B0604020202020204" pitchFamily="34" charset="0"/>
+              <a:buChar char="•"/>
+            </a:pPr>
             <a:r>
               <a:rPr lang="en-US" sz="2800" dirty="0"/>
-              <a:t>: Compiles Vue template into render functions</a:t>
+              <a:t>CLI</a:t>
+            </a:r>
+          </a:p>
+          <a:p>
+            <a:pPr marL="457200" indent="-457200">
+              <a:buFont typeface="Arial" panose="020B0604020202020204" pitchFamily="34" charset="0"/>
+              <a:buChar char="•"/>
+            </a:pPr>
+            <a:r>
+              <a:rPr lang="en-US" sz="2800" dirty="0"/>
+              <a:t>CLI Service</a:t>
+            </a:r>
+          </a:p>
+          <a:p>
+            <a:pPr marL="457200" indent="-457200">
+              <a:buFont typeface="Arial" panose="020B0604020202020204" pitchFamily="34" charset="0"/>
+              <a:buChar char="•"/>
+            </a:pPr>
+            <a:r>
+              <a:rPr lang="en-US" sz="2800" dirty="0"/>
+              <a:t>CLI plugins</a:t>
             </a:r>
           </a:p>
         </p:txBody>
       </p:sp>
-      <p:sp>
-        <p:nvSpPr>
-          <p:cNvPr id="6" name="TextBox 5">
-            <a:extLst>
-              <a:ext uri="{FF2B5EF4-FFF2-40B4-BE49-F238E27FC236}">
-                <a16:creationId xmlns:a16="http://schemas.microsoft.com/office/drawing/2014/main" id="{60CBC5B7-7B40-4DE1-8F54-BD30B5D3AEF7}"/>
-              </a:ext>
-            </a:extLst>
-          </p:cNvPr>
-          <p:cNvSpPr txBox="1"/>
-          <p:nvPr/>
-        </p:nvSpPr>
-        <p:spPr>
-          <a:xfrm>
-            <a:off x="631860" y="1904308"/>
-            <a:ext cx="9549830" cy="523220"/>
+      <p:pic>
+        <p:nvPicPr>
+          <p:cNvPr id="6" name="Picture 5">
+            <a:extLst>
+              <a:ext uri="{FF2B5EF4-FFF2-40B4-BE49-F238E27FC236}">
+                <a16:creationId xmlns:a16="http://schemas.microsoft.com/office/drawing/2014/main" id="{A4151916-3CAC-4A77-A88D-5092BE78643B}"/>
+              </a:ext>
+            </a:extLst>
+          </p:cNvPr>
+          <p:cNvPicPr>
+            <a:picLocks noChangeAspect="1"/>
+          </p:cNvPicPr>
+          <p:nvPr/>
+        </p:nvPicPr>
+        <p:blipFill>
+          <a:blip r:embed="rId2"/>
+          <a:stretch>
+            <a:fillRect/>
+          </a:stretch>
+        </p:blipFill>
+        <p:spPr>
+          <a:xfrm>
+            <a:off x="3716372" y="1117756"/>
+            <a:ext cx="8475628" cy="4317273"/>
           </a:xfrm>
           <a:prstGeom prst="rect">
             <a:avLst/>
           </a:prstGeom>
-          <a:noFill/>
-        </p:spPr>
-        <p:txBody>
-          <a:bodyPr wrap="square" rtlCol="0">
-            <a:spAutoFit/>
-          </a:bodyPr>
-          <a:lstStyle/>
-          <a:p>
-            <a:r>
-              <a:rPr lang="en-US" sz="2800" b="1" dirty="0" err="1"/>
-              <a:t>vue</a:t>
-            </a:r>
-            <a:r>
-              <a:rPr lang="en-US" sz="2800" b="1" dirty="0"/>
-              <a:t>-loader</a:t>
-            </a:r>
-            <a:r>
-              <a:rPr lang="en-US" sz="2800" dirty="0"/>
-              <a:t>: A webpack loader which helps user author SFC</a:t>
-            </a:r>
-          </a:p>
-        </p:txBody>
-      </p:sp>
+        </p:spPr>
+      </p:pic>
     </p:spTree>
     <p:extLst>
       <p:ext uri="{BB962C8B-B14F-4D97-AF65-F5344CB8AC3E}">
-        <p14:creationId xmlns:p14="http://schemas.microsoft.com/office/powerpoint/2010/main" val="2757867186"/>
+        <p14:creationId xmlns:p14="http://schemas.microsoft.com/office/powerpoint/2010/main" val="3253247933"/>
       </p:ext>
     </p:extLst>
   </p:cSld>
   <p:clrMapOvr>
     <a:masterClrMapping/>
   </p:clrMapOvr>
+  <p:timing>
+    <p:tnLst>
+      <p:par>
+        <p:cTn id="1" dur="indefinite" restart="never" nodeType="tmRoot"/>
+      </p:par>
+    </p:tnLst>
+  </p:timing>
 </p:sld>
 </file>
 
@@ -22386,6 +22764,216 @@
       </p:grpSpPr>
       <p:sp>
         <p:nvSpPr>
+          <p:cNvPr id="4" name="Title 1">
+            <a:extLst>
+              <a:ext uri="{FF2B5EF4-FFF2-40B4-BE49-F238E27FC236}">
+                <a16:creationId xmlns:a16="http://schemas.microsoft.com/office/drawing/2014/main" id="{BBC52A9F-9BF4-410D-93CE-C9CC7A8DE8EE}"/>
+              </a:ext>
+            </a:extLst>
+          </p:cNvPr>
+          <p:cNvSpPr>
+            <a:spLocks noGrp="1"/>
+          </p:cNvSpPr>
+          <p:nvPr>
+            <p:ph type="title"/>
+          </p:nvPr>
+        </p:nvSpPr>
+        <p:spPr>
+          <a:xfrm>
+            <a:off x="0" y="0"/>
+            <a:ext cx="7068620" cy="949967"/>
+          </a:xfrm>
+        </p:spPr>
+        <p:txBody>
+          <a:bodyPr>
+            <a:normAutofit fontScale="90000"/>
+          </a:bodyPr>
+          <a:lstStyle/>
+          <a:p>
+            <a:r>
+              <a:rPr lang="en-US" sz="3600" dirty="0" err="1"/>
+              <a:t>vue</a:t>
+            </a:r>
+            <a:r>
+              <a:rPr lang="en-US" sz="3600" dirty="0"/>
+              <a:t>-loader and </a:t>
+            </a:r>
+            <a:r>
+              <a:rPr lang="en-US" sz="3600" dirty="0" err="1"/>
+              <a:t>vue</a:t>
+            </a:r>
+            <a:r>
+              <a:rPr lang="en-US" sz="3600" dirty="0"/>
+              <a:t>-template-compiler</a:t>
+            </a:r>
+          </a:p>
+        </p:txBody>
+      </p:sp>
+      <p:sp>
+        <p:nvSpPr>
+          <p:cNvPr id="5" name="TextBox 4">
+            <a:extLst>
+              <a:ext uri="{FF2B5EF4-FFF2-40B4-BE49-F238E27FC236}">
+                <a16:creationId xmlns:a16="http://schemas.microsoft.com/office/drawing/2014/main" id="{7E4E5BBE-033E-414A-BB30-258D9CFD80CB}"/>
+              </a:ext>
+            </a:extLst>
+          </p:cNvPr>
+          <p:cNvSpPr txBox="1"/>
+          <p:nvPr/>
+        </p:nvSpPr>
+        <p:spPr>
+          <a:xfrm>
+            <a:off x="631860" y="1165527"/>
+            <a:ext cx="15048513" cy="523220"/>
+          </a:xfrm>
+          <a:prstGeom prst="rect">
+            <a:avLst/>
+          </a:prstGeom>
+          <a:noFill/>
+        </p:spPr>
+        <p:txBody>
+          <a:bodyPr wrap="square" rtlCol="0">
+            <a:spAutoFit/>
+          </a:bodyPr>
+          <a:lstStyle/>
+          <a:p>
+            <a:r>
+              <a:rPr lang="en-US" sz="2800" b="1" dirty="0" err="1"/>
+              <a:t>vue</a:t>
+            </a:r>
+            <a:r>
+              <a:rPr lang="en-US" sz="2800" b="1" dirty="0"/>
+              <a:t>-template-compiler</a:t>
+            </a:r>
+            <a:r>
+              <a:rPr lang="en-US" sz="2800" dirty="0"/>
+              <a:t>: Compiles </a:t>
+            </a:r>
+            <a:r>
+              <a:rPr lang="en-US" sz="2800" dirty="0">
+                <a:solidFill>
+                  <a:srgbClr val="42B983"/>
+                </a:solidFill>
+              </a:rPr>
+              <a:t>Vue template </a:t>
+            </a:r>
+            <a:r>
+              <a:rPr lang="en-US" sz="2800" dirty="0"/>
+              <a:t>into </a:t>
+            </a:r>
+            <a:r>
+              <a:rPr lang="en-US" sz="2800" dirty="0">
+                <a:solidFill>
+                  <a:srgbClr val="42B983"/>
+                </a:solidFill>
+              </a:rPr>
+              <a:t>render functions</a:t>
+            </a:r>
+          </a:p>
+        </p:txBody>
+      </p:sp>
+      <p:sp>
+        <p:nvSpPr>
+          <p:cNvPr id="6" name="TextBox 5">
+            <a:extLst>
+              <a:ext uri="{FF2B5EF4-FFF2-40B4-BE49-F238E27FC236}">
+                <a16:creationId xmlns:a16="http://schemas.microsoft.com/office/drawing/2014/main" id="{60CBC5B7-7B40-4DE1-8F54-BD30B5D3AEF7}"/>
+              </a:ext>
+            </a:extLst>
+          </p:cNvPr>
+          <p:cNvSpPr txBox="1"/>
+          <p:nvPr/>
+        </p:nvSpPr>
+        <p:spPr>
+          <a:xfrm>
+            <a:off x="631860" y="1904308"/>
+            <a:ext cx="9549830" cy="523220"/>
+          </a:xfrm>
+          <a:prstGeom prst="rect">
+            <a:avLst/>
+          </a:prstGeom>
+          <a:noFill/>
+        </p:spPr>
+        <p:txBody>
+          <a:bodyPr wrap="square" rtlCol="0">
+            <a:spAutoFit/>
+          </a:bodyPr>
+          <a:lstStyle/>
+          <a:p>
+            <a:r>
+              <a:rPr lang="en-US" sz="2800" b="1" dirty="0" err="1"/>
+              <a:t>vue</a:t>
+            </a:r>
+            <a:r>
+              <a:rPr lang="en-US" sz="2800" b="1" dirty="0"/>
+              <a:t>-loader</a:t>
+            </a:r>
+            <a:r>
+              <a:rPr lang="en-US" sz="2800" dirty="0"/>
+              <a:t>: A </a:t>
+            </a:r>
+            <a:r>
+              <a:rPr lang="en-US" sz="2800" dirty="0">
+                <a:solidFill>
+                  <a:srgbClr val="42B983"/>
+                </a:solidFill>
+              </a:rPr>
+              <a:t>webpack loader </a:t>
+            </a:r>
+            <a:r>
+              <a:rPr lang="en-US" sz="2800" dirty="0"/>
+              <a:t>which helps user author </a:t>
+            </a:r>
+            <a:r>
+              <a:rPr lang="en-US" sz="2800" dirty="0">
+                <a:solidFill>
+                  <a:srgbClr val="42B983"/>
+                </a:solidFill>
+              </a:rPr>
+              <a:t>SFC</a:t>
+            </a:r>
+          </a:p>
+        </p:txBody>
+      </p:sp>
+    </p:spTree>
+    <p:extLst>
+      <p:ext uri="{BB962C8B-B14F-4D97-AF65-F5344CB8AC3E}">
+        <p14:creationId xmlns:p14="http://schemas.microsoft.com/office/powerpoint/2010/main" val="2757867186"/>
+      </p:ext>
+    </p:extLst>
+  </p:cSld>
+  <p:clrMapOvr>
+    <a:masterClrMapping/>
+  </p:clrMapOvr>
+  <p:timing>
+    <p:tnLst>
+      <p:par>
+        <p:cTn id="1" dur="indefinite" restart="never" nodeType="tmRoot"/>
+      </p:par>
+    </p:tnLst>
+  </p:timing>
+</p:sld>
+</file>
+
+<file path=ppt/slides/slide45.xml><?xml version="1.0" encoding="utf-8"?>
+<p:sld xmlns:a="http://schemas.openxmlformats.org/drawingml/2006/main" xmlns:r="http://schemas.openxmlformats.org/officeDocument/2006/relationships" xmlns:p="http://schemas.openxmlformats.org/presentationml/2006/main">
+  <p:cSld>
+    <p:spTree>
+      <p:nvGrpSpPr>
+        <p:cNvPr id="1" name=""/>
+        <p:cNvGrpSpPr/>
+        <p:nvPr/>
+      </p:nvGrpSpPr>
+      <p:grpSpPr>
+        <a:xfrm>
+          <a:off x="0" y="0"/>
+          <a:ext cx="0" cy="0"/>
+          <a:chOff x="0" y="0"/>
+          <a:chExt cx="0" cy="0"/>
+        </a:xfrm>
+      </p:grpSpPr>
+      <p:sp>
+        <p:nvSpPr>
           <p:cNvPr id="2" name="Title 1">
             <a:extLst>
               <a:ext uri="{FF2B5EF4-FFF2-40B4-BE49-F238E27FC236}">
@@ -22855,7 +23443,7 @@
           <p:nvPr/>
         </p:nvPicPr>
         <p:blipFill>
-          <a:blip r:embed="rId3">
+          <a:blip r:embed="rId3" cstate="hqprint">
             <a:extLst>
               <a:ext uri="{28A0092B-C50C-407E-A947-70E740481C1C}">
                 <a14:useLocalDpi xmlns:a14="http://schemas.microsoft.com/office/drawing/2010/main" val="0"/>
@@ -22891,7 +23479,7 @@
           <p:nvPr/>
         </p:nvPicPr>
         <p:blipFill>
-          <a:blip r:embed="rId4">
+          <a:blip r:embed="rId4" cstate="hqprint">
             <a:extLst>
               <a:ext uri="{28A0092B-C50C-407E-A947-70E740481C1C}">
                 <a14:useLocalDpi xmlns:a14="http://schemas.microsoft.com/office/drawing/2010/main" val="0"/>
@@ -22998,10 +23586,17 @@
   <p:clrMapOvr>
     <a:masterClrMapping/>
   </p:clrMapOvr>
+  <p:timing>
+    <p:tnLst>
+      <p:par>
+        <p:cTn id="1" dur="indefinite" restart="never" nodeType="tmRoot"/>
+      </p:par>
+    </p:tnLst>
+  </p:timing>
 </p:sld>
 </file>
 
-<file path=ppt/slides/slide45.xml><?xml version="1.0" encoding="utf-8"?>
+<file path=ppt/slides/slide46.xml><?xml version="1.0" encoding="utf-8"?>
 <p:sld xmlns:a="http://schemas.openxmlformats.org/drawingml/2006/main" xmlns:r="http://schemas.openxmlformats.org/officeDocument/2006/relationships" xmlns:p="http://schemas.openxmlformats.org/presentationml/2006/main">
   <p:cSld>
     <p:bg>
@@ -23119,10 +23714,17 @@
   <p:clrMapOvr>
     <a:masterClrMapping/>
   </p:clrMapOvr>
+  <p:timing>
+    <p:tnLst>
+      <p:par>
+        <p:cTn id="1" dur="indefinite" restart="never" nodeType="tmRoot"/>
+      </p:par>
+    </p:tnLst>
+  </p:timing>
 </p:sld>
 </file>
 
-<file path=ppt/slides/slide46.xml><?xml version="1.0" encoding="utf-8"?>
+<file path=ppt/slides/slide47.xml><?xml version="1.0" encoding="utf-8"?>
 <p:sld xmlns:a="http://schemas.openxmlformats.org/drawingml/2006/main" xmlns:r="http://schemas.openxmlformats.org/officeDocument/2006/relationships" xmlns:p="http://schemas.openxmlformats.org/presentationml/2006/main">
   <p:cSld>
     <p:spTree>
@@ -23218,10 +23820,17 @@
   <p:clrMapOvr>
     <a:masterClrMapping/>
   </p:clrMapOvr>
+  <p:timing>
+    <p:tnLst>
+      <p:par>
+        <p:cTn id="1" dur="indefinite" restart="never" nodeType="tmRoot"/>
+      </p:par>
+    </p:tnLst>
+  </p:timing>
 </p:sld>
 </file>
 
-<file path=ppt/slides/slide47.xml><?xml version="1.0" encoding="utf-8"?>
+<file path=ppt/slides/slide48.xml><?xml version="1.0" encoding="utf-8"?>
 <p:sld xmlns:a="http://schemas.openxmlformats.org/drawingml/2006/main" xmlns:r="http://schemas.openxmlformats.org/officeDocument/2006/relationships" xmlns:p="http://schemas.openxmlformats.org/presentationml/2006/main">
   <p:cSld>
     <p:bg>
@@ -23339,10 +23948,17 @@
   <p:clrMapOvr>
     <a:masterClrMapping/>
   </p:clrMapOvr>
+  <p:timing>
+    <p:tnLst>
+      <p:par>
+        <p:cTn id="1" dur="indefinite" restart="never" nodeType="tmRoot"/>
+      </p:par>
+    </p:tnLst>
+  </p:timing>
 </p:sld>
 </file>
 
-<file path=ppt/slides/slide48.xml><?xml version="1.0" encoding="utf-8"?>
+<file path=ppt/slides/slide49.xml><?xml version="1.0" encoding="utf-8"?>
 <p:sld xmlns:a="http://schemas.openxmlformats.org/drawingml/2006/main" xmlns:r="http://schemas.openxmlformats.org/officeDocument/2006/relationships" xmlns:p="http://schemas.openxmlformats.org/presentationml/2006/main">
   <p:cSld>
     <p:spTree>
@@ -23409,7 +24025,7 @@
           <p:nvPr>
             <p:extLst>
               <p:ext uri="{D42A27DB-BD31-4B8C-83A1-F6EECF244321}">
-                <p14:modId xmlns:p14="http://schemas.microsoft.com/office/powerpoint/2010/main" val="2773566283"/>
+                <p14:modId xmlns:p14="http://schemas.microsoft.com/office/powerpoint/2010/main" val="263213895"/>
               </p:ext>
             </p:extLst>
           </p:nvPr>
@@ -23422,7 +24038,7 @@
           <a:graphicData uri="http://schemas.openxmlformats.org/drawingml/2006/table">
             <a:tbl>
               <a:tblPr firstRow="1" bandRow="1">
-                <a:tableStyleId>{5C22544A-7EE6-4342-B048-85BDC9FD1C3A}</a:tableStyleId>
+                <a:tableStyleId>{10A1B5D5-9B99-4C35-A422-299274C87663}</a:tableStyleId>
               </a:tblPr>
               <a:tblGrid>
                 <a:gridCol w="3914454">
@@ -23511,15 +24127,7 @@
                     <a:p>
                       <a:r>
                         <a:rPr lang="en-US" sz="2400" dirty="0"/>
-                        <a:t>Be </a:t>
-                      </a:r>
-                      <a:r>
-                        <a:rPr lang="en-US" sz="2400" b="1" dirty="0"/>
-                        <a:t>specific</a:t>
-                      </a:r>
-                      <a:r>
-                        <a:rPr lang="en-US" sz="2400" dirty="0"/>
-                        <a:t> on component</a:t>
+                        <a:t>Be specific on component</a:t>
                       </a:r>
                     </a:p>
                   </a:txBody>
@@ -23535,17 +24143,14 @@
                         <a:t>Use </a:t>
                       </a:r>
                       <a:r>
-                        <a:rPr lang="en-US" sz="2400" b="0" dirty="0" err="1"/>
+                        <a:rPr lang="en-US" sz="2400" dirty="0" err="1"/>
                         <a:t>PureComponent</a:t>
                       </a:r>
                       <a:r>
                         <a:rPr lang="en-US" sz="2400" dirty="0"/>
-                        <a:t> to prevent </a:t>
+                        <a:t> to prevent re-render entire subtree components</a:t>
                       </a:r>
-                      <a:r>
-                        <a:rPr lang="en-US" sz="2400" b="1" dirty="0"/>
-                        <a:t>re-render entire subtree components</a:t>
-                      </a:r>
+                      <a:endParaRPr lang="en-US" sz="2400" b="1" dirty="0"/>
                     </a:p>
                   </a:txBody>
                   <a:tcPr/>
@@ -23577,14 +24182,10 @@
                     <a:p>
                       <a:r>
                         <a:rPr lang="en-US" sz="2400" dirty="0"/>
-                        <a:t>Easier for </a:t>
+                        <a:t>Easier for HTML-</a:t>
                       </a:r>
                       <a:r>
-                        <a:rPr lang="en-US" sz="2400" b="1" dirty="0"/>
-                        <a:t>HTML-</a:t>
-                      </a:r>
-                      <a:r>
-                        <a:rPr lang="en-US" sz="2400" b="1" dirty="0" err="1"/>
+                        <a:rPr lang="en-US" sz="2400" dirty="0" err="1"/>
                         <a:t>er</a:t>
                       </a:r>
                       <a:endParaRPr lang="en-US" sz="2400" b="1" dirty="0"/>
@@ -23602,7 +24203,7 @@
                         <a:t>Easier for </a:t>
                       </a:r>
                       <a:r>
-                        <a:rPr lang="en-US" sz="2400" b="1" dirty="0" err="1"/>
+                        <a:rPr lang="en-US" sz="2400" dirty="0" err="1"/>
                         <a:t>Javascript-er</a:t>
                       </a:r>
                       <a:endParaRPr lang="en-US" sz="2400" b="1" dirty="0"/>
@@ -23640,28 +24241,20 @@
                         <a:t>Companion libraries like </a:t>
                       </a:r>
                       <a:r>
-                        <a:rPr lang="en-US" sz="2400" b="1" dirty="0" err="1"/>
+                        <a:rPr lang="en-US" sz="2400" dirty="0" err="1"/>
                         <a:t>vue</a:t>
                       </a:r>
                       <a:r>
-                        <a:rPr lang="en-US" sz="2400" b="1" dirty="0"/>
+                        <a:rPr lang="en-US" sz="2400" dirty="0"/>
                         <a:t>-router, </a:t>
                       </a:r>
                       <a:r>
-                        <a:rPr lang="en-US" sz="2400" b="1" dirty="0" err="1"/>
+                        <a:rPr lang="en-US" sz="2400" dirty="0" err="1"/>
                         <a:t>vuex</a:t>
                       </a:r>
                       <a:r>
                         <a:rPr lang="en-US" sz="2400" dirty="0"/>
-                        <a:t> are </a:t>
-                      </a:r>
-                      <a:r>
-                        <a:rPr lang="en-US" sz="2400" b="1" dirty="0"/>
-                        <a:t>officially supported</a:t>
-                      </a:r>
-                      <a:r>
-                        <a:rPr lang="en-US" sz="2400" dirty="0"/>
-                        <a:t> by core team</a:t>
+                        <a:t> are officially supported by core team</a:t>
                       </a:r>
                     </a:p>
                   </a:txBody>
@@ -23674,12 +24267,9 @@
                     <a:p>
                       <a:r>
                         <a:rPr lang="en-US" sz="2400" dirty="0"/>
-                        <a:t>React leaves these concern </a:t>
+                        <a:t>React leaves these concern for community</a:t>
                       </a:r>
-                      <a:r>
-                        <a:rPr lang="en-US" sz="2400" b="1" dirty="0"/>
-                        <a:t>for community</a:t>
-                      </a:r>
+                      <a:endParaRPr lang="en-US" sz="2400" b="1" dirty="0"/>
                     </a:p>
                   </a:txBody>
                   <a:tcPr/>
@@ -23711,12 +24301,9 @@
                     <a:p>
                       <a:r>
                         <a:rPr lang="en-US" sz="2400" dirty="0"/>
-                        <a:t>Easier for </a:t>
+                        <a:t>Easier for traditional web developer</a:t>
                       </a:r>
-                      <a:r>
-                        <a:rPr lang="en-US" sz="2400" b="1" dirty="0"/>
-                        <a:t>traditional web developer</a:t>
-                      </a:r>
+                      <a:endParaRPr lang="en-US" sz="2400" b="1" dirty="0"/>
                     </a:p>
                   </a:txBody>
                   <a:tcPr/>
@@ -23728,12 +24315,9 @@
                     <a:p>
                       <a:r>
                         <a:rPr lang="en-US" sz="2400" dirty="0"/>
-                        <a:t>Need to learn </a:t>
+                        <a:t>Need to learn JSX and build systems</a:t>
                       </a:r>
-                      <a:r>
-                        <a:rPr lang="en-US" sz="2400" b="1" dirty="0"/>
-                        <a:t>JSX and build systems</a:t>
-                      </a:r>
+                      <a:endParaRPr lang="en-US" sz="2400" b="1" dirty="0"/>
                     </a:p>
                   </a:txBody>
                   <a:tcPr/>
@@ -23758,10 +24342,827 @@
   <p:clrMapOvr>
     <a:masterClrMapping/>
   </p:clrMapOvr>
+  <p:timing>
+    <p:tnLst>
+      <p:par>
+        <p:cTn id="1" dur="indefinite" restart="never" nodeType="tmRoot"/>
+      </p:par>
+    </p:tnLst>
+  </p:timing>
 </p:sld>
 </file>
 
-<file path=ppt/slides/slide49.xml><?xml version="1.0" encoding="utf-8"?>
+<file path=ppt/slides/slide5.xml><?xml version="1.0" encoding="utf-8"?>
+<p:sld xmlns:a="http://schemas.openxmlformats.org/drawingml/2006/main" xmlns:r="http://schemas.openxmlformats.org/officeDocument/2006/relationships" xmlns:p="http://schemas.openxmlformats.org/presentationml/2006/main">
+  <p:cSld>
+    <p:spTree>
+      <p:nvGrpSpPr>
+        <p:cNvPr id="1" name=""/>
+        <p:cNvGrpSpPr/>
+        <p:nvPr/>
+      </p:nvGrpSpPr>
+      <p:grpSpPr>
+        <a:xfrm>
+          <a:off x="0" y="0"/>
+          <a:ext cx="0" cy="0"/>
+          <a:chOff x="0" y="0"/>
+          <a:chExt cx="0" cy="0"/>
+        </a:xfrm>
+      </p:grpSpPr>
+      <p:sp>
+        <p:nvSpPr>
+          <p:cNvPr id="2" name="Title 1">
+            <a:extLst>
+              <a:ext uri="{FF2B5EF4-FFF2-40B4-BE49-F238E27FC236}">
+                <a16:creationId xmlns:a16="http://schemas.microsoft.com/office/drawing/2014/main" id="{33DD12F6-7D58-47EE-831A-A6E2F69814CF}"/>
+              </a:ext>
+            </a:extLst>
+          </p:cNvPr>
+          <p:cNvSpPr>
+            <a:spLocks noGrp="1"/>
+          </p:cNvSpPr>
+          <p:nvPr>
+            <p:ph type="title"/>
+          </p:nvPr>
+        </p:nvSpPr>
+        <p:spPr>
+          <a:xfrm>
+            <a:off x="0" y="0"/>
+            <a:ext cx="12585700" cy="680305"/>
+          </a:xfrm>
+        </p:spPr>
+        <p:txBody>
+          <a:bodyPr>
+            <a:normAutofit/>
+          </a:bodyPr>
+          <a:lstStyle/>
+          <a:p>
+            <a:r>
+              <a:rPr lang="en-US" sz="3200" dirty="0"/>
+              <a:t>The revolution of AJAX (Asynchronous JavaScript and XML)</a:t>
+            </a:r>
+          </a:p>
+        </p:txBody>
+      </p:sp>
+      <p:sp>
+        <p:nvSpPr>
+          <p:cNvPr id="4" name="TextBox 3">
+            <a:extLst>
+              <a:ext uri="{FF2B5EF4-FFF2-40B4-BE49-F238E27FC236}">
+                <a16:creationId xmlns:a16="http://schemas.microsoft.com/office/drawing/2014/main" id="{C639DF59-98B8-4261-80A1-894F4FCF558D}"/>
+              </a:ext>
+            </a:extLst>
+          </p:cNvPr>
+          <p:cNvSpPr txBox="1"/>
+          <p:nvPr/>
+        </p:nvSpPr>
+        <p:spPr>
+          <a:xfrm>
+            <a:off x="346445" y="1525106"/>
+            <a:ext cx="4813300" cy="1200329"/>
+          </a:xfrm>
+          <a:prstGeom prst="rect">
+            <a:avLst/>
+          </a:prstGeom>
+          <a:noFill/>
+        </p:spPr>
+        <p:txBody>
+          <a:bodyPr wrap="square" rtlCol="0">
+            <a:spAutoFit/>
+          </a:bodyPr>
+          <a:lstStyle/>
+          <a:p>
+            <a:pPr algn="ctr"/>
+            <a:r>
+              <a:rPr lang="en-US" sz="3600" i="1" dirty="0" err="1"/>
+              <a:t>XMLHttpRequest</a:t>
+            </a:r>
+            <a:r>
+              <a:rPr lang="en-US" sz="3600" i="1" dirty="0"/>
+              <a:t> (XHR)</a:t>
+            </a:r>
+            <a:r>
+              <a:rPr lang="en-US" sz="3600" dirty="0"/>
+              <a:t> API</a:t>
+            </a:r>
+          </a:p>
+        </p:txBody>
+      </p:sp>
+      <p:sp>
+        <p:nvSpPr>
+          <p:cNvPr id="5" name="TextBox 4">
+            <a:extLst>
+              <a:ext uri="{FF2B5EF4-FFF2-40B4-BE49-F238E27FC236}">
+                <a16:creationId xmlns:a16="http://schemas.microsoft.com/office/drawing/2014/main" id="{28B79152-3B40-47E2-A66E-2026E3037948}"/>
+              </a:ext>
+            </a:extLst>
+          </p:cNvPr>
+          <p:cNvSpPr txBox="1"/>
+          <p:nvPr/>
+        </p:nvSpPr>
+        <p:spPr>
+          <a:xfrm>
+            <a:off x="1534140" y="2717058"/>
+            <a:ext cx="2146300" cy="769441"/>
+          </a:xfrm>
+          <a:prstGeom prst="rect">
+            <a:avLst/>
+          </a:prstGeom>
+          <a:noFill/>
+        </p:spPr>
+        <p:txBody>
+          <a:bodyPr wrap="square" rtlCol="0">
+            <a:spAutoFit/>
+          </a:bodyPr>
+          <a:lstStyle/>
+          <a:p>
+            <a:pPr algn="ctr"/>
+            <a:r>
+              <a:rPr lang="en-US" sz="4400" dirty="0"/>
+              <a:t> +</a:t>
+            </a:r>
+          </a:p>
+        </p:txBody>
+      </p:sp>
+      <p:pic>
+        <p:nvPicPr>
+          <p:cNvPr id="8" name="Picture 7">
+            <a:extLst>
+              <a:ext uri="{FF2B5EF4-FFF2-40B4-BE49-F238E27FC236}">
+                <a16:creationId xmlns:a16="http://schemas.microsoft.com/office/drawing/2014/main" id="{F3ADFF30-42D7-496F-BA15-18F864BD6D90}"/>
+              </a:ext>
+            </a:extLst>
+          </p:cNvPr>
+          <p:cNvPicPr>
+            <a:picLocks noChangeAspect="1"/>
+          </p:cNvPicPr>
+          <p:nvPr/>
+        </p:nvPicPr>
+        <p:blipFill>
+          <a:blip r:embed="rId2">
+            <a:extLst>
+              <a:ext uri="{28A0092B-C50C-407E-A947-70E740481C1C}">
+                <a14:useLocalDpi xmlns:a14="http://schemas.microsoft.com/office/drawing/2010/main" val="0"/>
+              </a:ext>
+            </a:extLst>
+          </a:blip>
+          <a:stretch>
+            <a:fillRect/>
+          </a:stretch>
+        </p:blipFill>
+        <p:spPr>
+          <a:xfrm>
+            <a:off x="1921490" y="3188002"/>
+            <a:ext cx="1447800" cy="1447800"/>
+          </a:xfrm>
+          <a:prstGeom prst="rect">
+            <a:avLst/>
+          </a:prstGeom>
+        </p:spPr>
+      </p:pic>
+      <p:grpSp>
+        <p:nvGrpSpPr>
+          <p:cNvPr id="18" name="Group 17">
+            <a:extLst>
+              <a:ext uri="{FF2B5EF4-FFF2-40B4-BE49-F238E27FC236}">
+                <a16:creationId xmlns:a16="http://schemas.microsoft.com/office/drawing/2014/main" id="{DCB492DC-479B-46D6-A919-74C7D21FE62B}"/>
+              </a:ext>
+            </a:extLst>
+          </p:cNvPr>
+          <p:cNvGrpSpPr/>
+          <p:nvPr/>
+        </p:nvGrpSpPr>
+        <p:grpSpPr>
+          <a:xfrm>
+            <a:off x="7007226" y="1016346"/>
+            <a:ext cx="4879973" cy="4825307"/>
+            <a:chOff x="5886450" y="2365335"/>
+            <a:chExt cx="4108450" cy="3995777"/>
+          </a:xfrm>
+        </p:grpSpPr>
+        <p:sp>
+          <p:nvSpPr>
+            <p:cNvPr id="11" name="Rectangle 10">
+              <a:extLst>
+                <a:ext uri="{FF2B5EF4-FFF2-40B4-BE49-F238E27FC236}">
+                  <a16:creationId xmlns:a16="http://schemas.microsoft.com/office/drawing/2014/main" id="{F3643914-2BFA-40CE-AFA0-5A40AA7AF9C6}"/>
+                </a:ext>
+              </a:extLst>
+            </p:cNvPr>
+            <p:cNvSpPr/>
+            <p:nvPr/>
+          </p:nvSpPr>
+          <p:spPr>
+            <a:xfrm>
+              <a:off x="6769100" y="2988627"/>
+              <a:ext cx="3225800" cy="3372485"/>
+            </a:xfrm>
+            <a:prstGeom prst="rect">
+              <a:avLst/>
+            </a:prstGeom>
+            <a:noFill/>
+          </p:spPr>
+          <p:style>
+            <a:lnRef idx="2">
+              <a:schemeClr val="accent1">
+                <a:shade val="50000"/>
+              </a:schemeClr>
+            </a:lnRef>
+            <a:fillRef idx="1">
+              <a:schemeClr val="accent1"/>
+            </a:fillRef>
+            <a:effectRef idx="0">
+              <a:schemeClr val="accent1"/>
+            </a:effectRef>
+            <a:fontRef idx="minor">
+              <a:schemeClr val="lt1"/>
+            </a:fontRef>
+          </p:style>
+          <p:txBody>
+            <a:bodyPr rtlCol="0" anchor="ctr"/>
+            <a:lstStyle/>
+            <a:p>
+              <a:pPr algn="ctr"/>
+              <a:endParaRPr lang="en-US"/>
+            </a:p>
+          </p:txBody>
+        </p:sp>
+        <p:pic>
+          <p:nvPicPr>
+            <p:cNvPr id="10" name="Picture 9">
+              <a:extLst>
+                <a:ext uri="{FF2B5EF4-FFF2-40B4-BE49-F238E27FC236}">
+                  <a16:creationId xmlns:a16="http://schemas.microsoft.com/office/drawing/2014/main" id="{3CAA383C-4184-4C01-B995-9BA4F6D18BD0}"/>
+                </a:ext>
+              </a:extLst>
+            </p:cNvPr>
+            <p:cNvPicPr>
+              <a:picLocks noChangeAspect="1"/>
+            </p:cNvPicPr>
+            <p:nvPr/>
+          </p:nvPicPr>
+          <p:blipFill>
+            <a:blip r:embed="rId3" cstate="hqprint">
+              <a:extLst>
+                <a:ext uri="{28A0092B-C50C-407E-A947-70E740481C1C}">
+                  <a14:useLocalDpi xmlns:a14="http://schemas.microsoft.com/office/drawing/2010/main" val="0"/>
+                </a:ext>
+              </a:extLst>
+            </a:blip>
+            <a:stretch>
+              <a:fillRect/>
+            </a:stretch>
+          </p:blipFill>
+          <p:spPr>
+            <a:xfrm>
+              <a:off x="5886450" y="2365335"/>
+              <a:ext cx="1206500" cy="1206500"/>
+            </a:xfrm>
+            <a:prstGeom prst="rect">
+              <a:avLst/>
+            </a:prstGeom>
+          </p:spPr>
+        </p:pic>
+        <p:sp>
+          <p:nvSpPr>
+            <p:cNvPr id="12" name="Rectangle 11">
+              <a:extLst>
+                <a:ext uri="{FF2B5EF4-FFF2-40B4-BE49-F238E27FC236}">
+                  <a16:creationId xmlns:a16="http://schemas.microsoft.com/office/drawing/2014/main" id="{C7F05850-A0EC-4406-91D3-6F0ED9663D96}"/>
+                </a:ext>
+              </a:extLst>
+            </p:cNvPr>
+            <p:cNvSpPr/>
+            <p:nvPr/>
+          </p:nvSpPr>
+          <p:spPr>
+            <a:xfrm>
+              <a:off x="7092950" y="3428999"/>
+              <a:ext cx="1009650" cy="1866901"/>
+            </a:xfrm>
+            <a:prstGeom prst="rect">
+              <a:avLst/>
+            </a:prstGeom>
+            <a:solidFill>
+              <a:srgbClr val="59CEF9"/>
+            </a:solidFill>
+            <a:ln>
+              <a:noFill/>
+            </a:ln>
+          </p:spPr>
+          <p:style>
+            <a:lnRef idx="2">
+              <a:schemeClr val="accent1">
+                <a:shade val="50000"/>
+              </a:schemeClr>
+            </a:lnRef>
+            <a:fillRef idx="1">
+              <a:schemeClr val="accent1"/>
+            </a:fillRef>
+            <a:effectRef idx="0">
+              <a:schemeClr val="accent1"/>
+            </a:effectRef>
+            <a:fontRef idx="minor">
+              <a:schemeClr val="lt1"/>
+            </a:fontRef>
+          </p:style>
+          <p:txBody>
+            <a:bodyPr rtlCol="0" anchor="ctr"/>
+            <a:lstStyle/>
+            <a:p>
+              <a:pPr algn="ctr"/>
+              <a:endParaRPr lang="en-US" dirty="0"/>
+            </a:p>
+          </p:txBody>
+        </p:sp>
+        <p:sp>
+          <p:nvSpPr>
+            <p:cNvPr id="13" name="Rectangle 12">
+              <a:extLst>
+                <a:ext uri="{FF2B5EF4-FFF2-40B4-BE49-F238E27FC236}">
+                  <a16:creationId xmlns:a16="http://schemas.microsoft.com/office/drawing/2014/main" id="{2976B6D2-E908-496E-A7C0-079FBFFA3EC5}"/>
+                </a:ext>
+              </a:extLst>
+            </p:cNvPr>
+            <p:cNvSpPr/>
+            <p:nvPr/>
+          </p:nvSpPr>
+          <p:spPr>
+            <a:xfrm>
+              <a:off x="7042150" y="5506085"/>
+              <a:ext cx="2584450" cy="424816"/>
+            </a:xfrm>
+            <a:prstGeom prst="rect">
+              <a:avLst/>
+            </a:prstGeom>
+            <a:solidFill>
+              <a:srgbClr val="C1D49B"/>
+            </a:solidFill>
+            <a:ln>
+              <a:noFill/>
+            </a:ln>
+          </p:spPr>
+          <p:style>
+            <a:lnRef idx="2">
+              <a:schemeClr val="accent1">
+                <a:shade val="50000"/>
+              </a:schemeClr>
+            </a:lnRef>
+            <a:fillRef idx="1">
+              <a:schemeClr val="accent1"/>
+            </a:fillRef>
+            <a:effectRef idx="0">
+              <a:schemeClr val="accent1"/>
+            </a:effectRef>
+            <a:fontRef idx="minor">
+              <a:schemeClr val="lt1"/>
+            </a:fontRef>
+          </p:style>
+          <p:txBody>
+            <a:bodyPr rtlCol="0" anchor="ctr"/>
+            <a:lstStyle/>
+            <a:p>
+              <a:pPr algn="ctr"/>
+              <a:endParaRPr lang="en-US" dirty="0"/>
+            </a:p>
+          </p:txBody>
+        </p:sp>
+        <p:sp>
+          <p:nvSpPr>
+            <p:cNvPr id="14" name="Rectangle 13">
+              <a:extLst>
+                <a:ext uri="{FF2B5EF4-FFF2-40B4-BE49-F238E27FC236}">
+                  <a16:creationId xmlns:a16="http://schemas.microsoft.com/office/drawing/2014/main" id="{FE117653-59B7-4FDF-938C-BD4DA5CC734A}"/>
+                </a:ext>
+              </a:extLst>
+            </p:cNvPr>
+            <p:cNvSpPr/>
+            <p:nvPr/>
+          </p:nvSpPr>
+          <p:spPr>
+            <a:xfrm>
+              <a:off x="8251825" y="3428999"/>
+              <a:ext cx="1009650" cy="779147"/>
+            </a:xfrm>
+            <a:prstGeom prst="rect">
+              <a:avLst/>
+            </a:prstGeom>
+            <a:noFill/>
+          </p:spPr>
+          <p:style>
+            <a:lnRef idx="2">
+              <a:schemeClr val="accent1">
+                <a:shade val="50000"/>
+              </a:schemeClr>
+            </a:lnRef>
+            <a:fillRef idx="1">
+              <a:schemeClr val="accent1"/>
+            </a:fillRef>
+            <a:effectRef idx="0">
+              <a:schemeClr val="accent1"/>
+            </a:effectRef>
+            <a:fontRef idx="minor">
+              <a:schemeClr val="lt1"/>
+            </a:fontRef>
+          </p:style>
+          <p:txBody>
+            <a:bodyPr rtlCol="0" anchor="ctr"/>
+            <a:lstStyle/>
+            <a:p>
+              <a:pPr algn="ctr"/>
+              <a:endParaRPr lang="en-US"/>
+            </a:p>
+          </p:txBody>
+        </p:sp>
+        <p:sp>
+          <p:nvSpPr>
+            <p:cNvPr id="15" name="Rectangle 14">
+              <a:extLst>
+                <a:ext uri="{FF2B5EF4-FFF2-40B4-BE49-F238E27FC236}">
+                  <a16:creationId xmlns:a16="http://schemas.microsoft.com/office/drawing/2014/main" id="{7EA2E02F-52DF-4EB9-91C5-D105F73A6C8D}"/>
+                </a:ext>
+              </a:extLst>
+            </p:cNvPr>
+            <p:cNvSpPr/>
+            <p:nvPr/>
+          </p:nvSpPr>
+          <p:spPr>
+            <a:xfrm>
+              <a:off x="8251825" y="4516753"/>
+              <a:ext cx="1009650" cy="779147"/>
+            </a:xfrm>
+            <a:prstGeom prst="rect">
+              <a:avLst/>
+            </a:prstGeom>
+            <a:solidFill>
+              <a:srgbClr val="FE4E57"/>
+            </a:solidFill>
+            <a:ln>
+              <a:noFill/>
+            </a:ln>
+          </p:spPr>
+          <p:style>
+            <a:lnRef idx="2">
+              <a:schemeClr val="accent1">
+                <a:shade val="50000"/>
+              </a:schemeClr>
+            </a:lnRef>
+            <a:fillRef idx="1">
+              <a:schemeClr val="accent1"/>
+            </a:fillRef>
+            <a:effectRef idx="0">
+              <a:schemeClr val="accent1"/>
+            </a:effectRef>
+            <a:fontRef idx="minor">
+              <a:schemeClr val="lt1"/>
+            </a:fontRef>
+          </p:style>
+          <p:txBody>
+            <a:bodyPr rtlCol="0" anchor="ctr"/>
+            <a:lstStyle/>
+            <a:p>
+              <a:pPr algn="ctr"/>
+              <a:endParaRPr lang="en-US"/>
+            </a:p>
+          </p:txBody>
+        </p:sp>
+        <p:sp>
+          <p:nvSpPr>
+            <p:cNvPr id="16" name="Rectangle 15">
+              <a:extLst>
+                <a:ext uri="{FF2B5EF4-FFF2-40B4-BE49-F238E27FC236}">
+                  <a16:creationId xmlns:a16="http://schemas.microsoft.com/office/drawing/2014/main" id="{4ACB4486-7F40-4EE7-A7FB-46D2972C1D40}"/>
+                </a:ext>
+              </a:extLst>
+            </p:cNvPr>
+            <p:cNvSpPr/>
+            <p:nvPr/>
+          </p:nvSpPr>
+          <p:spPr>
+            <a:xfrm>
+              <a:off x="9344027" y="3428999"/>
+              <a:ext cx="276224" cy="779147"/>
+            </a:xfrm>
+            <a:prstGeom prst="rect">
+              <a:avLst/>
+            </a:prstGeom>
+            <a:noFill/>
+          </p:spPr>
+          <p:style>
+            <a:lnRef idx="2">
+              <a:schemeClr val="accent1">
+                <a:shade val="50000"/>
+              </a:schemeClr>
+            </a:lnRef>
+            <a:fillRef idx="1">
+              <a:schemeClr val="accent1"/>
+            </a:fillRef>
+            <a:effectRef idx="0">
+              <a:schemeClr val="accent1"/>
+            </a:effectRef>
+            <a:fontRef idx="minor">
+              <a:schemeClr val="lt1"/>
+            </a:fontRef>
+          </p:style>
+          <p:txBody>
+            <a:bodyPr rtlCol="0" anchor="ctr"/>
+            <a:lstStyle/>
+            <a:p>
+              <a:pPr algn="ctr"/>
+              <a:endParaRPr lang="en-US"/>
+            </a:p>
+          </p:txBody>
+        </p:sp>
+        <p:sp>
+          <p:nvSpPr>
+            <p:cNvPr id="17" name="Rectangle 16">
+              <a:extLst>
+                <a:ext uri="{FF2B5EF4-FFF2-40B4-BE49-F238E27FC236}">
+                  <a16:creationId xmlns:a16="http://schemas.microsoft.com/office/drawing/2014/main" id="{02F44F1B-E751-49D8-8C85-E7210870619C}"/>
+                </a:ext>
+              </a:extLst>
+            </p:cNvPr>
+            <p:cNvSpPr/>
+            <p:nvPr/>
+          </p:nvSpPr>
+          <p:spPr>
+            <a:xfrm>
+              <a:off x="9344027" y="4516753"/>
+              <a:ext cx="276224" cy="779147"/>
+            </a:xfrm>
+            <a:prstGeom prst="rect">
+              <a:avLst/>
+            </a:prstGeom>
+            <a:noFill/>
+          </p:spPr>
+          <p:style>
+            <a:lnRef idx="2">
+              <a:schemeClr val="accent1">
+                <a:shade val="50000"/>
+              </a:schemeClr>
+            </a:lnRef>
+            <a:fillRef idx="1">
+              <a:schemeClr val="accent1"/>
+            </a:fillRef>
+            <a:effectRef idx="0">
+              <a:schemeClr val="accent1"/>
+            </a:effectRef>
+            <a:fontRef idx="minor">
+              <a:schemeClr val="lt1"/>
+            </a:fontRef>
+          </p:style>
+          <p:txBody>
+            <a:bodyPr rtlCol="0" anchor="ctr"/>
+            <a:lstStyle/>
+            <a:p>
+              <a:pPr algn="ctr"/>
+              <a:endParaRPr lang="en-US"/>
+            </a:p>
+          </p:txBody>
+        </p:sp>
+      </p:grpSp>
+      <p:sp>
+        <p:nvSpPr>
+          <p:cNvPr id="19" name="Rectangle: Rounded Corners 18">
+            <a:extLst>
+              <a:ext uri="{FF2B5EF4-FFF2-40B4-BE49-F238E27FC236}">
+                <a16:creationId xmlns:a16="http://schemas.microsoft.com/office/drawing/2014/main" id="{EAA4FBDF-C3F6-4281-93E6-14E6C65656AD}"/>
+              </a:ext>
+            </a:extLst>
+          </p:cNvPr>
+          <p:cNvSpPr/>
+          <p:nvPr/>
+        </p:nvSpPr>
+        <p:spPr>
+          <a:xfrm>
+            <a:off x="346445" y="1318451"/>
+            <a:ext cx="4813300" cy="3317351"/>
+          </a:xfrm>
+          <a:prstGeom prst="roundRect">
+            <a:avLst/>
+          </a:prstGeom>
+          <a:noFill/>
+          <a:ln w="38100">
+            <a:solidFill>
+              <a:schemeClr val="tx1"/>
+            </a:solidFill>
+          </a:ln>
+        </p:spPr>
+        <p:style>
+          <a:lnRef idx="2">
+            <a:schemeClr val="accent1">
+              <a:shade val="50000"/>
+            </a:schemeClr>
+          </a:lnRef>
+          <a:fillRef idx="1">
+            <a:schemeClr val="accent1"/>
+          </a:fillRef>
+          <a:effectRef idx="0">
+            <a:schemeClr val="accent1"/>
+          </a:effectRef>
+          <a:fontRef idx="minor">
+            <a:schemeClr val="lt1"/>
+          </a:fontRef>
+        </p:style>
+        <p:txBody>
+          <a:bodyPr rtlCol="0" anchor="ctr"/>
+          <a:lstStyle/>
+          <a:p>
+            <a:pPr algn="ctr"/>
+            <a:endParaRPr lang="en-US"/>
+          </a:p>
+        </p:txBody>
+      </p:sp>
+      <p:cxnSp>
+        <p:nvCxnSpPr>
+          <p:cNvPr id="21" name="Straight Arrow Connector 20">
+            <a:extLst>
+              <a:ext uri="{FF2B5EF4-FFF2-40B4-BE49-F238E27FC236}">
+                <a16:creationId xmlns:a16="http://schemas.microsoft.com/office/drawing/2014/main" id="{C5C47F26-96F3-4729-9195-BA6A18BE6872}"/>
+              </a:ext>
+            </a:extLst>
+          </p:cNvPr>
+          <p:cNvCxnSpPr>
+            <a:cxnSpLocks/>
+          </p:cNvCxnSpPr>
+          <p:nvPr/>
+        </p:nvCxnSpPr>
+        <p:spPr>
+          <a:xfrm>
+            <a:off x="5257800" y="3063351"/>
+            <a:ext cx="4708475" cy="1021500"/>
+          </a:xfrm>
+          <a:prstGeom prst="straightConnector1">
+            <a:avLst/>
+          </a:prstGeom>
+          <a:ln w="38100">
+            <a:solidFill>
+              <a:srgbClr val="42B983"/>
+            </a:solidFill>
+            <a:tailEnd type="triangle"/>
+          </a:ln>
+        </p:spPr>
+        <p:style>
+          <a:lnRef idx="1">
+            <a:schemeClr val="accent1"/>
+          </a:lnRef>
+          <a:fillRef idx="0">
+            <a:schemeClr val="accent1"/>
+          </a:fillRef>
+          <a:effectRef idx="0">
+            <a:schemeClr val="accent1"/>
+          </a:effectRef>
+          <a:fontRef idx="minor">
+            <a:schemeClr val="tx1"/>
+          </a:fontRef>
+        </p:style>
+      </p:cxnSp>
+      <p:cxnSp>
+        <p:nvCxnSpPr>
+          <p:cNvPr id="22" name="Straight Arrow Connector 21">
+            <a:extLst>
+              <a:ext uri="{FF2B5EF4-FFF2-40B4-BE49-F238E27FC236}">
+                <a16:creationId xmlns:a16="http://schemas.microsoft.com/office/drawing/2014/main" id="{A6DB0957-827A-4BBB-BFA6-07565BB1A784}"/>
+              </a:ext>
+            </a:extLst>
+          </p:cNvPr>
+          <p:cNvCxnSpPr>
+            <a:cxnSpLocks/>
+          </p:cNvCxnSpPr>
+          <p:nvPr/>
+        </p:nvCxnSpPr>
+        <p:spPr>
+          <a:xfrm>
+            <a:off x="5257800" y="3063351"/>
+            <a:ext cx="4381745" cy="1990390"/>
+          </a:xfrm>
+          <a:prstGeom prst="straightConnector1">
+            <a:avLst/>
+          </a:prstGeom>
+          <a:ln w="38100">
+            <a:solidFill>
+              <a:srgbClr val="42B983"/>
+            </a:solidFill>
+            <a:tailEnd type="triangle"/>
+          </a:ln>
+        </p:spPr>
+        <p:style>
+          <a:lnRef idx="1">
+            <a:schemeClr val="accent1"/>
+          </a:lnRef>
+          <a:fillRef idx="0">
+            <a:schemeClr val="accent1"/>
+          </a:fillRef>
+          <a:effectRef idx="0">
+            <a:schemeClr val="accent1"/>
+          </a:effectRef>
+          <a:fontRef idx="minor">
+            <a:schemeClr val="tx1"/>
+          </a:fontRef>
+        </p:style>
+      </p:cxnSp>
+      <p:cxnSp>
+        <p:nvCxnSpPr>
+          <p:cNvPr id="24" name="Straight Arrow Connector 23">
+            <a:extLst>
+              <a:ext uri="{FF2B5EF4-FFF2-40B4-BE49-F238E27FC236}">
+                <a16:creationId xmlns:a16="http://schemas.microsoft.com/office/drawing/2014/main" id="{133C741C-B617-44E4-B59C-E42CFA6A09C8}"/>
+              </a:ext>
+            </a:extLst>
+          </p:cNvPr>
+          <p:cNvCxnSpPr>
+            <a:cxnSpLocks/>
+          </p:cNvCxnSpPr>
+          <p:nvPr/>
+        </p:nvCxnSpPr>
+        <p:spPr>
+          <a:xfrm flipV="1">
+            <a:off x="5299111" y="2977127"/>
+            <a:ext cx="3425789" cy="86224"/>
+          </a:xfrm>
+          <a:prstGeom prst="straightConnector1">
+            <a:avLst/>
+          </a:prstGeom>
+          <a:ln w="38100">
+            <a:solidFill>
+              <a:srgbClr val="42B983"/>
+            </a:solidFill>
+            <a:tailEnd type="triangle"/>
+          </a:ln>
+        </p:spPr>
+        <p:style>
+          <a:lnRef idx="1">
+            <a:schemeClr val="accent1"/>
+          </a:lnRef>
+          <a:fillRef idx="0">
+            <a:schemeClr val="accent1"/>
+          </a:fillRef>
+          <a:effectRef idx="0">
+            <a:schemeClr val="accent1"/>
+          </a:effectRef>
+          <a:fontRef idx="minor">
+            <a:schemeClr val="tx1"/>
+          </a:fontRef>
+        </p:style>
+      </p:cxnSp>
+      <p:sp>
+        <p:nvSpPr>
+          <p:cNvPr id="29" name="TextBox 28">
+            <a:extLst>
+              <a:ext uri="{FF2B5EF4-FFF2-40B4-BE49-F238E27FC236}">
+                <a16:creationId xmlns:a16="http://schemas.microsoft.com/office/drawing/2014/main" id="{5E4E106A-9CFE-4EEC-A402-9FAF25879BA1}"/>
+              </a:ext>
+            </a:extLst>
+          </p:cNvPr>
+          <p:cNvSpPr txBox="1"/>
+          <p:nvPr/>
+        </p:nvSpPr>
+        <p:spPr>
+          <a:xfrm>
+            <a:off x="5381823" y="2438897"/>
+            <a:ext cx="2468344" cy="646331"/>
+          </a:xfrm>
+          <a:prstGeom prst="rect">
+            <a:avLst/>
+          </a:prstGeom>
+          <a:noFill/>
+        </p:spPr>
+        <p:txBody>
+          <a:bodyPr wrap="square" rtlCol="0">
+            <a:spAutoFit/>
+          </a:bodyPr>
+          <a:lstStyle/>
+          <a:p>
+            <a:pPr algn="ctr"/>
+            <a:r>
+              <a:rPr lang="en-US" sz="3600" i="1" dirty="0"/>
+              <a:t>Update</a:t>
+            </a:r>
+            <a:endParaRPr lang="en-US" sz="3600" dirty="0"/>
+          </a:p>
+        </p:txBody>
+      </p:sp>
+    </p:spTree>
+    <p:extLst>
+      <p:ext uri="{BB962C8B-B14F-4D97-AF65-F5344CB8AC3E}">
+        <p14:creationId xmlns:p14="http://schemas.microsoft.com/office/powerpoint/2010/main" val="3804630150"/>
+      </p:ext>
+    </p:extLst>
+  </p:cSld>
+  <p:clrMapOvr>
+    <a:masterClrMapping/>
+  </p:clrMapOvr>
+  <p:timing>
+    <p:tnLst>
+      <p:par>
+        <p:cTn id="1" dur="indefinite" restart="never" nodeType="tmRoot"/>
+      </p:par>
+    </p:tnLst>
+  </p:timing>
+</p:sld>
+</file>
+
+<file path=ppt/slides/slide50.xml><?xml version="1.0" encoding="utf-8"?>
 <p:sld xmlns:a="http://schemas.openxmlformats.org/drawingml/2006/main" xmlns:r="http://schemas.openxmlformats.org/officeDocument/2006/relationships" xmlns:p="http://schemas.openxmlformats.org/presentationml/2006/main">
   <p:cSld>
     <p:spTree>
@@ -23828,37 +25229,37 @@
           <p:nvPr>
             <p:extLst>
               <p:ext uri="{D42A27DB-BD31-4B8C-83A1-F6EECF244321}">
-                <p14:modId xmlns:p14="http://schemas.microsoft.com/office/powerpoint/2010/main" val="2510114899"/>
+                <p14:modId xmlns:p14="http://schemas.microsoft.com/office/powerpoint/2010/main" val="3888324975"/>
               </p:ext>
             </p:extLst>
           </p:nvPr>
         </p:nvGraphicFramePr>
         <p:xfrm>
           <a:off x="838200" y="1434041"/>
-          <a:ext cx="8127999" cy="2286000"/>
+          <a:ext cx="9022236" cy="3590445"/>
         </p:xfrm>
         <a:graphic>
           <a:graphicData uri="http://schemas.openxmlformats.org/drawingml/2006/table">
             <a:tbl>
               <a:tblPr firstRow="1" bandRow="1">
-                <a:tableStyleId>{5C22544A-7EE6-4342-B048-85BDC9FD1C3A}</a:tableStyleId>
+                <a:tableStyleId>{93296810-A885-4BE3-A3E7-6D5BEEA58F35}</a:tableStyleId>
               </a:tblPr>
               <a:tblGrid>
-                <a:gridCol w="2709333">
+                <a:gridCol w="3007412">
                   <a:extLst>
                     <a:ext uri="{9D8B030D-6E8A-4147-A177-3AD203B41FA5}">
                       <a16:colId xmlns:a16="http://schemas.microsoft.com/office/drawing/2014/main" val="968791839"/>
                     </a:ext>
                   </a:extLst>
                 </a:gridCol>
-                <a:gridCol w="2709333">
+                <a:gridCol w="3007412">
                   <a:extLst>
                     <a:ext uri="{9D8B030D-6E8A-4147-A177-3AD203B41FA5}">
                       <a16:colId xmlns:a16="http://schemas.microsoft.com/office/drawing/2014/main" val="616789265"/>
                     </a:ext>
                   </a:extLst>
                 </a:gridCol>
-                <a:gridCol w="2709333">
+                <a:gridCol w="3007412">
                   <a:extLst>
                     <a:ext uri="{9D8B030D-6E8A-4147-A177-3AD203B41FA5}">
                       <a16:colId xmlns:a16="http://schemas.microsoft.com/office/drawing/2014/main" val="3761734365"/>
@@ -23866,7 +25267,7 @@
                   </a:extLst>
                 </a:gridCol>
               </a:tblGrid>
-              <a:tr h="370840">
+              <a:tr h="718089">
                 <a:tc>
                   <a:txBody>
                     <a:bodyPr/>
@@ -23909,7 +25310,7 @@
                   </a:ext>
                 </a:extLst>
               </a:tr>
-              <a:tr h="370840">
+              <a:tr h="718089">
                 <a:tc>
                   <a:txBody>
                     <a:bodyPr/>
@@ -23955,7 +25356,7 @@
                   </a:ext>
                 </a:extLst>
               </a:tr>
-              <a:tr h="370840">
+              <a:tr h="718089">
                 <a:tc>
                   <a:txBody>
                     <a:bodyPr/>
@@ -24001,7 +25402,7 @@
                   </a:ext>
                 </a:extLst>
               </a:tr>
-              <a:tr h="370840">
+              <a:tr h="718089">
                 <a:tc>
                   <a:txBody>
                     <a:bodyPr/>
@@ -24047,7 +25448,7 @@
                   </a:ext>
                 </a:extLst>
               </a:tr>
-              <a:tr h="370840">
+              <a:tr h="718089">
                 <a:tc>
                   <a:txBody>
                     <a:bodyPr/>
@@ -24107,813 +25508,17 @@
   <p:clrMapOvr>
     <a:masterClrMapping/>
   </p:clrMapOvr>
+  <p:timing>
+    <p:tnLst>
+      <p:par>
+        <p:cTn id="1" dur="indefinite" restart="never" nodeType="tmRoot"/>
+      </p:par>
+    </p:tnLst>
+  </p:timing>
 </p:sld>
 </file>
 
-<file path=ppt/slides/slide5.xml><?xml version="1.0" encoding="utf-8"?>
-<p:sld xmlns:a="http://schemas.openxmlformats.org/drawingml/2006/main" xmlns:r="http://schemas.openxmlformats.org/officeDocument/2006/relationships" xmlns:p="http://schemas.openxmlformats.org/presentationml/2006/main">
-  <p:cSld>
-    <p:spTree>
-      <p:nvGrpSpPr>
-        <p:cNvPr id="1" name=""/>
-        <p:cNvGrpSpPr/>
-        <p:nvPr/>
-      </p:nvGrpSpPr>
-      <p:grpSpPr>
-        <a:xfrm>
-          <a:off x="0" y="0"/>
-          <a:ext cx="0" cy="0"/>
-          <a:chOff x="0" y="0"/>
-          <a:chExt cx="0" cy="0"/>
-        </a:xfrm>
-      </p:grpSpPr>
-      <p:sp>
-        <p:nvSpPr>
-          <p:cNvPr id="2" name="Title 1">
-            <a:extLst>
-              <a:ext uri="{FF2B5EF4-FFF2-40B4-BE49-F238E27FC236}">
-                <a16:creationId xmlns:a16="http://schemas.microsoft.com/office/drawing/2014/main" id="{33DD12F6-7D58-47EE-831A-A6E2F69814CF}"/>
-              </a:ext>
-            </a:extLst>
-          </p:cNvPr>
-          <p:cNvSpPr>
-            <a:spLocks noGrp="1"/>
-          </p:cNvSpPr>
-          <p:nvPr>
-            <p:ph type="title"/>
-          </p:nvPr>
-        </p:nvSpPr>
-        <p:spPr>
-          <a:xfrm>
-            <a:off x="0" y="0"/>
-            <a:ext cx="12585700" cy="680305"/>
-          </a:xfrm>
-        </p:spPr>
-        <p:txBody>
-          <a:bodyPr>
-            <a:normAutofit/>
-          </a:bodyPr>
-          <a:lstStyle/>
-          <a:p>
-            <a:r>
-              <a:rPr lang="en-US" sz="3200" dirty="0"/>
-              <a:t>The revolution of AJAX (Asynchronous JavaScript and XML)</a:t>
-            </a:r>
-          </a:p>
-        </p:txBody>
-      </p:sp>
-      <p:sp>
-        <p:nvSpPr>
-          <p:cNvPr id="4" name="TextBox 3">
-            <a:extLst>
-              <a:ext uri="{FF2B5EF4-FFF2-40B4-BE49-F238E27FC236}">
-                <a16:creationId xmlns:a16="http://schemas.microsoft.com/office/drawing/2014/main" id="{C639DF59-98B8-4261-80A1-894F4FCF558D}"/>
-              </a:ext>
-            </a:extLst>
-          </p:cNvPr>
-          <p:cNvSpPr txBox="1"/>
-          <p:nvPr/>
-        </p:nvSpPr>
-        <p:spPr>
-          <a:xfrm>
-            <a:off x="346445" y="1525106"/>
-            <a:ext cx="4813300" cy="1200329"/>
-          </a:xfrm>
-          <a:prstGeom prst="rect">
-            <a:avLst/>
-          </a:prstGeom>
-          <a:noFill/>
-        </p:spPr>
-        <p:txBody>
-          <a:bodyPr wrap="square" rtlCol="0">
-            <a:spAutoFit/>
-          </a:bodyPr>
-          <a:lstStyle/>
-          <a:p>
-            <a:pPr algn="ctr"/>
-            <a:r>
-              <a:rPr lang="en-US" sz="3600" i="1" dirty="0" err="1"/>
-              <a:t>XMLHttpRequest</a:t>
-            </a:r>
-            <a:r>
-              <a:rPr lang="en-US" sz="3600" i="1" dirty="0"/>
-              <a:t> (XHR)</a:t>
-            </a:r>
-            <a:r>
-              <a:rPr lang="en-US" sz="3600" dirty="0"/>
-              <a:t> API</a:t>
-            </a:r>
-          </a:p>
-        </p:txBody>
-      </p:sp>
-      <p:sp>
-        <p:nvSpPr>
-          <p:cNvPr id="5" name="TextBox 4">
-            <a:extLst>
-              <a:ext uri="{FF2B5EF4-FFF2-40B4-BE49-F238E27FC236}">
-                <a16:creationId xmlns:a16="http://schemas.microsoft.com/office/drawing/2014/main" id="{28B79152-3B40-47E2-A66E-2026E3037948}"/>
-              </a:ext>
-            </a:extLst>
-          </p:cNvPr>
-          <p:cNvSpPr txBox="1"/>
-          <p:nvPr/>
-        </p:nvSpPr>
-        <p:spPr>
-          <a:xfrm>
-            <a:off x="1534140" y="2717058"/>
-            <a:ext cx="2146300" cy="769441"/>
-          </a:xfrm>
-          <a:prstGeom prst="rect">
-            <a:avLst/>
-          </a:prstGeom>
-          <a:noFill/>
-        </p:spPr>
-        <p:txBody>
-          <a:bodyPr wrap="square" rtlCol="0">
-            <a:spAutoFit/>
-          </a:bodyPr>
-          <a:lstStyle/>
-          <a:p>
-            <a:pPr algn="ctr"/>
-            <a:r>
-              <a:rPr lang="en-US" sz="4400" dirty="0"/>
-              <a:t> +</a:t>
-            </a:r>
-          </a:p>
-        </p:txBody>
-      </p:sp>
-      <p:pic>
-        <p:nvPicPr>
-          <p:cNvPr id="8" name="Picture 7">
-            <a:extLst>
-              <a:ext uri="{FF2B5EF4-FFF2-40B4-BE49-F238E27FC236}">
-                <a16:creationId xmlns:a16="http://schemas.microsoft.com/office/drawing/2014/main" id="{F3ADFF30-42D7-496F-BA15-18F864BD6D90}"/>
-              </a:ext>
-            </a:extLst>
-          </p:cNvPr>
-          <p:cNvPicPr>
-            <a:picLocks noChangeAspect="1"/>
-          </p:cNvPicPr>
-          <p:nvPr/>
-        </p:nvPicPr>
-        <p:blipFill>
-          <a:blip r:embed="rId2">
-            <a:extLst>
-              <a:ext uri="{28A0092B-C50C-407E-A947-70E740481C1C}">
-                <a14:useLocalDpi xmlns:a14="http://schemas.microsoft.com/office/drawing/2010/main" val="0"/>
-              </a:ext>
-            </a:extLst>
-          </a:blip>
-          <a:stretch>
-            <a:fillRect/>
-          </a:stretch>
-        </p:blipFill>
-        <p:spPr>
-          <a:xfrm>
-            <a:off x="1921490" y="3188002"/>
-            <a:ext cx="1447800" cy="1447800"/>
-          </a:xfrm>
-          <a:prstGeom prst="rect">
-            <a:avLst/>
-          </a:prstGeom>
-        </p:spPr>
-      </p:pic>
-      <p:grpSp>
-        <p:nvGrpSpPr>
-          <p:cNvPr id="18" name="Group 17">
-            <a:extLst>
-              <a:ext uri="{FF2B5EF4-FFF2-40B4-BE49-F238E27FC236}">
-                <a16:creationId xmlns:a16="http://schemas.microsoft.com/office/drawing/2014/main" id="{DCB492DC-479B-46D6-A919-74C7D21FE62B}"/>
-              </a:ext>
-            </a:extLst>
-          </p:cNvPr>
-          <p:cNvGrpSpPr/>
-          <p:nvPr/>
-        </p:nvGrpSpPr>
-        <p:grpSpPr>
-          <a:xfrm>
-            <a:off x="7007226" y="1016346"/>
-            <a:ext cx="4879973" cy="4825307"/>
-            <a:chOff x="5886450" y="2365335"/>
-            <a:chExt cx="4108450" cy="3995777"/>
-          </a:xfrm>
-        </p:grpSpPr>
-        <p:sp>
-          <p:nvSpPr>
-            <p:cNvPr id="11" name="Rectangle 10">
-              <a:extLst>
-                <a:ext uri="{FF2B5EF4-FFF2-40B4-BE49-F238E27FC236}">
-                  <a16:creationId xmlns:a16="http://schemas.microsoft.com/office/drawing/2014/main" id="{F3643914-2BFA-40CE-AFA0-5A40AA7AF9C6}"/>
-                </a:ext>
-              </a:extLst>
-            </p:cNvPr>
-            <p:cNvSpPr/>
-            <p:nvPr/>
-          </p:nvSpPr>
-          <p:spPr>
-            <a:xfrm>
-              <a:off x="6769100" y="2988627"/>
-              <a:ext cx="3225800" cy="3372485"/>
-            </a:xfrm>
-            <a:prstGeom prst="rect">
-              <a:avLst/>
-            </a:prstGeom>
-            <a:noFill/>
-          </p:spPr>
-          <p:style>
-            <a:lnRef idx="2">
-              <a:schemeClr val="accent1">
-                <a:shade val="50000"/>
-              </a:schemeClr>
-            </a:lnRef>
-            <a:fillRef idx="1">
-              <a:schemeClr val="accent1"/>
-            </a:fillRef>
-            <a:effectRef idx="0">
-              <a:schemeClr val="accent1"/>
-            </a:effectRef>
-            <a:fontRef idx="minor">
-              <a:schemeClr val="lt1"/>
-            </a:fontRef>
-          </p:style>
-          <p:txBody>
-            <a:bodyPr rtlCol="0" anchor="ctr"/>
-            <a:lstStyle/>
-            <a:p>
-              <a:pPr algn="ctr"/>
-              <a:endParaRPr lang="en-US"/>
-            </a:p>
-          </p:txBody>
-        </p:sp>
-        <p:pic>
-          <p:nvPicPr>
-            <p:cNvPr id="10" name="Picture 9">
-              <a:extLst>
-                <a:ext uri="{FF2B5EF4-FFF2-40B4-BE49-F238E27FC236}">
-                  <a16:creationId xmlns:a16="http://schemas.microsoft.com/office/drawing/2014/main" id="{3CAA383C-4184-4C01-B995-9BA4F6D18BD0}"/>
-                </a:ext>
-              </a:extLst>
-            </p:cNvPr>
-            <p:cNvPicPr>
-              <a:picLocks noChangeAspect="1"/>
-            </p:cNvPicPr>
-            <p:nvPr/>
-          </p:nvPicPr>
-          <p:blipFill>
-            <a:blip r:embed="rId3">
-              <a:extLst>
-                <a:ext uri="{28A0092B-C50C-407E-A947-70E740481C1C}">
-                  <a14:useLocalDpi xmlns:a14="http://schemas.microsoft.com/office/drawing/2010/main" val="0"/>
-                </a:ext>
-              </a:extLst>
-            </a:blip>
-            <a:stretch>
-              <a:fillRect/>
-            </a:stretch>
-          </p:blipFill>
-          <p:spPr>
-            <a:xfrm>
-              <a:off x="5886450" y="2365335"/>
-              <a:ext cx="1206500" cy="1206500"/>
-            </a:xfrm>
-            <a:prstGeom prst="rect">
-              <a:avLst/>
-            </a:prstGeom>
-          </p:spPr>
-        </p:pic>
-        <p:sp>
-          <p:nvSpPr>
-            <p:cNvPr id="12" name="Rectangle 11">
-              <a:extLst>
-                <a:ext uri="{FF2B5EF4-FFF2-40B4-BE49-F238E27FC236}">
-                  <a16:creationId xmlns:a16="http://schemas.microsoft.com/office/drawing/2014/main" id="{C7F05850-A0EC-4406-91D3-6F0ED9663D96}"/>
-                </a:ext>
-              </a:extLst>
-            </p:cNvPr>
-            <p:cNvSpPr/>
-            <p:nvPr/>
-          </p:nvSpPr>
-          <p:spPr>
-            <a:xfrm>
-              <a:off x="7092950" y="3428999"/>
-              <a:ext cx="1009650" cy="1866901"/>
-            </a:xfrm>
-            <a:prstGeom prst="rect">
-              <a:avLst/>
-            </a:prstGeom>
-            <a:solidFill>
-              <a:srgbClr val="59CEF9"/>
-            </a:solidFill>
-            <a:ln>
-              <a:noFill/>
-            </a:ln>
-          </p:spPr>
-          <p:style>
-            <a:lnRef idx="2">
-              <a:schemeClr val="accent1">
-                <a:shade val="50000"/>
-              </a:schemeClr>
-            </a:lnRef>
-            <a:fillRef idx="1">
-              <a:schemeClr val="accent1"/>
-            </a:fillRef>
-            <a:effectRef idx="0">
-              <a:schemeClr val="accent1"/>
-            </a:effectRef>
-            <a:fontRef idx="minor">
-              <a:schemeClr val="lt1"/>
-            </a:fontRef>
-          </p:style>
-          <p:txBody>
-            <a:bodyPr rtlCol="0" anchor="ctr"/>
-            <a:lstStyle/>
-            <a:p>
-              <a:pPr algn="ctr"/>
-              <a:endParaRPr lang="en-US" dirty="0"/>
-            </a:p>
-          </p:txBody>
-        </p:sp>
-        <p:sp>
-          <p:nvSpPr>
-            <p:cNvPr id="13" name="Rectangle 12">
-              <a:extLst>
-                <a:ext uri="{FF2B5EF4-FFF2-40B4-BE49-F238E27FC236}">
-                  <a16:creationId xmlns:a16="http://schemas.microsoft.com/office/drawing/2014/main" id="{2976B6D2-E908-496E-A7C0-079FBFFA3EC5}"/>
-                </a:ext>
-              </a:extLst>
-            </p:cNvPr>
-            <p:cNvSpPr/>
-            <p:nvPr/>
-          </p:nvSpPr>
-          <p:spPr>
-            <a:xfrm>
-              <a:off x="7042150" y="5506085"/>
-              <a:ext cx="2584450" cy="424816"/>
-            </a:xfrm>
-            <a:prstGeom prst="rect">
-              <a:avLst/>
-            </a:prstGeom>
-            <a:solidFill>
-              <a:srgbClr val="C1D49B"/>
-            </a:solidFill>
-            <a:ln>
-              <a:noFill/>
-            </a:ln>
-          </p:spPr>
-          <p:style>
-            <a:lnRef idx="2">
-              <a:schemeClr val="accent1">
-                <a:shade val="50000"/>
-              </a:schemeClr>
-            </a:lnRef>
-            <a:fillRef idx="1">
-              <a:schemeClr val="accent1"/>
-            </a:fillRef>
-            <a:effectRef idx="0">
-              <a:schemeClr val="accent1"/>
-            </a:effectRef>
-            <a:fontRef idx="minor">
-              <a:schemeClr val="lt1"/>
-            </a:fontRef>
-          </p:style>
-          <p:txBody>
-            <a:bodyPr rtlCol="0" anchor="ctr"/>
-            <a:lstStyle/>
-            <a:p>
-              <a:pPr algn="ctr"/>
-              <a:endParaRPr lang="en-US" dirty="0"/>
-            </a:p>
-          </p:txBody>
-        </p:sp>
-        <p:sp>
-          <p:nvSpPr>
-            <p:cNvPr id="14" name="Rectangle 13">
-              <a:extLst>
-                <a:ext uri="{FF2B5EF4-FFF2-40B4-BE49-F238E27FC236}">
-                  <a16:creationId xmlns:a16="http://schemas.microsoft.com/office/drawing/2014/main" id="{FE117653-59B7-4FDF-938C-BD4DA5CC734A}"/>
-                </a:ext>
-              </a:extLst>
-            </p:cNvPr>
-            <p:cNvSpPr/>
-            <p:nvPr/>
-          </p:nvSpPr>
-          <p:spPr>
-            <a:xfrm>
-              <a:off x="8251825" y="3428999"/>
-              <a:ext cx="1009650" cy="779147"/>
-            </a:xfrm>
-            <a:prstGeom prst="rect">
-              <a:avLst/>
-            </a:prstGeom>
-            <a:noFill/>
-          </p:spPr>
-          <p:style>
-            <a:lnRef idx="2">
-              <a:schemeClr val="accent1">
-                <a:shade val="50000"/>
-              </a:schemeClr>
-            </a:lnRef>
-            <a:fillRef idx="1">
-              <a:schemeClr val="accent1"/>
-            </a:fillRef>
-            <a:effectRef idx="0">
-              <a:schemeClr val="accent1"/>
-            </a:effectRef>
-            <a:fontRef idx="minor">
-              <a:schemeClr val="lt1"/>
-            </a:fontRef>
-          </p:style>
-          <p:txBody>
-            <a:bodyPr rtlCol="0" anchor="ctr"/>
-            <a:lstStyle/>
-            <a:p>
-              <a:pPr algn="ctr"/>
-              <a:endParaRPr lang="en-US"/>
-            </a:p>
-          </p:txBody>
-        </p:sp>
-        <p:sp>
-          <p:nvSpPr>
-            <p:cNvPr id="15" name="Rectangle 14">
-              <a:extLst>
-                <a:ext uri="{FF2B5EF4-FFF2-40B4-BE49-F238E27FC236}">
-                  <a16:creationId xmlns:a16="http://schemas.microsoft.com/office/drawing/2014/main" id="{7EA2E02F-52DF-4EB9-91C5-D105F73A6C8D}"/>
-                </a:ext>
-              </a:extLst>
-            </p:cNvPr>
-            <p:cNvSpPr/>
-            <p:nvPr/>
-          </p:nvSpPr>
-          <p:spPr>
-            <a:xfrm>
-              <a:off x="8251825" y="4516753"/>
-              <a:ext cx="1009650" cy="779147"/>
-            </a:xfrm>
-            <a:prstGeom prst="rect">
-              <a:avLst/>
-            </a:prstGeom>
-            <a:solidFill>
-              <a:srgbClr val="FE4E57"/>
-            </a:solidFill>
-            <a:ln>
-              <a:noFill/>
-            </a:ln>
-          </p:spPr>
-          <p:style>
-            <a:lnRef idx="2">
-              <a:schemeClr val="accent1">
-                <a:shade val="50000"/>
-              </a:schemeClr>
-            </a:lnRef>
-            <a:fillRef idx="1">
-              <a:schemeClr val="accent1"/>
-            </a:fillRef>
-            <a:effectRef idx="0">
-              <a:schemeClr val="accent1"/>
-            </a:effectRef>
-            <a:fontRef idx="minor">
-              <a:schemeClr val="lt1"/>
-            </a:fontRef>
-          </p:style>
-          <p:txBody>
-            <a:bodyPr rtlCol="0" anchor="ctr"/>
-            <a:lstStyle/>
-            <a:p>
-              <a:pPr algn="ctr"/>
-              <a:endParaRPr lang="en-US"/>
-            </a:p>
-          </p:txBody>
-        </p:sp>
-        <p:sp>
-          <p:nvSpPr>
-            <p:cNvPr id="16" name="Rectangle 15">
-              <a:extLst>
-                <a:ext uri="{FF2B5EF4-FFF2-40B4-BE49-F238E27FC236}">
-                  <a16:creationId xmlns:a16="http://schemas.microsoft.com/office/drawing/2014/main" id="{4ACB4486-7F40-4EE7-A7FB-46D2972C1D40}"/>
-                </a:ext>
-              </a:extLst>
-            </p:cNvPr>
-            <p:cNvSpPr/>
-            <p:nvPr/>
-          </p:nvSpPr>
-          <p:spPr>
-            <a:xfrm>
-              <a:off x="9344027" y="3428999"/>
-              <a:ext cx="276224" cy="779147"/>
-            </a:xfrm>
-            <a:prstGeom prst="rect">
-              <a:avLst/>
-            </a:prstGeom>
-            <a:noFill/>
-          </p:spPr>
-          <p:style>
-            <a:lnRef idx="2">
-              <a:schemeClr val="accent1">
-                <a:shade val="50000"/>
-              </a:schemeClr>
-            </a:lnRef>
-            <a:fillRef idx="1">
-              <a:schemeClr val="accent1"/>
-            </a:fillRef>
-            <a:effectRef idx="0">
-              <a:schemeClr val="accent1"/>
-            </a:effectRef>
-            <a:fontRef idx="minor">
-              <a:schemeClr val="lt1"/>
-            </a:fontRef>
-          </p:style>
-          <p:txBody>
-            <a:bodyPr rtlCol="0" anchor="ctr"/>
-            <a:lstStyle/>
-            <a:p>
-              <a:pPr algn="ctr"/>
-              <a:endParaRPr lang="en-US"/>
-            </a:p>
-          </p:txBody>
-        </p:sp>
-        <p:sp>
-          <p:nvSpPr>
-            <p:cNvPr id="17" name="Rectangle 16">
-              <a:extLst>
-                <a:ext uri="{FF2B5EF4-FFF2-40B4-BE49-F238E27FC236}">
-                  <a16:creationId xmlns:a16="http://schemas.microsoft.com/office/drawing/2014/main" id="{02F44F1B-E751-49D8-8C85-E7210870619C}"/>
-                </a:ext>
-              </a:extLst>
-            </p:cNvPr>
-            <p:cNvSpPr/>
-            <p:nvPr/>
-          </p:nvSpPr>
-          <p:spPr>
-            <a:xfrm>
-              <a:off x="9344027" y="4516753"/>
-              <a:ext cx="276224" cy="779147"/>
-            </a:xfrm>
-            <a:prstGeom prst="rect">
-              <a:avLst/>
-            </a:prstGeom>
-            <a:noFill/>
-          </p:spPr>
-          <p:style>
-            <a:lnRef idx="2">
-              <a:schemeClr val="accent1">
-                <a:shade val="50000"/>
-              </a:schemeClr>
-            </a:lnRef>
-            <a:fillRef idx="1">
-              <a:schemeClr val="accent1"/>
-            </a:fillRef>
-            <a:effectRef idx="0">
-              <a:schemeClr val="accent1"/>
-            </a:effectRef>
-            <a:fontRef idx="minor">
-              <a:schemeClr val="lt1"/>
-            </a:fontRef>
-          </p:style>
-          <p:txBody>
-            <a:bodyPr rtlCol="0" anchor="ctr"/>
-            <a:lstStyle/>
-            <a:p>
-              <a:pPr algn="ctr"/>
-              <a:endParaRPr lang="en-US"/>
-            </a:p>
-          </p:txBody>
-        </p:sp>
-      </p:grpSp>
-      <p:sp>
-        <p:nvSpPr>
-          <p:cNvPr id="19" name="Rectangle: Rounded Corners 18">
-            <a:extLst>
-              <a:ext uri="{FF2B5EF4-FFF2-40B4-BE49-F238E27FC236}">
-                <a16:creationId xmlns:a16="http://schemas.microsoft.com/office/drawing/2014/main" id="{EAA4FBDF-C3F6-4281-93E6-14E6C65656AD}"/>
-              </a:ext>
-            </a:extLst>
-          </p:cNvPr>
-          <p:cNvSpPr/>
-          <p:nvPr/>
-        </p:nvSpPr>
-        <p:spPr>
-          <a:xfrm>
-            <a:off x="346445" y="1318451"/>
-            <a:ext cx="4813300" cy="3317351"/>
-          </a:xfrm>
-          <a:prstGeom prst="roundRect">
-            <a:avLst/>
-          </a:prstGeom>
-          <a:noFill/>
-          <a:ln w="38100">
-            <a:solidFill>
-              <a:schemeClr val="tx1"/>
-            </a:solidFill>
-          </a:ln>
-        </p:spPr>
-        <p:style>
-          <a:lnRef idx="2">
-            <a:schemeClr val="accent1">
-              <a:shade val="50000"/>
-            </a:schemeClr>
-          </a:lnRef>
-          <a:fillRef idx="1">
-            <a:schemeClr val="accent1"/>
-          </a:fillRef>
-          <a:effectRef idx="0">
-            <a:schemeClr val="accent1"/>
-          </a:effectRef>
-          <a:fontRef idx="minor">
-            <a:schemeClr val="lt1"/>
-          </a:fontRef>
-        </p:style>
-        <p:txBody>
-          <a:bodyPr rtlCol="0" anchor="ctr"/>
-          <a:lstStyle/>
-          <a:p>
-            <a:pPr algn="ctr"/>
-            <a:endParaRPr lang="en-US"/>
-          </a:p>
-        </p:txBody>
-      </p:sp>
-      <p:cxnSp>
-        <p:nvCxnSpPr>
-          <p:cNvPr id="21" name="Straight Arrow Connector 20">
-            <a:extLst>
-              <a:ext uri="{FF2B5EF4-FFF2-40B4-BE49-F238E27FC236}">
-                <a16:creationId xmlns:a16="http://schemas.microsoft.com/office/drawing/2014/main" id="{C5C47F26-96F3-4729-9195-BA6A18BE6872}"/>
-              </a:ext>
-            </a:extLst>
-          </p:cNvPr>
-          <p:cNvCxnSpPr>
-            <a:cxnSpLocks/>
-          </p:cNvCxnSpPr>
-          <p:nvPr/>
-        </p:nvCxnSpPr>
-        <p:spPr>
-          <a:xfrm>
-            <a:off x="5257800" y="3063351"/>
-            <a:ext cx="4708475" cy="1021500"/>
-          </a:xfrm>
-          <a:prstGeom prst="straightConnector1">
-            <a:avLst/>
-          </a:prstGeom>
-          <a:ln w="38100">
-            <a:solidFill>
-              <a:srgbClr val="42B983"/>
-            </a:solidFill>
-            <a:tailEnd type="triangle"/>
-          </a:ln>
-        </p:spPr>
-        <p:style>
-          <a:lnRef idx="1">
-            <a:schemeClr val="accent1"/>
-          </a:lnRef>
-          <a:fillRef idx="0">
-            <a:schemeClr val="accent1"/>
-          </a:fillRef>
-          <a:effectRef idx="0">
-            <a:schemeClr val="accent1"/>
-          </a:effectRef>
-          <a:fontRef idx="minor">
-            <a:schemeClr val="tx1"/>
-          </a:fontRef>
-        </p:style>
-      </p:cxnSp>
-      <p:cxnSp>
-        <p:nvCxnSpPr>
-          <p:cNvPr id="22" name="Straight Arrow Connector 21">
-            <a:extLst>
-              <a:ext uri="{FF2B5EF4-FFF2-40B4-BE49-F238E27FC236}">
-                <a16:creationId xmlns:a16="http://schemas.microsoft.com/office/drawing/2014/main" id="{A6DB0957-827A-4BBB-BFA6-07565BB1A784}"/>
-              </a:ext>
-            </a:extLst>
-          </p:cNvPr>
-          <p:cNvCxnSpPr>
-            <a:cxnSpLocks/>
-          </p:cNvCxnSpPr>
-          <p:nvPr/>
-        </p:nvCxnSpPr>
-        <p:spPr>
-          <a:xfrm>
-            <a:off x="5257800" y="3063351"/>
-            <a:ext cx="4381745" cy="1990390"/>
-          </a:xfrm>
-          <a:prstGeom prst="straightConnector1">
-            <a:avLst/>
-          </a:prstGeom>
-          <a:ln w="38100">
-            <a:solidFill>
-              <a:srgbClr val="42B983"/>
-            </a:solidFill>
-            <a:tailEnd type="triangle"/>
-          </a:ln>
-        </p:spPr>
-        <p:style>
-          <a:lnRef idx="1">
-            <a:schemeClr val="accent1"/>
-          </a:lnRef>
-          <a:fillRef idx="0">
-            <a:schemeClr val="accent1"/>
-          </a:fillRef>
-          <a:effectRef idx="0">
-            <a:schemeClr val="accent1"/>
-          </a:effectRef>
-          <a:fontRef idx="minor">
-            <a:schemeClr val="tx1"/>
-          </a:fontRef>
-        </p:style>
-      </p:cxnSp>
-      <p:cxnSp>
-        <p:nvCxnSpPr>
-          <p:cNvPr id="24" name="Straight Arrow Connector 23">
-            <a:extLst>
-              <a:ext uri="{FF2B5EF4-FFF2-40B4-BE49-F238E27FC236}">
-                <a16:creationId xmlns:a16="http://schemas.microsoft.com/office/drawing/2014/main" id="{133C741C-B617-44E4-B59C-E42CFA6A09C8}"/>
-              </a:ext>
-            </a:extLst>
-          </p:cNvPr>
-          <p:cNvCxnSpPr>
-            <a:cxnSpLocks/>
-          </p:cNvCxnSpPr>
-          <p:nvPr/>
-        </p:nvCxnSpPr>
-        <p:spPr>
-          <a:xfrm flipV="1">
-            <a:off x="5299111" y="2977127"/>
-            <a:ext cx="3425789" cy="86224"/>
-          </a:xfrm>
-          <a:prstGeom prst="straightConnector1">
-            <a:avLst/>
-          </a:prstGeom>
-          <a:ln w="38100">
-            <a:solidFill>
-              <a:srgbClr val="42B983"/>
-            </a:solidFill>
-            <a:tailEnd type="triangle"/>
-          </a:ln>
-        </p:spPr>
-        <p:style>
-          <a:lnRef idx="1">
-            <a:schemeClr val="accent1"/>
-          </a:lnRef>
-          <a:fillRef idx="0">
-            <a:schemeClr val="accent1"/>
-          </a:fillRef>
-          <a:effectRef idx="0">
-            <a:schemeClr val="accent1"/>
-          </a:effectRef>
-          <a:fontRef idx="minor">
-            <a:schemeClr val="tx1"/>
-          </a:fontRef>
-        </p:style>
-      </p:cxnSp>
-      <p:sp>
-        <p:nvSpPr>
-          <p:cNvPr id="29" name="TextBox 28">
-            <a:extLst>
-              <a:ext uri="{FF2B5EF4-FFF2-40B4-BE49-F238E27FC236}">
-                <a16:creationId xmlns:a16="http://schemas.microsoft.com/office/drawing/2014/main" id="{5E4E106A-9CFE-4EEC-A402-9FAF25879BA1}"/>
-              </a:ext>
-            </a:extLst>
-          </p:cNvPr>
-          <p:cNvSpPr txBox="1"/>
-          <p:nvPr/>
-        </p:nvSpPr>
-        <p:spPr>
-          <a:xfrm>
-            <a:off x="5381823" y="2438897"/>
-            <a:ext cx="2468344" cy="646331"/>
-          </a:xfrm>
-          <a:prstGeom prst="rect">
-            <a:avLst/>
-          </a:prstGeom>
-          <a:noFill/>
-        </p:spPr>
-        <p:txBody>
-          <a:bodyPr wrap="square" rtlCol="0">
-            <a:spAutoFit/>
-          </a:bodyPr>
-          <a:lstStyle/>
-          <a:p>
-            <a:pPr algn="ctr"/>
-            <a:r>
-              <a:rPr lang="en-US" sz="3600" i="1" dirty="0"/>
-              <a:t>Update</a:t>
-            </a:r>
-            <a:endParaRPr lang="en-US" sz="3600" dirty="0"/>
-          </a:p>
-        </p:txBody>
-      </p:sp>
-    </p:spTree>
-    <p:extLst>
-      <p:ext uri="{BB962C8B-B14F-4D97-AF65-F5344CB8AC3E}">
-        <p14:creationId xmlns:p14="http://schemas.microsoft.com/office/powerpoint/2010/main" val="3804630150"/>
-      </p:ext>
-    </p:extLst>
-  </p:cSld>
-  <p:clrMapOvr>
-    <a:masterClrMapping/>
-  </p:clrMapOvr>
-</p:sld>
-</file>
-
-<file path=ppt/slides/slide50.xml><?xml version="1.0" encoding="utf-8"?>
+<file path=ppt/slides/slide51.xml><?xml version="1.0" encoding="utf-8"?>
 <p:sld xmlns:a="http://schemas.openxmlformats.org/drawingml/2006/main" xmlns:r="http://schemas.openxmlformats.org/officeDocument/2006/relationships" xmlns:p="http://schemas.openxmlformats.org/presentationml/2006/main">
   <p:cSld>
     <p:bg>
@@ -24960,13 +25565,49 @@
           <a:lstStyle/>
           <a:p>
             <a:r>
-              <a:rPr lang="en-US" dirty="0">
+              <a:rPr lang="en-US" dirty="0" smtClean="0">
                 <a:solidFill>
                   <a:schemeClr val="bg1"/>
                 </a:solidFill>
               </a:rPr>
-              <a:t>The end!</a:t>
-            </a:r>
+              <a:t>Let’s “</a:t>
+            </a:r>
+            <a:r>
+              <a:rPr lang="en-US" dirty="0" err="1" smtClean="0">
+                <a:solidFill>
+                  <a:schemeClr val="bg1"/>
+                </a:solidFill>
+              </a:rPr>
+              <a:t>Vue</a:t>
+            </a:r>
+            <a:r>
+              <a:rPr lang="en-US" dirty="0" smtClean="0">
+                <a:solidFill>
+                  <a:schemeClr val="bg1"/>
+                </a:solidFill>
+              </a:rPr>
+              <a:t>” it!</a:t>
+            </a:r>
+            <a:br>
+              <a:rPr lang="en-US" dirty="0" smtClean="0">
+                <a:solidFill>
+                  <a:schemeClr val="bg1"/>
+                </a:solidFill>
+              </a:rPr>
+            </a:br>
+            <a:r>
+              <a:rPr lang="en-US" dirty="0" smtClean="0">
+                <a:solidFill>
+                  <a:schemeClr val="bg1"/>
+                </a:solidFill>
+              </a:rPr>
+              <a:t>Thank you!</a:t>
+            </a:r>
+            <a:endParaRPr lang="en-US" dirty="0">
+              <a:solidFill>
+                <a:schemeClr val="bg1"/>
+              </a:solidFill>
+            </a:endParaRPr>
           </a:p>
         </p:txBody>
       </p:sp>
@@ -24980,6 +25621,13 @@
   <p:clrMapOvr>
     <a:masterClrMapping/>
   </p:clrMapOvr>
+  <p:timing>
+    <p:tnLst>
+      <p:par>
+        <p:cTn id="1" dur="indefinite" restart="never" nodeType="tmRoot"/>
+      </p:par>
+    </p:tnLst>
+  </p:timing>
 </p:sld>
 </file>
 
@@ -25070,7 +25718,7 @@
             <p:nvPr/>
           </p:nvPicPr>
           <p:blipFill>
-            <a:blip r:embed="rId2">
+            <a:blip r:embed="rId2" cstate="hqprint">
               <a:extLst>
                 <a:ext uri="{28A0092B-C50C-407E-A947-70E740481C1C}">
                   <a14:useLocalDpi xmlns:a14="http://schemas.microsoft.com/office/drawing/2010/main" val="0"/>
@@ -26213,7 +26861,7 @@
           <p:nvPr/>
         </p:nvPicPr>
         <p:blipFill>
-          <a:blip r:embed="rId3">
+          <a:blip r:embed="rId3" cstate="hqprint">
             <a:extLst>
               <a:ext uri="{28A0092B-C50C-407E-A947-70E740481C1C}">
                 <a14:useLocalDpi xmlns:a14="http://schemas.microsoft.com/office/drawing/2010/main" val="0"/>
@@ -26962,6 +27610,13 @@
   <p:clrMapOvr>
     <a:masterClrMapping/>
   </p:clrMapOvr>
+  <p:timing>
+    <p:tnLst>
+      <p:par>
+        <p:cTn id="1" dur="indefinite" restart="never" nodeType="tmRoot"/>
+      </p:par>
+    </p:tnLst>
+  </p:timing>
 </p:sld>
 </file>
 
@@ -27147,7 +27802,7 @@
           <p:nvPr/>
         </p:nvPicPr>
         <p:blipFill>
-          <a:blip r:embed="rId3">
+          <a:blip r:embed="rId3" cstate="hqprint">
             <a:extLst>
               <a:ext uri="{28A0092B-C50C-407E-A947-70E740481C1C}">
                 <a14:useLocalDpi xmlns:a14="http://schemas.microsoft.com/office/drawing/2010/main" val="0"/>
@@ -27358,6 +28013,13 @@
   <p:clrMapOvr>
     <a:masterClrMapping/>
   </p:clrMapOvr>
+  <p:timing>
+    <p:tnLst>
+      <p:par>
+        <p:cTn id="1" dur="indefinite" restart="never" nodeType="tmRoot"/>
+      </p:par>
+    </p:tnLst>
+  </p:timing>
 </p:sld>
 </file>
 
@@ -27388,31 +28050,6 @@
       </p:grpSpPr>
       <p:sp>
         <p:nvSpPr>
-          <p:cNvPr id="5" name="Title 4">
-            <a:extLst>
-              <a:ext uri="{FF2B5EF4-FFF2-40B4-BE49-F238E27FC236}">
-                <a16:creationId xmlns:a16="http://schemas.microsoft.com/office/drawing/2014/main" id="{7A86DA80-9DBB-4041-A6DB-4CB45F85D3F8}"/>
-              </a:ext>
-            </a:extLst>
-          </p:cNvPr>
-          <p:cNvSpPr>
-            <a:spLocks noGrp="1"/>
-          </p:cNvSpPr>
-          <p:nvPr>
-            <p:ph type="title"/>
-          </p:nvPr>
-        </p:nvSpPr>
-        <p:spPr/>
-        <p:txBody>
-          <a:bodyPr/>
-          <a:lstStyle/>
-          <a:p>
-            <a:endParaRPr lang="en-US"/>
-          </a:p>
-        </p:txBody>
-      </p:sp>
-      <p:sp>
-        <p:nvSpPr>
           <p:cNvPr id="6" name="Title 1">
             <a:extLst>
               <a:ext uri="{FF2B5EF4-FFF2-40B4-BE49-F238E27FC236}">
@@ -27523,7 +28160,7 @@
         </p:nvSpPr>
         <p:spPr>
           <a:xfrm>
-            <a:off x="4000071" y="2716967"/>
+            <a:off x="4000071" y="2735821"/>
             <a:ext cx="4222680" cy="646331"/>
           </a:xfrm>
           <a:prstGeom prst="rect">
@@ -27586,6 +28223,59 @@
               </a:rPr>
               <a:t>Architect pattern</a:t>
             </a:r>
+          </a:p>
+        </p:txBody>
+      </p:sp>
+      <p:sp>
+        <p:nvSpPr>
+          <p:cNvPr id="10" name="TextBox 9">
+            <a:extLst>
+              <a:ext uri="{FF2B5EF4-FFF2-40B4-BE49-F238E27FC236}">
+                <a16:creationId xmlns:a16="http://schemas.microsoft.com/office/drawing/2014/main" id="{A5330D25-FDB4-4AAA-917E-A98597FE81BC}"/>
+              </a:ext>
+            </a:extLst>
+          </p:cNvPr>
+          <p:cNvSpPr txBox="1"/>
+          <p:nvPr/>
+        </p:nvSpPr>
+        <p:spPr>
+          <a:xfrm>
+            <a:off x="4000071" y="4101173"/>
+            <a:ext cx="4222680" cy="646331"/>
+          </a:xfrm>
+          <a:prstGeom prst="rect">
+            <a:avLst/>
+          </a:prstGeom>
+          <a:noFill/>
+        </p:spPr>
+        <p:txBody>
+          <a:bodyPr wrap="square" rtlCol="0">
+            <a:spAutoFit/>
+          </a:bodyPr>
+          <a:lstStyle/>
+          <a:p>
+            <a:pPr algn="ctr"/>
+            <a:r>
+              <a:rPr lang="en-US" sz="3600" dirty="0" err="1" smtClean="0">
+                <a:solidFill>
+                  <a:srgbClr val="FF0000"/>
+                </a:solidFill>
+              </a:rPr>
+              <a:t>Vue</a:t>
+            </a:r>
+            <a:r>
+              <a:rPr lang="en-US" sz="3600" dirty="0" smtClean="0">
+                <a:solidFill>
+                  <a:srgbClr val="FF0000"/>
+                </a:solidFill>
+              </a:rPr>
+              <a:t> requirements</a:t>
+            </a:r>
+            <a:endParaRPr lang="en-US" sz="3600" dirty="0">
+              <a:solidFill>
+                <a:srgbClr val="FF0000"/>
+              </a:solidFill>
+            </a:endParaRPr>
           </a:p>
         </p:txBody>
       </p:sp>
@@ -27599,6 +28289,13 @@
   <p:clrMapOvr>
     <a:masterClrMapping/>
   </p:clrMapOvr>
+  <p:timing>
+    <p:tnLst>
+      <p:par>
+        <p:cTn id="1" dur="indefinite" restart="never" nodeType="tmRoot"/>
+      </p:par>
+    </p:tnLst>
+  </p:timing>
 </p:sld>
 </file>
 
@@ -27920,6 +28617,13 @@
   <p:clrMapOvr>
     <a:masterClrMapping/>
   </p:clrMapOvr>
+  <p:timing>
+    <p:tnLst>
+      <p:par>
+        <p:cTn id="1" dur="indefinite" restart="never" nodeType="tmRoot"/>
+      </p:par>
+    </p:tnLst>
+  </p:timing>
 </p:sld>
 </file>
 
